--- a/8.0_Machine Learning/ml_class/ml_class_notes/class_2_Linear Regression_class_2.pptx
+++ b/8.0_Machine Learning/ml_class/ml_class_notes/class_2_Linear Regression_class_2.pptx
@@ -19,29 +19,28 @@
     <p:sldId id="267" r:id="rId14"/>
     <p:sldId id="293" r:id="rId15"/>
     <p:sldId id="268" r:id="rId16"/>
-    <p:sldId id="269" r:id="rId17"/>
-    <p:sldId id="270" r:id="rId18"/>
-    <p:sldId id="294" r:id="rId19"/>
-    <p:sldId id="295" r:id="rId20"/>
-    <p:sldId id="297" r:id="rId21"/>
-    <p:sldId id="296" r:id="rId22"/>
-    <p:sldId id="298" r:id="rId23"/>
-    <p:sldId id="280" r:id="rId24"/>
-    <p:sldId id="288" r:id="rId25"/>
-    <p:sldId id="290" r:id="rId26"/>
-    <p:sldId id="300" r:id="rId27"/>
-    <p:sldId id="289" r:id="rId28"/>
-    <p:sldId id="291" r:id="rId29"/>
-    <p:sldId id="292" r:id="rId30"/>
-    <p:sldId id="271" r:id="rId31"/>
-    <p:sldId id="274" r:id="rId32"/>
-    <p:sldId id="299" r:id="rId33"/>
-    <p:sldId id="273" r:id="rId34"/>
-    <p:sldId id="275" r:id="rId35"/>
-    <p:sldId id="276" r:id="rId36"/>
-    <p:sldId id="301" r:id="rId37"/>
-    <p:sldId id="277" r:id="rId38"/>
-    <p:sldId id="317" r:id="rId39"/>
+    <p:sldId id="270" r:id="rId17"/>
+    <p:sldId id="294" r:id="rId18"/>
+    <p:sldId id="295" r:id="rId19"/>
+    <p:sldId id="297" r:id="rId20"/>
+    <p:sldId id="296" r:id="rId21"/>
+    <p:sldId id="298" r:id="rId22"/>
+    <p:sldId id="280" r:id="rId23"/>
+    <p:sldId id="288" r:id="rId24"/>
+    <p:sldId id="290" r:id="rId25"/>
+    <p:sldId id="300" r:id="rId26"/>
+    <p:sldId id="289" r:id="rId27"/>
+    <p:sldId id="291" r:id="rId28"/>
+    <p:sldId id="292" r:id="rId29"/>
+    <p:sldId id="271" r:id="rId30"/>
+    <p:sldId id="274" r:id="rId31"/>
+    <p:sldId id="299" r:id="rId32"/>
+    <p:sldId id="273" r:id="rId33"/>
+    <p:sldId id="275" r:id="rId34"/>
+    <p:sldId id="276" r:id="rId35"/>
+    <p:sldId id="301" r:id="rId36"/>
+    <p:sldId id="277" r:id="rId37"/>
+    <p:sldId id="317" r:id="rId38"/>
   </p:sldIdLst>
   <p:sldSz cx="12192000" cy="6858000"/>
   <p:notesSz cx="6858000" cy="9144000"/>
@@ -141,4541 +140,6 @@
     </a:lvl9pPr>
   </p:defaultTextStyle>
 </p:presentation>
-</file>
-
-<file path=ppt/diagrams/colors1.xml><?xml version="1.0" encoding="utf-8"?>
-<dgm:colorsDef xmlns:dgm="http://schemas.openxmlformats.org/drawingml/2006/diagram" xmlns:a="http://schemas.openxmlformats.org/drawingml/2006/main" uniqueId="urn:microsoft.com/office/officeart/2005/8/colors/accent1_2#3">
-  <dgm:title val=""/>
-  <dgm:desc val=""/>
-  <dgm:catLst>
-    <dgm:cat type="accent1" pri="11200"/>
-  </dgm:catLst>
-  <dgm:styleLbl name="alignAcc1">
-    <dgm:fillClrLst meth="repeat">
-      <a:schemeClr val="lt1">
-        <a:alpha val="90000"/>
-      </a:schemeClr>
-    </dgm:fillClrLst>
-    <dgm:linClrLst meth="repeat">
-      <a:schemeClr val="accent1"/>
-    </dgm:linClrLst>
-    <dgm:effectClrLst/>
-    <dgm:txLinClrLst/>
-    <dgm:txFillClrLst meth="repeat">
-      <a:schemeClr val="dk1"/>
-    </dgm:txFillClrLst>
-    <dgm:txEffectClrLst/>
-  </dgm:styleLbl>
-  <dgm:styleLbl name="alignAccFollowNode1">
-    <dgm:fillClrLst meth="repeat">
-      <a:schemeClr val="accent1">
-        <a:alpha val="90000"/>
-        <a:tint val="40000"/>
-      </a:schemeClr>
-    </dgm:fillClrLst>
-    <dgm:linClrLst meth="repeat">
-      <a:schemeClr val="accent1">
-        <a:alpha val="90000"/>
-        <a:tint val="40000"/>
-      </a:schemeClr>
-    </dgm:linClrLst>
-    <dgm:effectClrLst/>
-    <dgm:txLinClrLst/>
-    <dgm:txFillClrLst meth="repeat">
-      <a:schemeClr val="dk1"/>
-    </dgm:txFillClrLst>
-    <dgm:txEffectClrLst/>
-  </dgm:styleLbl>
-  <dgm:styleLbl name="alignImgPlace1">
-    <dgm:fillClrLst meth="repeat">
-      <a:schemeClr val="accent1">
-        <a:tint val="50000"/>
-      </a:schemeClr>
-    </dgm:fillClrLst>
-    <dgm:linClrLst meth="repeat">
-      <a:schemeClr val="lt1"/>
-    </dgm:linClrLst>
-    <dgm:effectClrLst/>
-    <dgm:txLinClrLst/>
-    <dgm:txFillClrLst meth="repeat">
-      <a:schemeClr val="lt1"/>
-    </dgm:txFillClrLst>
-    <dgm:txEffectClrLst/>
-  </dgm:styleLbl>
-  <dgm:styleLbl name="alignNode1">
-    <dgm:fillClrLst meth="repeat">
-      <a:schemeClr val="accent1"/>
-    </dgm:fillClrLst>
-    <dgm:linClrLst meth="repeat">
-      <a:schemeClr val="accent1"/>
-    </dgm:linClrLst>
-    <dgm:effectClrLst/>
-    <dgm:txLinClrLst/>
-    <dgm:txFillClrLst/>
-    <dgm:txEffectClrLst/>
-  </dgm:styleLbl>
-  <dgm:styleLbl name="asst0">
-    <dgm:fillClrLst meth="repeat">
-      <a:schemeClr val="accent1"/>
-    </dgm:fillClrLst>
-    <dgm:linClrLst meth="repeat">
-      <a:schemeClr val="lt1"/>
-    </dgm:linClrLst>
-    <dgm:effectClrLst/>
-    <dgm:txLinClrLst/>
-    <dgm:txFillClrLst/>
-    <dgm:txEffectClrLst/>
-  </dgm:styleLbl>
-  <dgm:styleLbl name="asst1">
-    <dgm:fillClrLst meth="repeat">
-      <a:schemeClr val="accent1"/>
-    </dgm:fillClrLst>
-    <dgm:linClrLst meth="repeat">
-      <a:schemeClr val="lt1"/>
-    </dgm:linClrLst>
-    <dgm:effectClrLst/>
-    <dgm:txLinClrLst/>
-    <dgm:txFillClrLst/>
-    <dgm:txEffectClrLst/>
-  </dgm:styleLbl>
-  <dgm:styleLbl name="asst2">
-    <dgm:fillClrLst meth="repeat">
-      <a:schemeClr val="accent1"/>
-    </dgm:fillClrLst>
-    <dgm:linClrLst meth="repeat">
-      <a:schemeClr val="lt1"/>
-    </dgm:linClrLst>
-    <dgm:effectClrLst/>
-    <dgm:txLinClrLst/>
-    <dgm:txFillClrLst/>
-    <dgm:txEffectClrLst/>
-  </dgm:styleLbl>
-  <dgm:styleLbl name="asst3">
-    <dgm:fillClrLst meth="repeat">
-      <a:schemeClr val="accent1"/>
-    </dgm:fillClrLst>
-    <dgm:linClrLst meth="repeat">
-      <a:schemeClr val="lt1"/>
-    </dgm:linClrLst>
-    <dgm:effectClrLst/>
-    <dgm:txLinClrLst/>
-    <dgm:txFillClrLst/>
-    <dgm:txEffectClrLst/>
-  </dgm:styleLbl>
-  <dgm:styleLbl name="asst4">
-    <dgm:fillClrLst meth="repeat">
-      <a:schemeClr val="accent1"/>
-    </dgm:fillClrLst>
-    <dgm:linClrLst meth="repeat">
-      <a:schemeClr val="lt1"/>
-    </dgm:linClrLst>
-    <dgm:effectClrLst/>
-    <dgm:txLinClrLst/>
-    <dgm:txFillClrLst/>
-    <dgm:txEffectClrLst/>
-  </dgm:styleLbl>
-  <dgm:styleLbl name="bgAcc1">
-    <dgm:fillClrLst meth="repeat">
-      <a:schemeClr val="lt1">
-        <a:alpha val="90000"/>
-      </a:schemeClr>
-    </dgm:fillClrLst>
-    <dgm:linClrLst meth="repeat">
-      <a:schemeClr val="accent1"/>
-    </dgm:linClrLst>
-    <dgm:effectClrLst/>
-    <dgm:txLinClrLst/>
-    <dgm:txFillClrLst meth="repeat">
-      <a:schemeClr val="dk1"/>
-    </dgm:txFillClrLst>
-    <dgm:txEffectClrLst/>
-  </dgm:styleLbl>
-  <dgm:styleLbl name="bgAccFollowNode1">
-    <dgm:fillClrLst meth="repeat">
-      <a:schemeClr val="accent1">
-        <a:alpha val="90000"/>
-        <a:tint val="40000"/>
-      </a:schemeClr>
-    </dgm:fillClrLst>
-    <dgm:linClrLst meth="repeat">
-      <a:schemeClr val="accent1">
-        <a:alpha val="90000"/>
-        <a:tint val="40000"/>
-      </a:schemeClr>
-    </dgm:linClrLst>
-    <dgm:effectClrLst/>
-    <dgm:txLinClrLst/>
-    <dgm:txFillClrLst meth="repeat">
-      <a:schemeClr val="dk1"/>
-    </dgm:txFillClrLst>
-    <dgm:txEffectClrLst/>
-  </dgm:styleLbl>
-  <dgm:styleLbl name="bgImgPlace1">
-    <dgm:fillClrLst meth="repeat">
-      <a:schemeClr val="accent1">
-        <a:tint val="50000"/>
-      </a:schemeClr>
-    </dgm:fillClrLst>
-    <dgm:linClrLst meth="repeat">
-      <a:schemeClr val="lt1"/>
-    </dgm:linClrLst>
-    <dgm:effectClrLst/>
-    <dgm:txLinClrLst/>
-    <dgm:txFillClrLst meth="repeat">
-      <a:schemeClr val="lt1"/>
-    </dgm:txFillClrLst>
-    <dgm:txEffectClrLst/>
-  </dgm:styleLbl>
-  <dgm:styleLbl name="bgShp">
-    <dgm:fillClrLst meth="repeat">
-      <a:schemeClr val="accent1">
-        <a:tint val="40000"/>
-      </a:schemeClr>
-    </dgm:fillClrLst>
-    <dgm:linClrLst meth="repeat">
-      <a:schemeClr val="accent1"/>
-    </dgm:linClrLst>
-    <dgm:effectClrLst/>
-    <dgm:txLinClrLst/>
-    <dgm:txFillClrLst meth="repeat">
-      <a:schemeClr val="dk1"/>
-    </dgm:txFillClrLst>
-    <dgm:txEffectClrLst/>
-  </dgm:styleLbl>
-  <dgm:styleLbl name="bgSibTrans2D1">
-    <dgm:fillClrLst meth="repeat">
-      <a:schemeClr val="accent1">
-        <a:tint val="60000"/>
-      </a:schemeClr>
-    </dgm:fillClrLst>
-    <dgm:linClrLst meth="repeat">
-      <a:schemeClr val="accent1">
-        <a:tint val="60000"/>
-      </a:schemeClr>
-    </dgm:linClrLst>
-    <dgm:effectClrLst/>
-    <dgm:txLinClrLst/>
-    <dgm:txFillClrLst/>
-    <dgm:txEffectClrLst/>
-  </dgm:styleLbl>
-  <dgm:styleLbl name="callout">
-    <dgm:fillClrLst meth="repeat">
-      <a:schemeClr val="accent1"/>
-    </dgm:fillClrLst>
-    <dgm:linClrLst meth="repeat">
-      <a:schemeClr val="accent1">
-        <a:tint val="50000"/>
-      </a:schemeClr>
-    </dgm:linClrLst>
-    <dgm:effectClrLst/>
-    <dgm:txLinClrLst/>
-    <dgm:txFillClrLst meth="repeat">
-      <a:schemeClr val="tx1"/>
-    </dgm:txFillClrLst>
-    <dgm:txEffectClrLst/>
-  </dgm:styleLbl>
-  <dgm:styleLbl name="conFgAcc1">
-    <dgm:fillClrLst meth="repeat">
-      <a:schemeClr val="lt1">
-        <a:alpha val="90000"/>
-      </a:schemeClr>
-    </dgm:fillClrLst>
-    <dgm:linClrLst meth="repeat">
-      <a:schemeClr val="accent1"/>
-    </dgm:linClrLst>
-    <dgm:effectClrLst/>
-    <dgm:txLinClrLst/>
-    <dgm:txFillClrLst meth="repeat">
-      <a:schemeClr val="dk1"/>
-    </dgm:txFillClrLst>
-    <dgm:txEffectClrLst/>
-  </dgm:styleLbl>
-  <dgm:styleLbl name="dkBgShp">
-    <dgm:fillClrLst meth="repeat">
-      <a:schemeClr val="accent1">
-        <a:shade val="80000"/>
-      </a:schemeClr>
-    </dgm:fillClrLst>
-    <dgm:linClrLst meth="repeat">
-      <a:schemeClr val="accent1"/>
-    </dgm:linClrLst>
-    <dgm:effectClrLst/>
-    <dgm:txLinClrLst/>
-    <dgm:txFillClrLst meth="repeat">
-      <a:schemeClr val="lt1"/>
-    </dgm:txFillClrLst>
-    <dgm:txEffectClrLst/>
-  </dgm:styleLbl>
-  <dgm:styleLbl name="fgAcc0">
-    <dgm:fillClrLst meth="repeat">
-      <a:schemeClr val="lt1">
-        <a:alpha val="90000"/>
-      </a:schemeClr>
-    </dgm:fillClrLst>
-    <dgm:linClrLst meth="repeat">
-      <a:schemeClr val="accent1"/>
-    </dgm:linClrLst>
-    <dgm:effectClrLst/>
-    <dgm:txLinClrLst/>
-    <dgm:txFillClrLst meth="repeat">
-      <a:schemeClr val="dk1"/>
-    </dgm:txFillClrLst>
-    <dgm:txEffectClrLst/>
-  </dgm:styleLbl>
-  <dgm:styleLbl name="fgAcc1">
-    <dgm:fillClrLst meth="repeat">
-      <a:schemeClr val="lt1">
-        <a:alpha val="90000"/>
-      </a:schemeClr>
-    </dgm:fillClrLst>
-    <dgm:linClrLst meth="repeat">
-      <a:schemeClr val="accent1"/>
-    </dgm:linClrLst>
-    <dgm:effectClrLst/>
-    <dgm:txLinClrLst/>
-    <dgm:txFillClrLst meth="repeat">
-      <a:schemeClr val="dk1"/>
-    </dgm:txFillClrLst>
-    <dgm:txEffectClrLst/>
-  </dgm:styleLbl>
-  <dgm:styleLbl name="fgAcc2">
-    <dgm:fillClrLst meth="repeat">
-      <a:schemeClr val="lt1">
-        <a:alpha val="90000"/>
-      </a:schemeClr>
-    </dgm:fillClrLst>
-    <dgm:linClrLst meth="repeat">
-      <a:schemeClr val="accent1"/>
-    </dgm:linClrLst>
-    <dgm:effectClrLst/>
-    <dgm:txLinClrLst/>
-    <dgm:txFillClrLst meth="repeat">
-      <a:schemeClr val="dk1"/>
-    </dgm:txFillClrLst>
-    <dgm:txEffectClrLst/>
-  </dgm:styleLbl>
-  <dgm:styleLbl name="fgAcc3">
-    <dgm:fillClrLst meth="repeat">
-      <a:schemeClr val="lt1">
-        <a:alpha val="90000"/>
-      </a:schemeClr>
-    </dgm:fillClrLst>
-    <dgm:linClrLst meth="repeat">
-      <a:schemeClr val="accent1"/>
-    </dgm:linClrLst>
-    <dgm:effectClrLst/>
-    <dgm:txLinClrLst/>
-    <dgm:txFillClrLst meth="repeat">
-      <a:schemeClr val="dk1"/>
-    </dgm:txFillClrLst>
-    <dgm:txEffectClrLst/>
-  </dgm:styleLbl>
-  <dgm:styleLbl name="fgAcc4">
-    <dgm:fillClrLst meth="repeat">
-      <a:schemeClr val="lt1">
-        <a:alpha val="90000"/>
-      </a:schemeClr>
-    </dgm:fillClrLst>
-    <dgm:linClrLst meth="repeat">
-      <a:schemeClr val="accent1"/>
-    </dgm:linClrLst>
-    <dgm:effectClrLst/>
-    <dgm:txLinClrLst/>
-    <dgm:txFillClrLst meth="repeat">
-      <a:schemeClr val="dk1"/>
-    </dgm:txFillClrLst>
-    <dgm:txEffectClrLst/>
-  </dgm:styleLbl>
-  <dgm:styleLbl name="fgAccFollowNode1">
-    <dgm:fillClrLst meth="repeat">
-      <a:schemeClr val="accent1">
-        <a:alpha val="90000"/>
-        <a:tint val="40000"/>
-      </a:schemeClr>
-    </dgm:fillClrLst>
-    <dgm:linClrLst meth="repeat">
-      <a:schemeClr val="accent1">
-        <a:alpha val="90000"/>
-        <a:tint val="40000"/>
-      </a:schemeClr>
-    </dgm:linClrLst>
-    <dgm:effectClrLst/>
-    <dgm:txLinClrLst/>
-    <dgm:txFillClrLst meth="repeat">
-      <a:schemeClr val="dk1"/>
-    </dgm:txFillClrLst>
-    <dgm:txEffectClrLst/>
-  </dgm:styleLbl>
-  <dgm:styleLbl name="fgImgPlace1">
-    <dgm:fillClrLst meth="repeat">
-      <a:schemeClr val="accent1">
-        <a:tint val="50000"/>
-      </a:schemeClr>
-    </dgm:fillClrLst>
-    <dgm:linClrLst meth="repeat">
-      <a:schemeClr val="lt1"/>
-    </dgm:linClrLst>
-    <dgm:effectClrLst/>
-    <dgm:txLinClrLst/>
-    <dgm:txFillClrLst meth="repeat">
-      <a:schemeClr val="lt1"/>
-    </dgm:txFillClrLst>
-    <dgm:txEffectClrLst/>
-  </dgm:styleLbl>
-  <dgm:styleLbl name="fgShp">
-    <dgm:fillClrLst meth="repeat">
-      <a:schemeClr val="accent1">
-        <a:tint val="60000"/>
-      </a:schemeClr>
-    </dgm:fillClrLst>
-    <dgm:linClrLst meth="repeat">
-      <a:schemeClr val="lt1"/>
-    </dgm:linClrLst>
-    <dgm:effectClrLst/>
-    <dgm:txLinClrLst/>
-    <dgm:txFillClrLst meth="repeat">
-      <a:schemeClr val="dk1"/>
-    </dgm:txFillClrLst>
-    <dgm:txEffectClrLst/>
-  </dgm:styleLbl>
-  <dgm:styleLbl name="fgSibTrans2D1">
-    <dgm:fillClrLst meth="repeat">
-      <a:schemeClr val="accent1">
-        <a:tint val="60000"/>
-      </a:schemeClr>
-    </dgm:fillClrLst>
-    <dgm:linClrLst meth="repeat">
-      <a:schemeClr val="accent1">
-        <a:tint val="60000"/>
-      </a:schemeClr>
-    </dgm:linClrLst>
-    <dgm:effectClrLst/>
-    <dgm:txLinClrLst/>
-    <dgm:txFillClrLst/>
-    <dgm:txEffectClrLst/>
-  </dgm:styleLbl>
-  <dgm:styleLbl name="lnNode1">
-    <dgm:fillClrLst meth="repeat">
-      <a:schemeClr val="accent1"/>
-    </dgm:fillClrLst>
-    <dgm:linClrLst meth="repeat">
-      <a:schemeClr val="lt1"/>
-    </dgm:linClrLst>
-    <dgm:effectClrLst/>
-    <dgm:txLinClrLst/>
-    <dgm:txFillClrLst/>
-    <dgm:txEffectClrLst/>
-  </dgm:styleLbl>
-  <dgm:styleLbl name="node0">
-    <dgm:fillClrLst meth="repeat">
-      <a:schemeClr val="accent1"/>
-    </dgm:fillClrLst>
-    <dgm:linClrLst meth="repeat">
-      <a:schemeClr val="lt1"/>
-    </dgm:linClrLst>
-    <dgm:effectClrLst/>
-    <dgm:txLinClrLst/>
-    <dgm:txFillClrLst/>
-    <dgm:txEffectClrLst/>
-  </dgm:styleLbl>
-  <dgm:styleLbl name="node1">
-    <dgm:fillClrLst meth="repeat">
-      <a:schemeClr val="accent1"/>
-    </dgm:fillClrLst>
-    <dgm:linClrLst meth="repeat">
-      <a:schemeClr val="lt1"/>
-    </dgm:linClrLst>
-    <dgm:effectClrLst/>
-    <dgm:txLinClrLst/>
-    <dgm:txFillClrLst/>
-    <dgm:txEffectClrLst/>
-  </dgm:styleLbl>
-  <dgm:styleLbl name="node2">
-    <dgm:fillClrLst meth="repeat">
-      <a:schemeClr val="accent1"/>
-    </dgm:fillClrLst>
-    <dgm:linClrLst meth="repeat">
-      <a:schemeClr val="lt1"/>
-    </dgm:linClrLst>
-    <dgm:effectClrLst/>
-    <dgm:txLinClrLst/>
-    <dgm:txFillClrLst/>
-    <dgm:txEffectClrLst/>
-  </dgm:styleLbl>
-  <dgm:styleLbl name="node3">
-    <dgm:fillClrLst meth="repeat">
-      <a:schemeClr val="accent1"/>
-    </dgm:fillClrLst>
-    <dgm:linClrLst meth="repeat">
-      <a:schemeClr val="lt1"/>
-    </dgm:linClrLst>
-    <dgm:effectClrLst/>
-    <dgm:txLinClrLst/>
-    <dgm:txFillClrLst/>
-    <dgm:txEffectClrLst/>
-  </dgm:styleLbl>
-  <dgm:styleLbl name="node4">
-    <dgm:fillClrLst meth="repeat">
-      <a:schemeClr val="accent1"/>
-    </dgm:fillClrLst>
-    <dgm:linClrLst meth="repeat">
-      <a:schemeClr val="lt1"/>
-    </dgm:linClrLst>
-    <dgm:effectClrLst/>
-    <dgm:txLinClrLst/>
-    <dgm:txFillClrLst/>
-    <dgm:txEffectClrLst/>
-  </dgm:styleLbl>
-  <dgm:styleLbl name="parChTrans1D1">
-    <dgm:fillClrLst meth="repeat">
-      <a:schemeClr val="accent1"/>
-    </dgm:fillClrLst>
-    <dgm:linClrLst meth="repeat">
-      <a:schemeClr val="accent1">
-        <a:shade val="60000"/>
-      </a:schemeClr>
-    </dgm:linClrLst>
-    <dgm:effectClrLst/>
-    <dgm:txLinClrLst/>
-    <dgm:txFillClrLst meth="repeat">
-      <a:schemeClr val="tx1"/>
-    </dgm:txFillClrLst>
-    <dgm:txEffectClrLst/>
-  </dgm:styleLbl>
-  <dgm:styleLbl name="parChTrans1D2">
-    <dgm:fillClrLst meth="repeat">
-      <a:schemeClr val="accent1"/>
-    </dgm:fillClrLst>
-    <dgm:linClrLst meth="repeat">
-      <a:schemeClr val="accent1">
-        <a:shade val="60000"/>
-      </a:schemeClr>
-    </dgm:linClrLst>
-    <dgm:effectClrLst/>
-    <dgm:txLinClrLst/>
-    <dgm:txFillClrLst meth="repeat">
-      <a:schemeClr val="tx1"/>
-    </dgm:txFillClrLst>
-    <dgm:txEffectClrLst/>
-  </dgm:styleLbl>
-  <dgm:styleLbl name="parChTrans1D3">
-    <dgm:fillClrLst meth="repeat">
-      <a:schemeClr val="accent1"/>
-    </dgm:fillClrLst>
-    <dgm:linClrLst meth="repeat">
-      <a:schemeClr val="accent1">
-        <a:shade val="80000"/>
-      </a:schemeClr>
-    </dgm:linClrLst>
-    <dgm:effectClrLst/>
-    <dgm:txLinClrLst/>
-    <dgm:txFillClrLst meth="repeat">
-      <a:schemeClr val="tx1"/>
-    </dgm:txFillClrLst>
-    <dgm:txEffectClrLst/>
-  </dgm:styleLbl>
-  <dgm:styleLbl name="parChTrans1D4">
-    <dgm:fillClrLst meth="repeat">
-      <a:schemeClr val="accent1"/>
-    </dgm:fillClrLst>
-    <dgm:linClrLst meth="repeat">
-      <a:schemeClr val="accent1">
-        <a:shade val="80000"/>
-      </a:schemeClr>
-    </dgm:linClrLst>
-    <dgm:effectClrLst/>
-    <dgm:txLinClrLst/>
-    <dgm:txFillClrLst meth="repeat">
-      <a:schemeClr val="tx1"/>
-    </dgm:txFillClrLst>
-    <dgm:txEffectClrLst/>
-  </dgm:styleLbl>
-  <dgm:styleLbl name="parChTrans2D1">
-    <dgm:fillClrLst meth="repeat">
-      <a:schemeClr val="accent1">
-        <a:tint val="60000"/>
-      </a:schemeClr>
-    </dgm:fillClrLst>
-    <dgm:linClrLst meth="repeat">
-      <a:schemeClr val="accent1">
-        <a:tint val="60000"/>
-      </a:schemeClr>
-    </dgm:linClrLst>
-    <dgm:effectClrLst/>
-    <dgm:txLinClrLst/>
-    <dgm:txFillClrLst meth="repeat">
-      <a:schemeClr val="lt1"/>
-    </dgm:txFillClrLst>
-    <dgm:txEffectClrLst/>
-  </dgm:styleLbl>
-  <dgm:styleLbl name="parChTrans2D2">
-    <dgm:fillClrLst meth="repeat">
-      <a:schemeClr val="accent1"/>
-    </dgm:fillClrLst>
-    <dgm:linClrLst meth="repeat">
-      <a:schemeClr val="accent1"/>
-    </dgm:linClrLst>
-    <dgm:effectClrLst/>
-    <dgm:txLinClrLst/>
-    <dgm:txFillClrLst meth="repeat">
-      <a:schemeClr val="lt1"/>
-    </dgm:txFillClrLst>
-    <dgm:txEffectClrLst/>
-  </dgm:styleLbl>
-  <dgm:styleLbl name="parChTrans2D3">
-    <dgm:fillClrLst meth="repeat">
-      <a:schemeClr val="accent1"/>
-    </dgm:fillClrLst>
-    <dgm:linClrLst meth="repeat">
-      <a:schemeClr val="accent1"/>
-    </dgm:linClrLst>
-    <dgm:effectClrLst/>
-    <dgm:txLinClrLst/>
-    <dgm:txFillClrLst meth="repeat">
-      <a:schemeClr val="lt1"/>
-    </dgm:txFillClrLst>
-    <dgm:txEffectClrLst/>
-  </dgm:styleLbl>
-  <dgm:styleLbl name="parChTrans2D4">
-    <dgm:fillClrLst meth="repeat">
-      <a:schemeClr val="accent1"/>
-    </dgm:fillClrLst>
-    <dgm:linClrLst meth="repeat">
-      <a:schemeClr val="accent1"/>
-    </dgm:linClrLst>
-    <dgm:effectClrLst/>
-    <dgm:txLinClrLst/>
-    <dgm:txFillClrLst meth="repeat">
-      <a:schemeClr val="lt1"/>
-    </dgm:txFillClrLst>
-    <dgm:txEffectClrLst/>
-  </dgm:styleLbl>
-  <dgm:styleLbl name="revTx">
-    <dgm:fillClrLst meth="repeat">
-      <a:schemeClr val="lt1">
-        <a:alpha val="0"/>
-      </a:schemeClr>
-    </dgm:fillClrLst>
-    <dgm:linClrLst meth="repeat">
-      <a:schemeClr val="dk1">
-        <a:alpha val="0"/>
-      </a:schemeClr>
-    </dgm:linClrLst>
-    <dgm:effectClrLst/>
-    <dgm:txLinClrLst/>
-    <dgm:txFillClrLst meth="repeat">
-      <a:schemeClr val="tx1"/>
-    </dgm:txFillClrLst>
-    <dgm:txEffectClrLst/>
-  </dgm:styleLbl>
-  <dgm:styleLbl name="sibTrans1D1">
-    <dgm:fillClrLst meth="repeat">
-      <a:schemeClr val="accent1"/>
-    </dgm:fillClrLst>
-    <dgm:linClrLst meth="repeat">
-      <a:schemeClr val="accent1"/>
-    </dgm:linClrLst>
-    <dgm:effectClrLst/>
-    <dgm:txLinClrLst/>
-    <dgm:txFillClrLst meth="repeat">
-      <a:schemeClr val="tx1"/>
-    </dgm:txFillClrLst>
-    <dgm:txEffectClrLst/>
-  </dgm:styleLbl>
-  <dgm:styleLbl name="sibTrans2D1">
-    <dgm:fillClrLst meth="repeat">
-      <a:schemeClr val="accent1">
-        <a:tint val="60000"/>
-      </a:schemeClr>
-    </dgm:fillClrLst>
-    <dgm:linClrLst meth="repeat">
-      <a:schemeClr val="accent1">
-        <a:tint val="60000"/>
-      </a:schemeClr>
-    </dgm:linClrLst>
-    <dgm:effectClrLst/>
-    <dgm:txLinClrLst/>
-    <dgm:txFillClrLst/>
-    <dgm:txEffectClrLst/>
-  </dgm:styleLbl>
-  <dgm:styleLbl name="solidAlignAcc1">
-    <dgm:fillClrLst meth="repeat">
-      <a:schemeClr val="lt1"/>
-    </dgm:fillClrLst>
-    <dgm:linClrLst meth="repeat">
-      <a:schemeClr val="accent1"/>
-    </dgm:linClrLst>
-    <dgm:effectClrLst/>
-    <dgm:txLinClrLst/>
-    <dgm:txFillClrLst meth="repeat">
-      <a:schemeClr val="dk1"/>
-    </dgm:txFillClrLst>
-    <dgm:txEffectClrLst/>
-  </dgm:styleLbl>
-  <dgm:styleLbl name="solidBgAcc1">
-    <dgm:fillClrLst meth="repeat">
-      <a:schemeClr val="lt1"/>
-    </dgm:fillClrLst>
-    <dgm:linClrLst meth="repeat">
-      <a:schemeClr val="accent1"/>
-    </dgm:linClrLst>
-    <dgm:effectClrLst/>
-    <dgm:txLinClrLst/>
-    <dgm:txFillClrLst meth="repeat">
-      <a:schemeClr val="dk1"/>
-    </dgm:txFillClrLst>
-    <dgm:txEffectClrLst/>
-  </dgm:styleLbl>
-  <dgm:styleLbl name="solidFgAcc1">
-    <dgm:fillClrLst meth="repeat">
-      <a:schemeClr val="lt1"/>
-    </dgm:fillClrLst>
-    <dgm:linClrLst meth="repeat">
-      <a:schemeClr val="accent1"/>
-    </dgm:linClrLst>
-    <dgm:effectClrLst/>
-    <dgm:txLinClrLst/>
-    <dgm:txFillClrLst meth="repeat">
-      <a:schemeClr val="dk1"/>
-    </dgm:txFillClrLst>
-    <dgm:txEffectClrLst/>
-  </dgm:styleLbl>
-  <dgm:styleLbl name="trAlignAcc1">
-    <dgm:fillClrLst meth="repeat">
-      <a:schemeClr val="lt1">
-        <a:alpha val="40000"/>
-      </a:schemeClr>
-    </dgm:fillClrLst>
-    <dgm:linClrLst meth="repeat">
-      <a:schemeClr val="accent1"/>
-    </dgm:linClrLst>
-    <dgm:effectClrLst/>
-    <dgm:txLinClrLst/>
-    <dgm:txFillClrLst meth="repeat">
-      <a:schemeClr val="dk1"/>
-    </dgm:txFillClrLst>
-    <dgm:txEffectClrLst/>
-  </dgm:styleLbl>
-  <dgm:styleLbl name="trBgShp">
-    <dgm:fillClrLst meth="repeat">
-      <a:schemeClr val="accent1">
-        <a:tint val="50000"/>
-        <a:alpha val="40000"/>
-      </a:schemeClr>
-    </dgm:fillClrLst>
-    <dgm:linClrLst meth="repeat">
-      <a:schemeClr val="accent1"/>
-    </dgm:linClrLst>
-    <dgm:effectClrLst/>
-    <dgm:txLinClrLst/>
-    <dgm:txFillClrLst meth="repeat">
-      <a:schemeClr val="lt1"/>
-    </dgm:txFillClrLst>
-    <dgm:txEffectClrLst/>
-  </dgm:styleLbl>
-  <dgm:styleLbl name="vennNode1">
-    <dgm:fillClrLst meth="repeat">
-      <a:schemeClr val="accent1">
-        <a:alpha val="50000"/>
-      </a:schemeClr>
-    </dgm:fillClrLst>
-    <dgm:linClrLst meth="repeat">
-      <a:schemeClr val="lt1"/>
-    </dgm:linClrLst>
-    <dgm:effectClrLst/>
-    <dgm:txLinClrLst/>
-    <dgm:txFillClrLst/>
-    <dgm:txEffectClrLst/>
-  </dgm:styleLbl>
-</dgm:colorsDef>
-</file>
-
-<file path=ppt/diagrams/data1.xml><?xml version="1.0" encoding="utf-8"?>
-<dgm:dataModel xmlns:dgm="http://schemas.openxmlformats.org/drawingml/2006/diagram" xmlns:a="http://schemas.openxmlformats.org/drawingml/2006/main">
-  <dgm:ptLst>
-    <dgm:pt modelId="{8F2FCF7B-DCAD-4BBF-8939-452D9C4F77AC}" type="doc">
-      <dgm:prSet loTypeId="urn:microsoft.com/office/officeart/2005/8/layout/orgChart1#3" loCatId="hierarchy" qsTypeId="urn:microsoft.com/office/officeart/2005/8/quickstyle/simple5#1" qsCatId="simple" csTypeId="urn:microsoft.com/office/officeart/2005/8/colors/accent1_2#3" csCatId="accent1" phldr="1"/>
-      <dgm:spPr/>
-      <dgm:t>
-        <a:bodyPr/>
-        <a:lstStyle/>
-        <a:p>
-          <a:endParaRPr lang="en-IN"/>
-        </a:p>
-      </dgm:t>
-    </dgm:pt>
-    <dgm:pt modelId="{58670ED7-60B2-4884-A356-236297BD1B80}">
-      <dgm:prSet phldrT="[Text]" custT="1"/>
-      <dgm:spPr/>
-      <dgm:t>
-        <a:bodyPr/>
-        <a:lstStyle/>
-        <a:p>
-          <a:r>
-            <a:rPr lang="en-US" sz="2800" b="1" dirty="0"/>
-            <a:t>Data Science</a:t>
-          </a:r>
-          <a:endParaRPr lang="en-IN" sz="2800" dirty="0"/>
-        </a:p>
-      </dgm:t>
-    </dgm:pt>
-    <dgm:pt modelId="{CA5CAFFE-1D55-495C-88C2-D11743C93B92}" cxnId="{4CDA1DB3-A2F3-4C64-AD0E-7535F69C2F45}" type="parTrans">
-      <dgm:prSet/>
-      <dgm:spPr/>
-      <dgm:t>
-        <a:bodyPr/>
-        <a:lstStyle/>
-        <a:p>
-          <a:endParaRPr lang="en-IN"/>
-        </a:p>
-      </dgm:t>
-    </dgm:pt>
-    <dgm:pt modelId="{F25D0ADF-4BFA-4C86-90E8-8747B6A24ED9}" cxnId="{4CDA1DB3-A2F3-4C64-AD0E-7535F69C2F45}" type="sibTrans">
-      <dgm:prSet/>
-      <dgm:spPr/>
-      <dgm:t>
-        <a:bodyPr/>
-        <a:lstStyle/>
-        <a:p>
-          <a:endParaRPr lang="en-IN"/>
-        </a:p>
-      </dgm:t>
-    </dgm:pt>
-    <dgm:pt modelId="{F2D33125-715F-4887-ACB4-85242921A52E}">
-      <dgm:prSet phldrT="[Text]" custT="1"/>
-      <dgm:spPr/>
-      <dgm:t>
-        <a:bodyPr/>
-        <a:lstStyle/>
-        <a:p>
-          <a:pPr algn="l"/>
-          <a:r>
-            <a:rPr lang="en-US" sz="1050" b="1" dirty="0"/>
-            <a:t>Data Analyst</a:t>
-          </a:r>
-        </a:p>
-        <a:p>
-          <a:pPr algn="l"/>
-          <a:r>
-            <a:rPr lang="en-US" sz="1050" b="1" dirty="0"/>
-            <a:t>Excel </a:t>
-          </a:r>
-          <a:endParaRPr lang="en-IN" sz="1050" b="1" dirty="0"/>
-        </a:p>
-        <a:p>
-          <a:pPr algn="l"/>
-          <a:r>
-            <a:rPr lang="en-IN" sz="1050" b="1" dirty="0"/>
-            <a:t>Power BI/Tableau</a:t>
-          </a:r>
-        </a:p>
-        <a:p>
-          <a:pPr algn="l"/>
-          <a:r>
-            <a:rPr lang="en-US" sz="1050" b="1" dirty="0" err="1"/>
-            <a:t>Sql</a:t>
-          </a:r>
-          <a:endParaRPr lang="en-US" sz="1050" b="1" dirty="0"/>
-        </a:p>
-        <a:p>
-          <a:pPr algn="l"/>
-          <a:r>
-            <a:rPr lang="en-US" sz="1050" b="1" dirty="0"/>
-            <a:t>Python</a:t>
-          </a:r>
-        </a:p>
-        <a:p>
-          <a:pPr algn="l"/>
-          <a:endParaRPr lang="en-IN" sz="1050" dirty="0"/>
-        </a:p>
-      </dgm:t>
-    </dgm:pt>
-    <dgm:pt modelId="{B398146D-7DC8-46E6-910F-9E3C85E92017}" cxnId="{339BB77D-3E92-4151-ADA5-164A93B3A642}" type="parTrans">
-      <dgm:prSet/>
-      <dgm:spPr/>
-      <dgm:t>
-        <a:bodyPr/>
-        <a:lstStyle/>
-        <a:p>
-          <a:endParaRPr lang="en-IN"/>
-        </a:p>
-      </dgm:t>
-    </dgm:pt>
-    <dgm:pt modelId="{A7A83760-54A8-4C68-B2A0-E07DE35638BB}" cxnId="{339BB77D-3E92-4151-ADA5-164A93B3A642}" type="sibTrans">
-      <dgm:prSet/>
-      <dgm:spPr/>
-      <dgm:t>
-        <a:bodyPr/>
-        <a:lstStyle/>
-        <a:p>
-          <a:endParaRPr lang="en-IN"/>
-        </a:p>
-      </dgm:t>
-    </dgm:pt>
-    <dgm:pt modelId="{3E5459B1-02C4-4E33-896B-834BEB925B3B}">
-      <dgm:prSet phldrT="[Text]"/>
-      <dgm:spPr/>
-      <dgm:t>
-        <a:bodyPr/>
-        <a:lstStyle/>
-        <a:p>
-          <a:r>
-            <a:rPr lang="en-US" b="1" dirty="0"/>
-            <a:t>Data Engineer</a:t>
-          </a:r>
-        </a:p>
-        <a:p>
-          <a:r>
-            <a:rPr lang="en-US" b="1" dirty="0" err="1"/>
-            <a:t>Sql</a:t>
-          </a:r>
-          <a:endParaRPr lang="en-IN" b="1" dirty="0"/>
-        </a:p>
-        <a:p>
-          <a:r>
-            <a:rPr lang="en-US" b="1" dirty="0"/>
-            <a:t>Bigdata concept</a:t>
-          </a:r>
-        </a:p>
-        <a:p>
-          <a:r>
-            <a:rPr lang="en-US" b="1" dirty="0"/>
-            <a:t>Python</a:t>
-          </a:r>
-        </a:p>
-        <a:p>
-          <a:r>
-            <a:rPr lang="en-US" b="1" dirty="0" err="1"/>
-            <a:t>Pyspark</a:t>
-          </a:r>
-          <a:r>
-            <a:rPr lang="en-US" b="1" dirty="0"/>
-            <a:t> </a:t>
-          </a:r>
-        </a:p>
-        <a:p>
-          <a:endParaRPr lang="en-IN" dirty="0"/>
-        </a:p>
-      </dgm:t>
-    </dgm:pt>
-    <dgm:pt modelId="{564FEAC4-4CDE-4795-8FC2-CD1FD5F6AEDB}" cxnId="{B533A360-481C-4AE0-B375-73F4FD0DF0F5}" type="parTrans">
-      <dgm:prSet/>
-      <dgm:spPr/>
-      <dgm:t>
-        <a:bodyPr/>
-        <a:lstStyle/>
-        <a:p>
-          <a:endParaRPr lang="en-IN"/>
-        </a:p>
-      </dgm:t>
-    </dgm:pt>
-    <dgm:pt modelId="{AEDFC7D5-0E68-46A5-8981-9E6EF9392A06}" cxnId="{B533A360-481C-4AE0-B375-73F4FD0DF0F5}" type="sibTrans">
-      <dgm:prSet/>
-      <dgm:spPr/>
-      <dgm:t>
-        <a:bodyPr/>
-        <a:lstStyle/>
-        <a:p>
-          <a:endParaRPr lang="en-IN"/>
-        </a:p>
-      </dgm:t>
-    </dgm:pt>
-    <dgm:pt modelId="{7B8CC50A-AA91-414F-AB11-DD9C733EC1BB}">
-      <dgm:prSet phldrT="[Text]"/>
-      <dgm:spPr/>
-      <dgm:t>
-        <a:bodyPr/>
-        <a:lstStyle/>
-        <a:p>
-          <a:pPr>
-            <a:buFont typeface="Arial" panose="020B0604020202020204" pitchFamily="34" charset="0"/>
-            <a:buChar char="•"/>
-          </a:pPr>
-          <a:r>
-            <a:rPr lang="en-US" b="1" dirty="0"/>
-            <a:t>Machine Learning engineering</a:t>
-          </a:r>
-        </a:p>
-        <a:p>
-          <a:pPr>
-            <a:buFont typeface="Arial" panose="020B0604020202020204" pitchFamily="34" charset="0"/>
-            <a:buChar char="•"/>
-          </a:pPr>
-          <a:r>
-            <a:rPr lang="en-US" b="1" dirty="0" err="1"/>
-            <a:t>Sql</a:t>
-          </a:r>
-          <a:endParaRPr lang="en-US" b="1" dirty="0"/>
-        </a:p>
-        <a:p>
-          <a:pPr>
-            <a:buFont typeface="Arial" panose="020B0604020202020204" pitchFamily="34" charset="0"/>
-            <a:buChar char="•"/>
-          </a:pPr>
-          <a:r>
-            <a:rPr lang="en-US" b="1" dirty="0"/>
-            <a:t>Basic </a:t>
-          </a:r>
-          <a:r>
-            <a:rPr lang="en-US" b="1" dirty="0" err="1"/>
-            <a:t>maths</a:t>
-          </a:r>
-          <a:endParaRPr lang="en-US" b="1" dirty="0"/>
-        </a:p>
-        <a:p>
-          <a:pPr>
-            <a:buFont typeface="Arial" panose="020B0604020202020204" pitchFamily="34" charset="0"/>
-            <a:buChar char="•"/>
-          </a:pPr>
-          <a:r>
-            <a:rPr lang="en-US" b="1" dirty="0"/>
-            <a:t>Python </a:t>
-          </a:r>
-          <a:endParaRPr lang="en-IN" dirty="0"/>
-        </a:p>
-      </dgm:t>
-    </dgm:pt>
-    <dgm:pt modelId="{3CBD181D-F8AC-482B-8FA4-5C6A7956674D}" cxnId="{ADDDCF7F-6A7B-4635-BB4A-A0A355CEB4E8}" type="parTrans">
-      <dgm:prSet/>
-      <dgm:spPr/>
-      <dgm:t>
-        <a:bodyPr/>
-        <a:lstStyle/>
-        <a:p>
-          <a:endParaRPr lang="en-IN"/>
-        </a:p>
-      </dgm:t>
-    </dgm:pt>
-    <dgm:pt modelId="{C3C2977C-0AB5-4A11-8A80-41B4A9A901E1}" cxnId="{ADDDCF7F-6A7B-4635-BB4A-A0A355CEB4E8}" type="sibTrans">
-      <dgm:prSet/>
-      <dgm:spPr/>
-      <dgm:t>
-        <a:bodyPr/>
-        <a:lstStyle/>
-        <a:p>
-          <a:endParaRPr lang="en-IN"/>
-        </a:p>
-      </dgm:t>
-    </dgm:pt>
-    <dgm:pt modelId="{B2BA6D16-1AF5-42C3-933C-957AF345D8C6}">
-      <dgm:prSet phldrT="[Text]"/>
-      <dgm:spPr/>
-      <dgm:t>
-        <a:bodyPr/>
-        <a:lstStyle/>
-        <a:p>
-          <a:r>
-            <a:rPr lang="en-US" b="1" dirty="0"/>
-            <a:t>DL engineering</a:t>
-          </a:r>
-        </a:p>
-        <a:p>
-          <a:pPr>
-            <a:buFont typeface="Arial" panose="020B0604020202020204" pitchFamily="34" charset="0"/>
-            <a:buChar char="•"/>
-          </a:pPr>
-          <a:r>
-            <a:rPr lang="en-US" b="1" dirty="0" err="1"/>
-            <a:t>Sql</a:t>
-          </a:r>
-          <a:endParaRPr lang="en-US" b="1" dirty="0"/>
-        </a:p>
-        <a:p>
-          <a:pPr>
-            <a:buFont typeface="Arial" panose="020B0604020202020204" pitchFamily="34" charset="0"/>
-            <a:buChar char="•"/>
-          </a:pPr>
-          <a:r>
-            <a:rPr lang="en-US" b="1" dirty="0"/>
-            <a:t>Basic </a:t>
-          </a:r>
-          <a:r>
-            <a:rPr lang="en-US" b="1" dirty="0" err="1"/>
-            <a:t>maths</a:t>
-          </a:r>
-          <a:endParaRPr lang="en-US" b="1" dirty="0"/>
-        </a:p>
-        <a:p>
-          <a:pPr>
-            <a:buFont typeface="Arial" panose="020B0604020202020204" pitchFamily="34" charset="0"/>
-            <a:buChar char="•"/>
-          </a:pPr>
-          <a:r>
-            <a:rPr lang="en-US" b="1" dirty="0"/>
-            <a:t>Python </a:t>
-          </a:r>
-        </a:p>
-        <a:p>
-          <a:endParaRPr lang="en-IN" dirty="0"/>
-        </a:p>
-      </dgm:t>
-    </dgm:pt>
-    <dgm:pt modelId="{07E60D67-71E4-4BFB-88EC-127FF6F36FBC}" cxnId="{9FF9B2EF-1DA4-4A15-B690-B92DAA84FB9D}" type="parTrans">
-      <dgm:prSet/>
-      <dgm:spPr/>
-      <dgm:t>
-        <a:bodyPr/>
-        <a:lstStyle/>
-        <a:p>
-          <a:endParaRPr lang="en-IN"/>
-        </a:p>
-      </dgm:t>
-    </dgm:pt>
-    <dgm:pt modelId="{A950055A-6492-4E7D-9845-03B1A77865CB}" cxnId="{9FF9B2EF-1DA4-4A15-B690-B92DAA84FB9D}" type="sibTrans">
-      <dgm:prSet/>
-      <dgm:spPr/>
-      <dgm:t>
-        <a:bodyPr/>
-        <a:lstStyle/>
-        <a:p>
-          <a:endParaRPr lang="en-IN"/>
-        </a:p>
-      </dgm:t>
-    </dgm:pt>
-    <dgm:pt modelId="{09A146E5-2E5E-41F5-98E5-9F86CE068C64}" type="pres">
-      <dgm:prSet presAssocID="{8F2FCF7B-DCAD-4BBF-8939-452D9C4F77AC}" presName="hierChild1" presStyleCnt="0">
-        <dgm:presLayoutVars>
-          <dgm:orgChart val="1"/>
-          <dgm:chPref val="1"/>
-          <dgm:dir/>
-          <dgm:animOne val="branch"/>
-          <dgm:animLvl val="lvl"/>
-          <dgm:resizeHandles/>
-        </dgm:presLayoutVars>
-      </dgm:prSet>
-      <dgm:spPr/>
-    </dgm:pt>
-    <dgm:pt modelId="{303A556C-94F3-4EE2-A60E-E91868C2B997}" type="pres">
-      <dgm:prSet presAssocID="{58670ED7-60B2-4884-A356-236297BD1B80}" presName="hierRoot1" presStyleCnt="0">
-        <dgm:presLayoutVars>
-          <dgm:hierBranch val="init"/>
-        </dgm:presLayoutVars>
-      </dgm:prSet>
-      <dgm:spPr/>
-    </dgm:pt>
-    <dgm:pt modelId="{25250DCD-8C30-40FC-982C-173706A6567B}" type="pres">
-      <dgm:prSet presAssocID="{58670ED7-60B2-4884-A356-236297BD1B80}" presName="rootComposite1" presStyleCnt="0"/>
-      <dgm:spPr/>
-    </dgm:pt>
-    <dgm:pt modelId="{46C8FB84-C2C2-4131-B927-6526DAE0547A}" type="pres">
-      <dgm:prSet presAssocID="{58670ED7-60B2-4884-A356-236297BD1B80}" presName="rootText1" presStyleLbl="node0" presStyleIdx="0" presStyleCnt="1">
-        <dgm:presLayoutVars>
-          <dgm:chPref val="3"/>
-        </dgm:presLayoutVars>
-      </dgm:prSet>
-      <dgm:spPr/>
-    </dgm:pt>
-    <dgm:pt modelId="{5A92EC27-3928-41BF-854A-8F4D3DAC9541}" type="pres">
-      <dgm:prSet presAssocID="{58670ED7-60B2-4884-A356-236297BD1B80}" presName="rootConnector1" presStyleLbl="node1" presStyleIdx="0" presStyleCnt="0"/>
-      <dgm:spPr/>
-    </dgm:pt>
-    <dgm:pt modelId="{7D56B980-42B1-4E48-8FDD-E842F8E0EC64}" type="pres">
-      <dgm:prSet presAssocID="{58670ED7-60B2-4884-A356-236297BD1B80}" presName="hierChild2" presStyleCnt="0"/>
-      <dgm:spPr/>
-    </dgm:pt>
-    <dgm:pt modelId="{5B6E287C-2216-4A46-839F-0B96AB14FBE8}" type="pres">
-      <dgm:prSet presAssocID="{B398146D-7DC8-46E6-910F-9E3C85E92017}" presName="Name37" presStyleLbl="parChTrans1D2" presStyleIdx="0" presStyleCnt="4"/>
-      <dgm:spPr/>
-    </dgm:pt>
-    <dgm:pt modelId="{EA24F674-C1AD-4CEC-8E92-413CD422FCC5}" type="pres">
-      <dgm:prSet presAssocID="{F2D33125-715F-4887-ACB4-85242921A52E}" presName="hierRoot2" presStyleCnt="0">
-        <dgm:presLayoutVars>
-          <dgm:hierBranch val="init"/>
-        </dgm:presLayoutVars>
-      </dgm:prSet>
-      <dgm:spPr/>
-    </dgm:pt>
-    <dgm:pt modelId="{5EEE59F1-C027-4C44-B1BF-B0DEADCB979B}" type="pres">
-      <dgm:prSet presAssocID="{F2D33125-715F-4887-ACB4-85242921A52E}" presName="rootComposite" presStyleCnt="0"/>
-      <dgm:spPr/>
-    </dgm:pt>
-    <dgm:pt modelId="{DBFD57EE-96D4-434E-B25E-A5BE27574960}" type="pres">
-      <dgm:prSet presAssocID="{F2D33125-715F-4887-ACB4-85242921A52E}" presName="rootText" presStyleLbl="node2" presStyleIdx="0" presStyleCnt="4" custScaleX="64276" custScaleY="101011" custLinFactNeighborX="5278" custLinFactNeighborY="-1340">
-        <dgm:presLayoutVars>
-          <dgm:chPref val="3"/>
-        </dgm:presLayoutVars>
-      </dgm:prSet>
-      <dgm:spPr/>
-    </dgm:pt>
-    <dgm:pt modelId="{F21E44C3-E3F8-418F-B096-ADB0505C82BA}" type="pres">
-      <dgm:prSet presAssocID="{F2D33125-715F-4887-ACB4-85242921A52E}" presName="rootConnector" presStyleLbl="node2" presStyleIdx="0" presStyleCnt="4"/>
-      <dgm:spPr/>
-    </dgm:pt>
-    <dgm:pt modelId="{A0108305-5FE6-4A0D-A6F3-1136815E5556}" type="pres">
-      <dgm:prSet presAssocID="{F2D33125-715F-4887-ACB4-85242921A52E}" presName="hierChild4" presStyleCnt="0"/>
-      <dgm:spPr/>
-    </dgm:pt>
-    <dgm:pt modelId="{25E0D3B8-FBE0-48BA-AD26-DB2C7235CEDC}" type="pres">
-      <dgm:prSet presAssocID="{F2D33125-715F-4887-ACB4-85242921A52E}" presName="hierChild5" presStyleCnt="0"/>
-      <dgm:spPr/>
-    </dgm:pt>
-    <dgm:pt modelId="{D5B93247-B569-4A7D-9FA7-39FB1FF599A1}" type="pres">
-      <dgm:prSet presAssocID="{07E60D67-71E4-4BFB-88EC-127FF6F36FBC}" presName="Name37" presStyleLbl="parChTrans1D2" presStyleIdx="1" presStyleCnt="4"/>
-      <dgm:spPr/>
-    </dgm:pt>
-    <dgm:pt modelId="{42BE67B5-94C0-4933-8BDE-47FD73F1EF5F}" type="pres">
-      <dgm:prSet presAssocID="{B2BA6D16-1AF5-42C3-933C-957AF345D8C6}" presName="hierRoot2" presStyleCnt="0">
-        <dgm:presLayoutVars>
-          <dgm:hierBranch val="init"/>
-        </dgm:presLayoutVars>
-      </dgm:prSet>
-      <dgm:spPr/>
-    </dgm:pt>
-    <dgm:pt modelId="{074651E3-F981-44D2-B308-7193ABE4A00D}" type="pres">
-      <dgm:prSet presAssocID="{B2BA6D16-1AF5-42C3-933C-957AF345D8C6}" presName="rootComposite" presStyleCnt="0"/>
-      <dgm:spPr/>
-    </dgm:pt>
-    <dgm:pt modelId="{32E2EC7A-9F22-49AE-AB88-16A0ECCDA824}" type="pres">
-      <dgm:prSet presAssocID="{B2BA6D16-1AF5-42C3-933C-957AF345D8C6}" presName="rootText" presStyleLbl="node2" presStyleIdx="1" presStyleCnt="4" custScaleX="73360" custScaleY="100048" custLinFactX="88832" custLinFactNeighborX="100000" custLinFactNeighborY="3687">
-        <dgm:presLayoutVars>
-          <dgm:chPref val="3"/>
-        </dgm:presLayoutVars>
-      </dgm:prSet>
-      <dgm:spPr/>
-    </dgm:pt>
-    <dgm:pt modelId="{3894F13B-19EC-40A1-AF40-FECEDEC0010F}" type="pres">
-      <dgm:prSet presAssocID="{B2BA6D16-1AF5-42C3-933C-957AF345D8C6}" presName="rootConnector" presStyleLbl="node2" presStyleIdx="1" presStyleCnt="4"/>
-      <dgm:spPr/>
-    </dgm:pt>
-    <dgm:pt modelId="{E424F0F0-ACFA-4485-96E6-B0E8EFF89FD2}" type="pres">
-      <dgm:prSet presAssocID="{B2BA6D16-1AF5-42C3-933C-957AF345D8C6}" presName="hierChild4" presStyleCnt="0"/>
-      <dgm:spPr/>
-    </dgm:pt>
-    <dgm:pt modelId="{6F8B51F9-6835-4594-92CF-29CE6DCA2D43}" type="pres">
-      <dgm:prSet presAssocID="{B2BA6D16-1AF5-42C3-933C-957AF345D8C6}" presName="hierChild5" presStyleCnt="0"/>
-      <dgm:spPr/>
-    </dgm:pt>
-    <dgm:pt modelId="{8DBCD85B-8CF4-4001-B691-9C7C2986916A}" type="pres">
-      <dgm:prSet presAssocID="{564FEAC4-4CDE-4795-8FC2-CD1FD5F6AEDB}" presName="Name37" presStyleLbl="parChTrans1D2" presStyleIdx="2" presStyleCnt="4"/>
-      <dgm:spPr/>
-    </dgm:pt>
-    <dgm:pt modelId="{6CDD98B5-A36E-4611-89DB-BCFAF79E58C3}" type="pres">
-      <dgm:prSet presAssocID="{3E5459B1-02C4-4E33-896B-834BEB925B3B}" presName="hierRoot2" presStyleCnt="0">
-        <dgm:presLayoutVars>
-          <dgm:hierBranch val="init"/>
-        </dgm:presLayoutVars>
-      </dgm:prSet>
-      <dgm:spPr/>
-    </dgm:pt>
-    <dgm:pt modelId="{C69BF4F4-03D7-4A0E-83C4-D8A2F8284DA1}" type="pres">
-      <dgm:prSet presAssocID="{3E5459B1-02C4-4E33-896B-834BEB925B3B}" presName="rootComposite" presStyleCnt="0"/>
-      <dgm:spPr/>
-    </dgm:pt>
-    <dgm:pt modelId="{B4D4D195-A38A-4DB5-99C4-EE1CF12BBC1B}" type="pres">
-      <dgm:prSet presAssocID="{3E5459B1-02C4-4E33-896B-834BEB925B3B}" presName="rootText" presStyleLbl="node2" presStyleIdx="2" presStyleCnt="4" custScaleX="72230" custLinFactX="-9139" custLinFactNeighborX="-100000" custLinFactNeighborY="2405">
-        <dgm:presLayoutVars>
-          <dgm:chPref val="3"/>
-        </dgm:presLayoutVars>
-      </dgm:prSet>
-      <dgm:spPr/>
-    </dgm:pt>
-    <dgm:pt modelId="{C0914D93-69FF-4331-987B-16F8FA022995}" type="pres">
-      <dgm:prSet presAssocID="{3E5459B1-02C4-4E33-896B-834BEB925B3B}" presName="rootConnector" presStyleLbl="node2" presStyleIdx="2" presStyleCnt="4"/>
-      <dgm:spPr/>
-    </dgm:pt>
-    <dgm:pt modelId="{3FF3929E-817B-41F8-853D-DE7AEC3A0C8C}" type="pres">
-      <dgm:prSet presAssocID="{3E5459B1-02C4-4E33-896B-834BEB925B3B}" presName="hierChild4" presStyleCnt="0"/>
-      <dgm:spPr/>
-    </dgm:pt>
-    <dgm:pt modelId="{6FA88733-9A24-449D-84BD-BCD82215FD42}" type="pres">
-      <dgm:prSet presAssocID="{3E5459B1-02C4-4E33-896B-834BEB925B3B}" presName="hierChild5" presStyleCnt="0"/>
-      <dgm:spPr/>
-    </dgm:pt>
-    <dgm:pt modelId="{DDBB8DB7-A4DB-46C6-B300-A29681A5490F}" type="pres">
-      <dgm:prSet presAssocID="{3CBD181D-F8AC-482B-8FA4-5C6A7956674D}" presName="Name37" presStyleLbl="parChTrans1D2" presStyleIdx="3" presStyleCnt="4"/>
-      <dgm:spPr/>
-    </dgm:pt>
-    <dgm:pt modelId="{33CF638A-72E1-46D2-8892-7486D1059877}" type="pres">
-      <dgm:prSet presAssocID="{7B8CC50A-AA91-414F-AB11-DD9C733EC1BB}" presName="hierRoot2" presStyleCnt="0">
-        <dgm:presLayoutVars>
-          <dgm:hierBranch val="init"/>
-        </dgm:presLayoutVars>
-      </dgm:prSet>
-      <dgm:spPr/>
-    </dgm:pt>
-    <dgm:pt modelId="{290D3806-A01C-45D7-A32A-5664B7FBC2B0}" type="pres">
-      <dgm:prSet presAssocID="{7B8CC50A-AA91-414F-AB11-DD9C733EC1BB}" presName="rootComposite" presStyleCnt="0"/>
-      <dgm:spPr/>
-    </dgm:pt>
-    <dgm:pt modelId="{F6119593-881A-4AC9-8C43-B1DD77AD97FC}" type="pres">
-      <dgm:prSet presAssocID="{7B8CC50A-AA91-414F-AB11-DD9C733EC1BB}" presName="rootText" presStyleLbl="node2" presStyleIdx="3" presStyleCnt="4" custLinFactX="-24679" custLinFactNeighborX="-100000" custLinFactNeighborY="1401">
-        <dgm:presLayoutVars>
-          <dgm:chPref val="3"/>
-        </dgm:presLayoutVars>
-      </dgm:prSet>
-      <dgm:spPr/>
-    </dgm:pt>
-    <dgm:pt modelId="{D27C81C4-06FB-4AE6-AF8E-453DE4D80EC6}" type="pres">
-      <dgm:prSet presAssocID="{7B8CC50A-AA91-414F-AB11-DD9C733EC1BB}" presName="rootConnector" presStyleLbl="node2" presStyleIdx="3" presStyleCnt="4"/>
-      <dgm:spPr/>
-    </dgm:pt>
-    <dgm:pt modelId="{21443557-822B-4B7B-ACF5-E2332F5CC841}" type="pres">
-      <dgm:prSet presAssocID="{7B8CC50A-AA91-414F-AB11-DD9C733EC1BB}" presName="hierChild4" presStyleCnt="0"/>
-      <dgm:spPr/>
-    </dgm:pt>
-    <dgm:pt modelId="{1F76E95E-6A03-4DE5-B278-600F04241E14}" type="pres">
-      <dgm:prSet presAssocID="{7B8CC50A-AA91-414F-AB11-DD9C733EC1BB}" presName="hierChild5" presStyleCnt="0"/>
-      <dgm:spPr/>
-    </dgm:pt>
-    <dgm:pt modelId="{8AA41F0B-141B-43B4-AB35-5768CC02C777}" type="pres">
-      <dgm:prSet presAssocID="{58670ED7-60B2-4884-A356-236297BD1B80}" presName="hierChild3" presStyleCnt="0"/>
-      <dgm:spPr/>
-    </dgm:pt>
-  </dgm:ptLst>
-  <dgm:cxnLst>
-    <dgm:cxn modelId="{A4070F00-12DA-400C-AF1A-2218070E5DF8}" type="presOf" srcId="{F2D33125-715F-4887-ACB4-85242921A52E}" destId="{F21E44C3-E3F8-418F-B096-ADB0505C82BA}" srcOrd="1" destOrd="0" presId="urn:microsoft.com/office/officeart/2005/8/layout/orgChart1#3"/>
-    <dgm:cxn modelId="{D2831415-3BC4-4CBC-99FD-AF12025687FD}" type="presOf" srcId="{B2BA6D16-1AF5-42C3-933C-957AF345D8C6}" destId="{32E2EC7A-9F22-49AE-AB88-16A0ECCDA824}" srcOrd="0" destOrd="0" presId="urn:microsoft.com/office/officeart/2005/8/layout/orgChart1#3"/>
-    <dgm:cxn modelId="{DB2DA81F-A0ED-436C-9B39-683F0CD422D7}" type="presOf" srcId="{B2BA6D16-1AF5-42C3-933C-957AF345D8C6}" destId="{3894F13B-19EC-40A1-AF40-FECEDEC0010F}" srcOrd="1" destOrd="0" presId="urn:microsoft.com/office/officeart/2005/8/layout/orgChart1#3"/>
-    <dgm:cxn modelId="{2EC1FD3B-3F52-4965-981D-3B6F9C79FDAB}" type="presOf" srcId="{564FEAC4-4CDE-4795-8FC2-CD1FD5F6AEDB}" destId="{8DBCD85B-8CF4-4001-B691-9C7C2986916A}" srcOrd="0" destOrd="0" presId="urn:microsoft.com/office/officeart/2005/8/layout/orgChart1#3"/>
-    <dgm:cxn modelId="{CB22413C-77C6-40F3-B24E-7A1056E77F05}" type="presOf" srcId="{3E5459B1-02C4-4E33-896B-834BEB925B3B}" destId="{B4D4D195-A38A-4DB5-99C4-EE1CF12BBC1B}" srcOrd="0" destOrd="0" presId="urn:microsoft.com/office/officeart/2005/8/layout/orgChart1#3"/>
-    <dgm:cxn modelId="{CC52135C-9C9F-4DD4-8E0C-976B36D2E924}" type="presOf" srcId="{F2D33125-715F-4887-ACB4-85242921A52E}" destId="{DBFD57EE-96D4-434E-B25E-A5BE27574960}" srcOrd="0" destOrd="0" presId="urn:microsoft.com/office/officeart/2005/8/layout/orgChart1#3"/>
-    <dgm:cxn modelId="{B533A360-481C-4AE0-B375-73F4FD0DF0F5}" srcId="{58670ED7-60B2-4884-A356-236297BD1B80}" destId="{3E5459B1-02C4-4E33-896B-834BEB925B3B}" srcOrd="2" destOrd="0" parTransId="{564FEAC4-4CDE-4795-8FC2-CD1FD5F6AEDB}" sibTransId="{AEDFC7D5-0E68-46A5-8981-9E6EF9392A06}"/>
-    <dgm:cxn modelId="{339BB77D-3E92-4151-ADA5-164A93B3A642}" srcId="{58670ED7-60B2-4884-A356-236297BD1B80}" destId="{F2D33125-715F-4887-ACB4-85242921A52E}" srcOrd="0" destOrd="0" parTransId="{B398146D-7DC8-46E6-910F-9E3C85E92017}" sibTransId="{A7A83760-54A8-4C68-B2A0-E07DE35638BB}"/>
-    <dgm:cxn modelId="{ADDDCF7F-6A7B-4635-BB4A-A0A355CEB4E8}" srcId="{58670ED7-60B2-4884-A356-236297BD1B80}" destId="{7B8CC50A-AA91-414F-AB11-DD9C733EC1BB}" srcOrd="3" destOrd="0" parTransId="{3CBD181D-F8AC-482B-8FA4-5C6A7956674D}" sibTransId="{C3C2977C-0AB5-4A11-8A80-41B4A9A901E1}"/>
-    <dgm:cxn modelId="{C6EDEC8E-3F7E-4C19-8022-057C70AC8DB9}" type="presOf" srcId="{58670ED7-60B2-4884-A356-236297BD1B80}" destId="{5A92EC27-3928-41BF-854A-8F4D3DAC9541}" srcOrd="1" destOrd="0" presId="urn:microsoft.com/office/officeart/2005/8/layout/orgChart1#3"/>
-    <dgm:cxn modelId="{29A4F58F-19E9-4596-A14F-22A949CA4670}" type="presOf" srcId="{7B8CC50A-AA91-414F-AB11-DD9C733EC1BB}" destId="{D27C81C4-06FB-4AE6-AF8E-453DE4D80EC6}" srcOrd="1" destOrd="0" presId="urn:microsoft.com/office/officeart/2005/8/layout/orgChart1#3"/>
-    <dgm:cxn modelId="{ABD38A95-B892-4B97-A020-924EFCF45EFF}" type="presOf" srcId="{B398146D-7DC8-46E6-910F-9E3C85E92017}" destId="{5B6E287C-2216-4A46-839F-0B96AB14FBE8}" srcOrd="0" destOrd="0" presId="urn:microsoft.com/office/officeart/2005/8/layout/orgChart1#3"/>
-    <dgm:cxn modelId="{DAC401A3-B180-4B18-AEDE-0FF0A495677E}" type="presOf" srcId="{58670ED7-60B2-4884-A356-236297BD1B80}" destId="{46C8FB84-C2C2-4131-B927-6526DAE0547A}" srcOrd="0" destOrd="0" presId="urn:microsoft.com/office/officeart/2005/8/layout/orgChart1#3"/>
-    <dgm:cxn modelId="{CB1BC6B2-54A9-4B86-90CF-6A79C139C7F1}" type="presOf" srcId="{3E5459B1-02C4-4E33-896B-834BEB925B3B}" destId="{C0914D93-69FF-4331-987B-16F8FA022995}" srcOrd="1" destOrd="0" presId="urn:microsoft.com/office/officeart/2005/8/layout/orgChart1#3"/>
-    <dgm:cxn modelId="{4CDA1DB3-A2F3-4C64-AD0E-7535F69C2F45}" srcId="{8F2FCF7B-DCAD-4BBF-8939-452D9C4F77AC}" destId="{58670ED7-60B2-4884-A356-236297BD1B80}" srcOrd="0" destOrd="0" parTransId="{CA5CAFFE-1D55-495C-88C2-D11743C93B92}" sibTransId="{F25D0ADF-4BFA-4C86-90E8-8747B6A24ED9}"/>
-    <dgm:cxn modelId="{CCDCF9BF-F60F-4588-AD9C-F6D5163649D6}" type="presOf" srcId="{7B8CC50A-AA91-414F-AB11-DD9C733EC1BB}" destId="{F6119593-881A-4AC9-8C43-B1DD77AD97FC}" srcOrd="0" destOrd="0" presId="urn:microsoft.com/office/officeart/2005/8/layout/orgChart1#3"/>
-    <dgm:cxn modelId="{291CEDD1-716A-4875-9741-E6EED90A2559}" type="presOf" srcId="{8F2FCF7B-DCAD-4BBF-8939-452D9C4F77AC}" destId="{09A146E5-2E5E-41F5-98E5-9F86CE068C64}" srcOrd="0" destOrd="0" presId="urn:microsoft.com/office/officeart/2005/8/layout/orgChart1#3"/>
-    <dgm:cxn modelId="{AB0576DC-5941-4C8A-A28E-E2A4617AE301}" type="presOf" srcId="{3CBD181D-F8AC-482B-8FA4-5C6A7956674D}" destId="{DDBB8DB7-A4DB-46C6-B300-A29681A5490F}" srcOrd="0" destOrd="0" presId="urn:microsoft.com/office/officeart/2005/8/layout/orgChart1#3"/>
-    <dgm:cxn modelId="{9FF9B2EF-1DA4-4A15-B690-B92DAA84FB9D}" srcId="{58670ED7-60B2-4884-A356-236297BD1B80}" destId="{B2BA6D16-1AF5-42C3-933C-957AF345D8C6}" srcOrd="1" destOrd="0" parTransId="{07E60D67-71E4-4BFB-88EC-127FF6F36FBC}" sibTransId="{A950055A-6492-4E7D-9845-03B1A77865CB}"/>
-    <dgm:cxn modelId="{4250ECF4-A749-498D-8B57-3C88AA9AB2FA}" type="presOf" srcId="{07E60D67-71E4-4BFB-88EC-127FF6F36FBC}" destId="{D5B93247-B569-4A7D-9FA7-39FB1FF599A1}" srcOrd="0" destOrd="0" presId="urn:microsoft.com/office/officeart/2005/8/layout/orgChart1#3"/>
-    <dgm:cxn modelId="{B91CD929-F7C9-4732-AFB5-2872440A3C47}" type="presParOf" srcId="{09A146E5-2E5E-41F5-98E5-9F86CE068C64}" destId="{303A556C-94F3-4EE2-A60E-E91868C2B997}" srcOrd="0" destOrd="0" presId="urn:microsoft.com/office/officeart/2005/8/layout/orgChart1#3"/>
-    <dgm:cxn modelId="{78DB7B2C-7CC9-490D-980D-03C5EC9BB783}" type="presParOf" srcId="{303A556C-94F3-4EE2-A60E-E91868C2B997}" destId="{25250DCD-8C30-40FC-982C-173706A6567B}" srcOrd="0" destOrd="0" presId="urn:microsoft.com/office/officeart/2005/8/layout/orgChart1#3"/>
-    <dgm:cxn modelId="{7B30318B-0595-4A60-A029-C06C5AAB207B}" type="presParOf" srcId="{25250DCD-8C30-40FC-982C-173706A6567B}" destId="{46C8FB84-C2C2-4131-B927-6526DAE0547A}" srcOrd="0" destOrd="0" presId="urn:microsoft.com/office/officeart/2005/8/layout/orgChart1#3"/>
-    <dgm:cxn modelId="{753410A1-7652-4F34-A4F7-D27E26302C71}" type="presParOf" srcId="{25250DCD-8C30-40FC-982C-173706A6567B}" destId="{5A92EC27-3928-41BF-854A-8F4D3DAC9541}" srcOrd="1" destOrd="0" presId="urn:microsoft.com/office/officeart/2005/8/layout/orgChart1#3"/>
-    <dgm:cxn modelId="{7D33B084-AFF3-49CD-9163-F3FAE58C86BC}" type="presParOf" srcId="{303A556C-94F3-4EE2-A60E-E91868C2B997}" destId="{7D56B980-42B1-4E48-8FDD-E842F8E0EC64}" srcOrd="1" destOrd="0" presId="urn:microsoft.com/office/officeart/2005/8/layout/orgChart1#3"/>
-    <dgm:cxn modelId="{6C5FD158-37DB-4B9C-B888-BA6E80B480C8}" type="presParOf" srcId="{7D56B980-42B1-4E48-8FDD-E842F8E0EC64}" destId="{5B6E287C-2216-4A46-839F-0B96AB14FBE8}" srcOrd="0" destOrd="0" presId="urn:microsoft.com/office/officeart/2005/8/layout/orgChart1#3"/>
-    <dgm:cxn modelId="{B9126A9F-52D8-4099-8DD2-4424E4AE56A3}" type="presParOf" srcId="{7D56B980-42B1-4E48-8FDD-E842F8E0EC64}" destId="{EA24F674-C1AD-4CEC-8E92-413CD422FCC5}" srcOrd="1" destOrd="0" presId="urn:microsoft.com/office/officeart/2005/8/layout/orgChart1#3"/>
-    <dgm:cxn modelId="{B9DD146B-2F06-4F53-B875-D0F9FF23D5A3}" type="presParOf" srcId="{EA24F674-C1AD-4CEC-8E92-413CD422FCC5}" destId="{5EEE59F1-C027-4C44-B1BF-B0DEADCB979B}" srcOrd="0" destOrd="0" presId="urn:microsoft.com/office/officeart/2005/8/layout/orgChart1#3"/>
-    <dgm:cxn modelId="{C8BDE3F9-8699-4417-A1DD-042F0020C409}" type="presParOf" srcId="{5EEE59F1-C027-4C44-B1BF-B0DEADCB979B}" destId="{DBFD57EE-96D4-434E-B25E-A5BE27574960}" srcOrd="0" destOrd="0" presId="urn:microsoft.com/office/officeart/2005/8/layout/orgChart1#3"/>
-    <dgm:cxn modelId="{9213FFE5-CE93-45B1-9A98-288407D1BB22}" type="presParOf" srcId="{5EEE59F1-C027-4C44-B1BF-B0DEADCB979B}" destId="{F21E44C3-E3F8-418F-B096-ADB0505C82BA}" srcOrd="1" destOrd="0" presId="urn:microsoft.com/office/officeart/2005/8/layout/orgChart1#3"/>
-    <dgm:cxn modelId="{6BE9E9AF-84B8-4BBC-A151-6F4A14893F33}" type="presParOf" srcId="{EA24F674-C1AD-4CEC-8E92-413CD422FCC5}" destId="{A0108305-5FE6-4A0D-A6F3-1136815E5556}" srcOrd="1" destOrd="0" presId="urn:microsoft.com/office/officeart/2005/8/layout/orgChart1#3"/>
-    <dgm:cxn modelId="{F058B4F7-AB44-46A3-807C-9CDE530DD4CA}" type="presParOf" srcId="{EA24F674-C1AD-4CEC-8E92-413CD422FCC5}" destId="{25E0D3B8-FBE0-48BA-AD26-DB2C7235CEDC}" srcOrd="2" destOrd="0" presId="urn:microsoft.com/office/officeart/2005/8/layout/orgChart1#3"/>
-    <dgm:cxn modelId="{37E830FA-C349-4E3C-9BF9-A1A688AB46AE}" type="presParOf" srcId="{7D56B980-42B1-4E48-8FDD-E842F8E0EC64}" destId="{D5B93247-B569-4A7D-9FA7-39FB1FF599A1}" srcOrd="2" destOrd="0" presId="urn:microsoft.com/office/officeart/2005/8/layout/orgChart1#3"/>
-    <dgm:cxn modelId="{DFA6F74C-3DD7-411F-9930-9F7A9DE2F6FB}" type="presParOf" srcId="{7D56B980-42B1-4E48-8FDD-E842F8E0EC64}" destId="{42BE67B5-94C0-4933-8BDE-47FD73F1EF5F}" srcOrd="3" destOrd="0" presId="urn:microsoft.com/office/officeart/2005/8/layout/orgChart1#3"/>
-    <dgm:cxn modelId="{2C6F9705-7FB2-48A3-8BAD-0CCBD0FFC100}" type="presParOf" srcId="{42BE67B5-94C0-4933-8BDE-47FD73F1EF5F}" destId="{074651E3-F981-44D2-B308-7193ABE4A00D}" srcOrd="0" destOrd="0" presId="urn:microsoft.com/office/officeart/2005/8/layout/orgChart1#3"/>
-    <dgm:cxn modelId="{6342F12C-F095-448C-B6BF-6A120856D6FB}" type="presParOf" srcId="{074651E3-F981-44D2-B308-7193ABE4A00D}" destId="{32E2EC7A-9F22-49AE-AB88-16A0ECCDA824}" srcOrd="0" destOrd="0" presId="urn:microsoft.com/office/officeart/2005/8/layout/orgChart1#3"/>
-    <dgm:cxn modelId="{1538AC49-A922-4F86-A7D1-374869406556}" type="presParOf" srcId="{074651E3-F981-44D2-B308-7193ABE4A00D}" destId="{3894F13B-19EC-40A1-AF40-FECEDEC0010F}" srcOrd="1" destOrd="0" presId="urn:microsoft.com/office/officeart/2005/8/layout/orgChart1#3"/>
-    <dgm:cxn modelId="{2BC9664A-A587-4625-8752-E985992EBED4}" type="presParOf" srcId="{42BE67B5-94C0-4933-8BDE-47FD73F1EF5F}" destId="{E424F0F0-ACFA-4485-96E6-B0E8EFF89FD2}" srcOrd="1" destOrd="0" presId="urn:microsoft.com/office/officeart/2005/8/layout/orgChart1#3"/>
-    <dgm:cxn modelId="{92398057-1B81-43F1-9DE3-2102498BEF72}" type="presParOf" srcId="{42BE67B5-94C0-4933-8BDE-47FD73F1EF5F}" destId="{6F8B51F9-6835-4594-92CF-29CE6DCA2D43}" srcOrd="2" destOrd="0" presId="urn:microsoft.com/office/officeart/2005/8/layout/orgChart1#3"/>
-    <dgm:cxn modelId="{B5B68632-3EB9-4ECE-B86A-2A6FC951DA23}" type="presParOf" srcId="{7D56B980-42B1-4E48-8FDD-E842F8E0EC64}" destId="{8DBCD85B-8CF4-4001-B691-9C7C2986916A}" srcOrd="4" destOrd="0" presId="urn:microsoft.com/office/officeart/2005/8/layout/orgChart1#3"/>
-    <dgm:cxn modelId="{AFAC3F43-E522-4437-9EDF-AD2A1E31B015}" type="presParOf" srcId="{7D56B980-42B1-4E48-8FDD-E842F8E0EC64}" destId="{6CDD98B5-A36E-4611-89DB-BCFAF79E58C3}" srcOrd="5" destOrd="0" presId="urn:microsoft.com/office/officeart/2005/8/layout/orgChart1#3"/>
-    <dgm:cxn modelId="{3BA4C2C8-7B21-4488-BCF6-F1AC52F3C5D2}" type="presParOf" srcId="{6CDD98B5-A36E-4611-89DB-BCFAF79E58C3}" destId="{C69BF4F4-03D7-4A0E-83C4-D8A2F8284DA1}" srcOrd="0" destOrd="0" presId="urn:microsoft.com/office/officeart/2005/8/layout/orgChart1#3"/>
-    <dgm:cxn modelId="{FCA66FDD-207C-4F85-BA60-F749D42F71EF}" type="presParOf" srcId="{C69BF4F4-03D7-4A0E-83C4-D8A2F8284DA1}" destId="{B4D4D195-A38A-4DB5-99C4-EE1CF12BBC1B}" srcOrd="0" destOrd="0" presId="urn:microsoft.com/office/officeart/2005/8/layout/orgChart1#3"/>
-    <dgm:cxn modelId="{3E13955D-94FE-4E63-8302-9BB0914DD7F9}" type="presParOf" srcId="{C69BF4F4-03D7-4A0E-83C4-D8A2F8284DA1}" destId="{C0914D93-69FF-4331-987B-16F8FA022995}" srcOrd="1" destOrd="0" presId="urn:microsoft.com/office/officeart/2005/8/layout/orgChart1#3"/>
-    <dgm:cxn modelId="{282AA2E9-10FA-46C3-89BB-ED7DB5B2039A}" type="presParOf" srcId="{6CDD98B5-A36E-4611-89DB-BCFAF79E58C3}" destId="{3FF3929E-817B-41F8-853D-DE7AEC3A0C8C}" srcOrd="1" destOrd="0" presId="urn:microsoft.com/office/officeart/2005/8/layout/orgChart1#3"/>
-    <dgm:cxn modelId="{70F7C570-73B1-482B-BC5A-362BB8FF5F17}" type="presParOf" srcId="{6CDD98B5-A36E-4611-89DB-BCFAF79E58C3}" destId="{6FA88733-9A24-449D-84BD-BCD82215FD42}" srcOrd="2" destOrd="0" presId="urn:microsoft.com/office/officeart/2005/8/layout/orgChart1#3"/>
-    <dgm:cxn modelId="{E4109FAC-1153-4122-A108-9296F1E57D32}" type="presParOf" srcId="{7D56B980-42B1-4E48-8FDD-E842F8E0EC64}" destId="{DDBB8DB7-A4DB-46C6-B300-A29681A5490F}" srcOrd="6" destOrd="0" presId="urn:microsoft.com/office/officeart/2005/8/layout/orgChart1#3"/>
-    <dgm:cxn modelId="{B9FADF99-3DD9-4398-AFEC-8BB1FA339087}" type="presParOf" srcId="{7D56B980-42B1-4E48-8FDD-E842F8E0EC64}" destId="{33CF638A-72E1-46D2-8892-7486D1059877}" srcOrd="7" destOrd="0" presId="urn:microsoft.com/office/officeart/2005/8/layout/orgChart1#3"/>
-    <dgm:cxn modelId="{CADD637A-35A9-401C-8E42-833F49CCCD73}" type="presParOf" srcId="{33CF638A-72E1-46D2-8892-7486D1059877}" destId="{290D3806-A01C-45D7-A32A-5664B7FBC2B0}" srcOrd="0" destOrd="0" presId="urn:microsoft.com/office/officeart/2005/8/layout/orgChart1#3"/>
-    <dgm:cxn modelId="{AE4D1C37-4F53-4DE0-A5C9-53FEBAC116A1}" type="presParOf" srcId="{290D3806-A01C-45D7-A32A-5664B7FBC2B0}" destId="{F6119593-881A-4AC9-8C43-B1DD77AD97FC}" srcOrd="0" destOrd="0" presId="urn:microsoft.com/office/officeart/2005/8/layout/orgChart1#3"/>
-    <dgm:cxn modelId="{C45B561C-87B6-472A-AA6D-8897926890F1}" type="presParOf" srcId="{290D3806-A01C-45D7-A32A-5664B7FBC2B0}" destId="{D27C81C4-06FB-4AE6-AF8E-453DE4D80EC6}" srcOrd="1" destOrd="0" presId="urn:microsoft.com/office/officeart/2005/8/layout/orgChart1#3"/>
-    <dgm:cxn modelId="{D3060F66-07DB-4F2C-874B-802C3862373D}" type="presParOf" srcId="{33CF638A-72E1-46D2-8892-7486D1059877}" destId="{21443557-822B-4B7B-ACF5-E2332F5CC841}" srcOrd="1" destOrd="0" presId="urn:microsoft.com/office/officeart/2005/8/layout/orgChart1#3"/>
-    <dgm:cxn modelId="{2003A528-D378-4A33-AB78-8399DF82E4BC}" type="presParOf" srcId="{33CF638A-72E1-46D2-8892-7486D1059877}" destId="{1F76E95E-6A03-4DE5-B278-600F04241E14}" srcOrd="2" destOrd="0" presId="urn:microsoft.com/office/officeart/2005/8/layout/orgChart1#3"/>
-    <dgm:cxn modelId="{4E0F794C-248E-45EB-A2D3-4939775E0931}" type="presParOf" srcId="{303A556C-94F3-4EE2-A60E-E91868C2B997}" destId="{8AA41F0B-141B-43B4-AB35-5768CC02C777}" srcOrd="2" destOrd="0" presId="urn:microsoft.com/office/officeart/2005/8/layout/orgChart1#3"/>
-  </dgm:cxnLst>
-  <dgm:bg/>
-  <dgm:whole/>
-  <dgm:extLst>
-    <a:ext uri="http://schemas.microsoft.com/office/drawing/2008/diagram">
-      <dsp:dataModelExt xmlns:dsp="http://schemas.microsoft.com/office/drawing/2008/diagram" relId="rId5" minVer="http://schemas.openxmlformats.org/drawingml/2006/diagram"/>
-    </a:ext>
-  </dgm:extLst>
-</dgm:dataModel>
-</file>
-
-<file path=ppt/diagrams/drawing1.xml><?xml version="1.0" encoding="utf-8"?>
-<dsp:drawing xmlns:dgm="http://schemas.openxmlformats.org/drawingml/2006/diagram" xmlns:dsp="http://schemas.microsoft.com/office/drawing/2008/diagram" xmlns:a="http://schemas.openxmlformats.org/drawingml/2006/main" xmlns:r="http://schemas.openxmlformats.org/officeDocument/2006/relationships">
-  <dsp:spTree>
-    <dsp:nvGrpSpPr>
-      <dsp:cNvPr id="2" name="Group 1"/>
-      <dsp:cNvGrpSpPr/>
-    </dsp:nvGrpSpPr>
-    <dsp:grpSpPr>
-      <a:xfrm>
-        <a:off x="0" y="0"/>
-        <a:ext cx="11621386" cy="5184751"/>
-        <a:chOff x="0" y="0"/>
-        <a:chExt cx="11621386" cy="5184751"/>
-      </a:xfrm>
-    </dsp:grpSpPr>
-    <dsp:sp modelId="{5B6E287C-2216-4A46-839F-0B96AB14FBE8}">
-      <dsp:nvSpPr>
-        <dsp:cNvPr id="5" name="Freeform 4"/>
-        <dsp:cNvSpPr/>
-      </dsp:nvSpPr>
-      <dsp:spPr bwMode="white">
-        <a:xfrm>
-          <a:off x="1166172" y="2257237"/>
-          <a:ext cx="4644521" cy="633640"/>
-        </a:xfrm>
-        <a:custGeom>
-          <a:avLst/>
-          <a:gdLst/>
-          <a:ahLst/>
-          <a:cxnLst/>
-          <a:pathLst>
-            <a:path w="7314" h="998">
-              <a:moveTo>
-                <a:pt x="7314" y="0"/>
-              </a:moveTo>
-              <a:lnTo>
-                <a:pt x="7314" y="482"/>
-              </a:lnTo>
-              <a:lnTo>
-                <a:pt x="0" y="482"/>
-              </a:lnTo>
-              <a:lnTo>
-                <a:pt x="0" y="998"/>
-              </a:lnTo>
-            </a:path>
-          </a:pathLst>
-        </a:custGeom>
-      </dsp:spPr>
-      <dsp:style>
-        <a:lnRef idx="2">
-          <a:schemeClr val="accent1">
-            <a:shade val="60000"/>
-          </a:schemeClr>
-        </a:lnRef>
-        <a:fillRef idx="0">
-          <a:schemeClr val="accent1"/>
-        </a:fillRef>
-        <a:effectRef idx="0">
-          <a:scrgbClr r="0" g="0" b="0"/>
-        </a:effectRef>
-        <a:fontRef idx="minor"/>
-      </dsp:style>
-      <dsp:txXfrm>
-        <a:off x="1166172" y="2257237"/>
-        <a:ext cx="4644521" cy="633640"/>
-      </dsp:txXfrm>
-    </dsp:sp>
-    <dsp:sp modelId="{D5B93247-B569-4A7D-9FA7-39FB1FF599A1}">
-      <dsp:nvSpPr>
-        <dsp:cNvPr id="8" name="Freeform 7"/>
-        <dsp:cNvSpPr/>
-      </dsp:nvSpPr>
-      <dsp:spPr bwMode="white">
-        <a:xfrm>
-          <a:off x="5810693" y="2257237"/>
-          <a:ext cx="3875863" cy="711980"/>
-        </a:xfrm>
-        <a:custGeom>
-          <a:avLst/>
-          <a:gdLst/>
-          <a:ahLst/>
-          <a:cxnLst/>
-          <a:pathLst>
-            <a:path w="6104" h="1121">
-              <a:moveTo>
-                <a:pt x="0" y="0"/>
-              </a:moveTo>
-              <a:lnTo>
-                <a:pt x="0" y="606"/>
-              </a:lnTo>
-              <a:lnTo>
-                <a:pt x="6104" y="606"/>
-              </a:lnTo>
-              <a:lnTo>
-                <a:pt x="6104" y="1121"/>
-              </a:lnTo>
-            </a:path>
-          </a:pathLst>
-        </a:custGeom>
-      </dsp:spPr>
-      <dsp:style>
-        <a:lnRef idx="2">
-          <a:schemeClr val="accent1">
-            <a:shade val="60000"/>
-          </a:schemeClr>
-        </a:lnRef>
-        <a:fillRef idx="0">
-          <a:schemeClr val="accent1"/>
-        </a:fillRef>
-        <a:effectRef idx="0">
-          <a:scrgbClr r="0" g="0" b="0"/>
-        </a:effectRef>
-        <a:fontRef idx="minor"/>
-      </dsp:style>
-      <dsp:txXfrm>
-        <a:off x="5810693" y="2257237"/>
-        <a:ext cx="3875863" cy="711980"/>
-      </dsp:txXfrm>
-    </dsp:sp>
-    <dsp:sp modelId="{8DBCD85B-8CF4-4001-B691-9C7C2986916A}">
-      <dsp:nvSpPr>
-        <dsp:cNvPr id="11" name="Freeform 10"/>
-        <dsp:cNvSpPr/>
-      </dsp:nvSpPr>
-      <dsp:spPr bwMode="white">
-        <a:xfrm>
-          <a:off x="3322854" y="2257237"/>
-          <a:ext cx="2487839" cy="692001"/>
-        </a:xfrm>
-        <a:custGeom>
-          <a:avLst/>
-          <a:gdLst/>
-          <a:ahLst/>
-          <a:cxnLst/>
-          <a:pathLst>
-            <a:path w="3918" h="1090">
-              <a:moveTo>
-                <a:pt x="3918" y="0"/>
-              </a:moveTo>
-              <a:lnTo>
-                <a:pt x="3918" y="574"/>
-              </a:lnTo>
-              <a:lnTo>
-                <a:pt x="0" y="574"/>
-              </a:lnTo>
-              <a:lnTo>
-                <a:pt x="0" y="1090"/>
-              </a:lnTo>
-            </a:path>
-          </a:pathLst>
-        </a:custGeom>
-      </dsp:spPr>
-      <dsp:style>
-        <a:lnRef idx="2">
-          <a:schemeClr val="accent1">
-            <a:shade val="60000"/>
-          </a:schemeClr>
-        </a:lnRef>
-        <a:fillRef idx="0">
-          <a:schemeClr val="accent1"/>
-        </a:fillRef>
-        <a:effectRef idx="0">
-          <a:scrgbClr r="0" g="0" b="0"/>
-        </a:effectRef>
-        <a:fontRef idx="minor"/>
-      </dsp:style>
-      <dsp:txXfrm>
-        <a:off x="3322854" y="2257237"/>
-        <a:ext cx="2487839" cy="692001"/>
-      </dsp:txXfrm>
-    </dsp:sp>
-    <dsp:sp modelId="{DDBB8DB7-A4DB-46C6-B300-A29681A5490F}">
-      <dsp:nvSpPr>
-        <dsp:cNvPr id="14" name="Freeform 13"/>
-        <dsp:cNvSpPr/>
-      </dsp:nvSpPr>
-      <dsp:spPr bwMode="white">
-        <a:xfrm>
-          <a:off x="5810693" y="2257237"/>
-          <a:ext cx="366345" cy="676355"/>
-        </a:xfrm>
-        <a:custGeom>
-          <a:avLst/>
-          <a:gdLst/>
-          <a:ahLst/>
-          <a:cxnLst/>
-          <a:pathLst>
-            <a:path w="577" h="1065">
-              <a:moveTo>
-                <a:pt x="0" y="0"/>
-              </a:moveTo>
-              <a:lnTo>
-                <a:pt x="0" y="550"/>
-              </a:lnTo>
-              <a:lnTo>
-                <a:pt x="577" y="550"/>
-              </a:lnTo>
-              <a:lnTo>
-                <a:pt x="577" y="1065"/>
-              </a:lnTo>
-            </a:path>
-          </a:pathLst>
-        </a:custGeom>
-      </dsp:spPr>
-      <dsp:style>
-        <a:lnRef idx="2">
-          <a:schemeClr val="accent1">
-            <a:shade val="60000"/>
-          </a:schemeClr>
-        </a:lnRef>
-        <a:fillRef idx="0">
-          <a:schemeClr val="accent1"/>
-        </a:fillRef>
-        <a:effectRef idx="0">
-          <a:scrgbClr r="0" g="0" b="0"/>
-        </a:effectRef>
-        <a:fontRef idx="minor"/>
-      </dsp:style>
-      <dsp:txXfrm>
-        <a:off x="5810693" y="2257237"/>
-        <a:ext cx="366345" cy="676355"/>
-      </dsp:txXfrm>
-    </dsp:sp>
-    <dsp:sp modelId="{46C8FB84-C2C2-4131-B927-6526DAE0547A}">
-      <dsp:nvSpPr>
-        <dsp:cNvPr id="3" name="Rectangles 2"/>
-        <dsp:cNvSpPr/>
-      </dsp:nvSpPr>
-      <dsp:spPr bwMode="white">
-        <a:xfrm>
-          <a:off x="4252307" y="698850"/>
-          <a:ext cx="3116773" cy="1558386"/>
-        </a:xfrm>
-        <a:prstGeom prst="rect">
-          <a:avLst/>
-        </a:prstGeom>
-      </dsp:spPr>
-      <dsp:style>
-        <a:lnRef idx="0">
-          <a:schemeClr val="lt1"/>
-        </a:lnRef>
-        <a:fillRef idx="3">
-          <a:schemeClr val="accent1"/>
-        </a:fillRef>
-        <a:effectRef idx="3">
-          <a:scrgbClr r="0" g="0" b="0"/>
-        </a:effectRef>
-        <a:fontRef idx="minor">
-          <a:schemeClr val="lt1"/>
-        </a:fontRef>
-      </dsp:style>
-      <dsp:txBody>
-        <a:bodyPr lIns="17780" tIns="17780" rIns="17780" bIns="17780" anchor="ctr"/>
-        <a:lstStyle>
-          <a:lvl1pPr algn="ctr">
-            <a:defRPr sz="1200"/>
-          </a:lvl1pPr>
-          <a:lvl2pPr marL="57150" indent="-57150" algn="ctr">
-            <a:defRPr sz="900"/>
-          </a:lvl2pPr>
-          <a:lvl3pPr marL="114300" indent="-57150" algn="ctr">
-            <a:defRPr sz="900"/>
-          </a:lvl3pPr>
-          <a:lvl4pPr marL="171450" indent="-57150" algn="ctr">
-            <a:defRPr sz="900"/>
-          </a:lvl4pPr>
-          <a:lvl5pPr marL="228600" indent="-57150" algn="ctr">
-            <a:defRPr sz="900"/>
-          </a:lvl5pPr>
-          <a:lvl6pPr marL="285750" indent="-57150" algn="ctr">
-            <a:defRPr sz="900"/>
-          </a:lvl6pPr>
-          <a:lvl7pPr marL="342900" indent="-57150" algn="ctr">
-            <a:defRPr sz="900"/>
-          </a:lvl7pPr>
-          <a:lvl8pPr marL="400050" indent="-57150" algn="ctr">
-            <a:defRPr sz="900"/>
-          </a:lvl8pPr>
-          <a:lvl9pPr marL="457200" indent="-57150" algn="ctr">
-            <a:defRPr sz="900"/>
-          </a:lvl9pPr>
-        </a:lstStyle>
-        <a:p>
-          <a:pPr lvl="0">
-            <a:lnSpc>
-              <a:spcPct val="100000"/>
-            </a:lnSpc>
-            <a:spcBef>
-              <a:spcPct val="0"/>
-            </a:spcBef>
-            <a:spcAft>
-              <a:spcPct val="35000"/>
-            </a:spcAft>
-          </a:pPr>
-          <a:r>
-            <a:rPr lang="en-US" sz="2800" b="1" dirty="0"/>
-            <a:t>Data Science</a:t>
-          </a:r>
-          <a:endParaRPr lang="en-IN" sz="2800" dirty="0"/>
-        </a:p>
-      </dsp:txBody>
-      <dsp:txXfrm>
-        <a:off x="4252307" y="698850"/>
-        <a:ext cx="3116773" cy="1558386"/>
-      </dsp:txXfrm>
-    </dsp:sp>
-    <dsp:sp modelId="{DBFD57EE-96D4-434E-B25E-A5BE27574960}">
-      <dsp:nvSpPr>
-        <dsp:cNvPr id="6" name="Rectangles 5"/>
-        <dsp:cNvSpPr/>
-      </dsp:nvSpPr>
-      <dsp:spPr bwMode="white">
-        <a:xfrm>
-          <a:off x="164503" y="2890877"/>
-          <a:ext cx="2003337" cy="1574142"/>
-        </a:xfrm>
-        <a:prstGeom prst="rect">
-          <a:avLst/>
-        </a:prstGeom>
-      </dsp:spPr>
-      <dsp:style>
-        <a:lnRef idx="0">
-          <a:schemeClr val="lt1"/>
-        </a:lnRef>
-        <a:fillRef idx="3">
-          <a:schemeClr val="accent1"/>
-        </a:fillRef>
-        <a:effectRef idx="3">
-          <a:scrgbClr r="0" g="0" b="0"/>
-        </a:effectRef>
-        <a:fontRef idx="minor">
-          <a:schemeClr val="lt1"/>
-        </a:fontRef>
-      </dsp:style>
-      <dsp:txBody>
-        <a:bodyPr lIns="6350" tIns="6350" rIns="6350" bIns="6350" anchor="ctr"/>
-        <a:lstStyle>
-          <a:lvl1pPr algn="ctr">
-            <a:defRPr sz="1200"/>
-          </a:lvl1pPr>
-          <a:lvl2pPr marL="57150" indent="-57150" algn="ctr">
-            <a:defRPr sz="900"/>
-          </a:lvl2pPr>
-          <a:lvl3pPr marL="114300" indent="-57150" algn="ctr">
-            <a:defRPr sz="900"/>
-          </a:lvl3pPr>
-          <a:lvl4pPr marL="171450" indent="-57150" algn="ctr">
-            <a:defRPr sz="900"/>
-          </a:lvl4pPr>
-          <a:lvl5pPr marL="228600" indent="-57150" algn="ctr">
-            <a:defRPr sz="900"/>
-          </a:lvl5pPr>
-          <a:lvl6pPr marL="285750" indent="-57150" algn="ctr">
-            <a:defRPr sz="900"/>
-          </a:lvl6pPr>
-          <a:lvl7pPr marL="342900" indent="-57150" algn="ctr">
-            <a:defRPr sz="900"/>
-          </a:lvl7pPr>
-          <a:lvl8pPr marL="400050" indent="-57150" algn="ctr">
-            <a:defRPr sz="900"/>
-          </a:lvl8pPr>
-          <a:lvl9pPr marL="457200" indent="-57150" algn="ctr">
-            <a:defRPr sz="900"/>
-          </a:lvl9pPr>
-        </a:lstStyle>
-        <a:p>
-          <a:pPr lvl="0" algn="l">
-            <a:lnSpc>
-              <a:spcPct val="100000"/>
-            </a:lnSpc>
-            <a:spcBef>
-              <a:spcPct val="0"/>
-            </a:spcBef>
-            <a:spcAft>
-              <a:spcPct val="35000"/>
-            </a:spcAft>
-          </a:pPr>
-          <a:r>
-            <a:rPr lang="en-US" sz="1050" b="1" dirty="0"/>
-            <a:t>Data Analyst</a:t>
-          </a:r>
-          <a:endParaRPr lang="en-US" sz="1050" b="1" dirty="0"/>
-        </a:p>
-        <a:p>
-          <a:pPr lvl="0" algn="l">
-            <a:lnSpc>
-              <a:spcPct val="100000"/>
-            </a:lnSpc>
-            <a:spcBef>
-              <a:spcPct val="0"/>
-            </a:spcBef>
-            <a:spcAft>
-              <a:spcPct val="35000"/>
-            </a:spcAft>
-          </a:pPr>
-          <a:r>
-            <a:rPr lang="en-US" sz="1050" b="1" dirty="0"/>
-            <a:t>Excel </a:t>
-          </a:r>
-          <a:endParaRPr lang="en-IN" sz="1050" b="1" dirty="0"/>
-        </a:p>
-        <a:p>
-          <a:pPr lvl="0" algn="l">
-            <a:lnSpc>
-              <a:spcPct val="100000"/>
-            </a:lnSpc>
-            <a:spcBef>
-              <a:spcPct val="0"/>
-            </a:spcBef>
-            <a:spcAft>
-              <a:spcPct val="35000"/>
-            </a:spcAft>
-          </a:pPr>
-          <a:r>
-            <a:rPr lang="en-IN" sz="1050" b="1" dirty="0"/>
-            <a:t>Power BI/Tableau</a:t>
-          </a:r>
-          <a:endParaRPr lang="en-IN" sz="1050" b="1" dirty="0"/>
-        </a:p>
-        <a:p>
-          <a:pPr lvl="0" algn="l">
-            <a:lnSpc>
-              <a:spcPct val="100000"/>
-            </a:lnSpc>
-            <a:spcBef>
-              <a:spcPct val="0"/>
-            </a:spcBef>
-            <a:spcAft>
-              <a:spcPct val="35000"/>
-            </a:spcAft>
-          </a:pPr>
-          <a:r>
-            <a:rPr lang="en-US" sz="1050" b="1" dirty="0" err="1"/>
-            <a:t>Sql</a:t>
-          </a:r>
-          <a:endParaRPr lang="en-US" sz="1050" b="1" dirty="0"/>
-        </a:p>
-        <a:p>
-          <a:pPr lvl="0" algn="l">
-            <a:lnSpc>
-              <a:spcPct val="100000"/>
-            </a:lnSpc>
-            <a:spcBef>
-              <a:spcPct val="0"/>
-            </a:spcBef>
-            <a:spcAft>
-              <a:spcPct val="35000"/>
-            </a:spcAft>
-          </a:pPr>
-          <a:r>
-            <a:rPr lang="en-US" sz="1050" b="1" dirty="0"/>
-            <a:t>Python</a:t>
-          </a:r>
-          <a:endParaRPr lang="en-US" sz="1050" b="1" dirty="0"/>
-        </a:p>
-        <a:p>
-          <a:pPr lvl="0" algn="l">
-            <a:lnSpc>
-              <a:spcPct val="100000"/>
-            </a:lnSpc>
-            <a:spcBef>
-              <a:spcPct val="0"/>
-            </a:spcBef>
-            <a:spcAft>
-              <a:spcPct val="35000"/>
-            </a:spcAft>
-          </a:pPr>
-          <a:endParaRPr lang="en-IN" sz="1050" dirty="0"/>
-        </a:p>
-      </dsp:txBody>
-      <dsp:txXfrm>
-        <a:off x="164503" y="2890877"/>
-        <a:ext cx="2003337" cy="1574142"/>
-      </dsp:txXfrm>
-    </dsp:sp>
-    <dsp:sp modelId="{32E2EC7A-9F22-49AE-AB88-16A0ECCDA824}">
-      <dsp:nvSpPr>
-        <dsp:cNvPr id="9" name="Rectangles 8"/>
-        <dsp:cNvSpPr/>
-      </dsp:nvSpPr>
-      <dsp:spPr bwMode="white">
-        <a:xfrm>
-          <a:off x="8543324" y="2969217"/>
-          <a:ext cx="2286465" cy="1559134"/>
-        </a:xfrm>
-        <a:prstGeom prst="rect">
-          <a:avLst/>
-        </a:prstGeom>
-      </dsp:spPr>
-      <dsp:style>
-        <a:lnRef idx="0">
-          <a:schemeClr val="lt1"/>
-        </a:lnRef>
-        <a:fillRef idx="3">
-          <a:schemeClr val="accent1"/>
-        </a:fillRef>
-        <a:effectRef idx="3">
-          <a:scrgbClr r="0" g="0" b="0"/>
-        </a:effectRef>
-        <a:fontRef idx="minor">
-          <a:schemeClr val="lt1"/>
-        </a:fontRef>
-      </dsp:style>
-      <dsp:txBody>
-        <a:bodyPr lIns="7620" tIns="7620" rIns="7620" bIns="7620" anchor="ctr"/>
-        <a:lstStyle>
-          <a:lvl1pPr algn="ctr">
-            <a:defRPr sz="1200"/>
-          </a:lvl1pPr>
-          <a:lvl2pPr marL="57150" indent="-57150" algn="ctr">
-            <a:defRPr sz="900"/>
-          </a:lvl2pPr>
-          <a:lvl3pPr marL="114300" indent="-57150" algn="ctr">
-            <a:defRPr sz="900"/>
-          </a:lvl3pPr>
-          <a:lvl4pPr marL="171450" indent="-57150" algn="ctr">
-            <a:defRPr sz="900"/>
-          </a:lvl4pPr>
-          <a:lvl5pPr marL="228600" indent="-57150" algn="ctr">
-            <a:defRPr sz="900"/>
-          </a:lvl5pPr>
-          <a:lvl6pPr marL="285750" indent="-57150" algn="ctr">
-            <a:defRPr sz="900"/>
-          </a:lvl6pPr>
-          <a:lvl7pPr marL="342900" indent="-57150" algn="ctr">
-            <a:defRPr sz="900"/>
-          </a:lvl7pPr>
-          <a:lvl8pPr marL="400050" indent="-57150" algn="ctr">
-            <a:defRPr sz="900"/>
-          </a:lvl8pPr>
-          <a:lvl9pPr marL="457200" indent="-57150" algn="ctr">
-            <a:defRPr sz="900"/>
-          </a:lvl9pPr>
-        </a:lstStyle>
-        <a:p>
-          <a:pPr lvl="0">
-            <a:lnSpc>
-              <a:spcPct val="100000"/>
-            </a:lnSpc>
-            <a:spcBef>
-              <a:spcPct val="0"/>
-            </a:spcBef>
-            <a:spcAft>
-              <a:spcPct val="35000"/>
-            </a:spcAft>
-          </a:pPr>
-          <a:r>
-            <a:rPr lang="en-US" b="1" dirty="0"/>
-            <a:t>DL engineering</a:t>
-          </a:r>
-          <a:endParaRPr lang="en-US" b="1" dirty="0"/>
-        </a:p>
-        <a:p>
-          <a:pPr lvl="0">
-            <a:lnSpc>
-              <a:spcPct val="100000"/>
-            </a:lnSpc>
-            <a:spcBef>
-              <a:spcPct val="0"/>
-            </a:spcBef>
-            <a:spcAft>
-              <a:spcPct val="35000"/>
-            </a:spcAft>
-            <a:buFont typeface="Arial" panose="020B0604020202020204" pitchFamily="34" charset="0"/>
-            <a:buChar char="•"/>
-          </a:pPr>
-          <a:r>
-            <a:rPr lang="en-US" b="1" dirty="0" err="1"/>
-            <a:t>Sql</a:t>
-          </a:r>
-          <a:endParaRPr lang="en-US" b="1" dirty="0"/>
-        </a:p>
-        <a:p>
-          <a:pPr lvl="0">
-            <a:lnSpc>
-              <a:spcPct val="100000"/>
-            </a:lnSpc>
-            <a:spcBef>
-              <a:spcPct val="0"/>
-            </a:spcBef>
-            <a:spcAft>
-              <a:spcPct val="35000"/>
-            </a:spcAft>
-            <a:buFont typeface="Arial" panose="020B0604020202020204" pitchFamily="34" charset="0"/>
-            <a:buChar char="•"/>
-          </a:pPr>
-          <a:r>
-            <a:rPr lang="en-US" b="1" dirty="0"/>
-            <a:t>Basic </a:t>
-          </a:r>
-          <a:r>
-            <a:rPr lang="en-US" b="1" dirty="0" err="1"/>
-            <a:t>maths</a:t>
-          </a:r>
-          <a:endParaRPr lang="en-US" b="1" dirty="0"/>
-        </a:p>
-        <a:p>
-          <a:pPr lvl="0">
-            <a:lnSpc>
-              <a:spcPct val="100000"/>
-            </a:lnSpc>
-            <a:spcBef>
-              <a:spcPct val="0"/>
-            </a:spcBef>
-            <a:spcAft>
-              <a:spcPct val="35000"/>
-            </a:spcAft>
-            <a:buFont typeface="Arial" panose="020B0604020202020204" pitchFamily="34" charset="0"/>
-            <a:buChar char="•"/>
-          </a:pPr>
-          <a:r>
-            <a:rPr lang="en-US" b="1" dirty="0"/>
-            <a:t>Python </a:t>
-          </a:r>
-          <a:endParaRPr lang="en-US" b="1" dirty="0"/>
-        </a:p>
-        <a:p>
-          <a:pPr lvl="0">
-            <a:lnSpc>
-              <a:spcPct val="100000"/>
-            </a:lnSpc>
-            <a:spcBef>
-              <a:spcPct val="0"/>
-            </a:spcBef>
-            <a:spcAft>
-              <a:spcPct val="35000"/>
-            </a:spcAft>
-          </a:pPr>
-          <a:endParaRPr lang="en-IN" dirty="0"/>
-        </a:p>
-      </dsp:txBody>
-      <dsp:txXfrm>
-        <a:off x="8543324" y="2969217"/>
-        <a:ext cx="2286465" cy="1559134"/>
-      </dsp:txXfrm>
-    </dsp:sp>
-    <dsp:sp modelId="{B4D4D195-A38A-4DB5-99C4-EE1CF12BBC1B}">
-      <dsp:nvSpPr>
-        <dsp:cNvPr id="12" name="Rectangles 11"/>
-        <dsp:cNvSpPr/>
-      </dsp:nvSpPr>
-      <dsp:spPr bwMode="white">
-        <a:xfrm>
-          <a:off x="2197231" y="2949238"/>
-          <a:ext cx="2251245" cy="1558386"/>
-        </a:xfrm>
-        <a:prstGeom prst="rect">
-          <a:avLst/>
-        </a:prstGeom>
-      </dsp:spPr>
-      <dsp:style>
-        <a:lnRef idx="0">
-          <a:schemeClr val="lt1"/>
-        </a:lnRef>
-        <a:fillRef idx="3">
-          <a:schemeClr val="accent1"/>
-        </a:fillRef>
-        <a:effectRef idx="3">
-          <a:scrgbClr r="0" g="0" b="0"/>
-        </a:effectRef>
-        <a:fontRef idx="minor">
-          <a:schemeClr val="lt1"/>
-        </a:fontRef>
-      </dsp:style>
-      <dsp:txBody>
-        <a:bodyPr lIns="7620" tIns="7620" rIns="7620" bIns="7620" anchor="ctr"/>
-        <a:lstStyle>
-          <a:lvl1pPr algn="ctr">
-            <a:defRPr sz="1200"/>
-          </a:lvl1pPr>
-          <a:lvl2pPr marL="57150" indent="-57150" algn="ctr">
-            <a:defRPr sz="900"/>
-          </a:lvl2pPr>
-          <a:lvl3pPr marL="114300" indent="-57150" algn="ctr">
-            <a:defRPr sz="900"/>
-          </a:lvl3pPr>
-          <a:lvl4pPr marL="171450" indent="-57150" algn="ctr">
-            <a:defRPr sz="900"/>
-          </a:lvl4pPr>
-          <a:lvl5pPr marL="228600" indent="-57150" algn="ctr">
-            <a:defRPr sz="900"/>
-          </a:lvl5pPr>
-          <a:lvl6pPr marL="285750" indent="-57150" algn="ctr">
-            <a:defRPr sz="900"/>
-          </a:lvl6pPr>
-          <a:lvl7pPr marL="342900" indent="-57150" algn="ctr">
-            <a:defRPr sz="900"/>
-          </a:lvl7pPr>
-          <a:lvl8pPr marL="400050" indent="-57150" algn="ctr">
-            <a:defRPr sz="900"/>
-          </a:lvl8pPr>
-          <a:lvl9pPr marL="457200" indent="-57150" algn="ctr">
-            <a:defRPr sz="900"/>
-          </a:lvl9pPr>
-        </a:lstStyle>
-        <a:p>
-          <a:pPr lvl="0">
-            <a:lnSpc>
-              <a:spcPct val="100000"/>
-            </a:lnSpc>
-            <a:spcBef>
-              <a:spcPct val="0"/>
-            </a:spcBef>
-            <a:spcAft>
-              <a:spcPct val="35000"/>
-            </a:spcAft>
-          </a:pPr>
-          <a:r>
-            <a:rPr lang="en-US" b="1" dirty="0"/>
-            <a:t>Data Engineer</a:t>
-          </a:r>
-          <a:endParaRPr lang="en-US" b="1" dirty="0"/>
-        </a:p>
-        <a:p>
-          <a:pPr lvl="0">
-            <a:lnSpc>
-              <a:spcPct val="100000"/>
-            </a:lnSpc>
-            <a:spcBef>
-              <a:spcPct val="0"/>
-            </a:spcBef>
-            <a:spcAft>
-              <a:spcPct val="35000"/>
-            </a:spcAft>
-          </a:pPr>
-          <a:r>
-            <a:rPr lang="en-US" b="1" dirty="0" err="1"/>
-            <a:t>Sql</a:t>
-          </a:r>
-          <a:endParaRPr lang="en-IN" b="1" dirty="0"/>
-        </a:p>
-        <a:p>
-          <a:pPr lvl="0">
-            <a:lnSpc>
-              <a:spcPct val="100000"/>
-            </a:lnSpc>
-            <a:spcBef>
-              <a:spcPct val="0"/>
-            </a:spcBef>
-            <a:spcAft>
-              <a:spcPct val="35000"/>
-            </a:spcAft>
-          </a:pPr>
-          <a:r>
-            <a:rPr lang="en-US" b="1" dirty="0"/>
-            <a:t>Bigdata concept</a:t>
-          </a:r>
-          <a:endParaRPr lang="en-US" b="1" dirty="0"/>
-        </a:p>
-        <a:p>
-          <a:pPr lvl="0">
-            <a:lnSpc>
-              <a:spcPct val="100000"/>
-            </a:lnSpc>
-            <a:spcBef>
-              <a:spcPct val="0"/>
-            </a:spcBef>
-            <a:spcAft>
-              <a:spcPct val="35000"/>
-            </a:spcAft>
-          </a:pPr>
-          <a:r>
-            <a:rPr lang="en-US" b="1" dirty="0"/>
-            <a:t>Python</a:t>
-          </a:r>
-          <a:endParaRPr lang="en-US" b="1" dirty="0"/>
-        </a:p>
-        <a:p>
-          <a:pPr lvl="0">
-            <a:lnSpc>
-              <a:spcPct val="100000"/>
-            </a:lnSpc>
-            <a:spcBef>
-              <a:spcPct val="0"/>
-            </a:spcBef>
-            <a:spcAft>
-              <a:spcPct val="35000"/>
-            </a:spcAft>
-          </a:pPr>
-          <a:r>
-            <a:rPr lang="en-US" b="1" dirty="0" err="1"/>
-            <a:t>Pyspark</a:t>
-          </a:r>
-          <a:r>
-            <a:rPr lang="en-US" b="1" dirty="0"/>
-            <a:t> </a:t>
-          </a:r>
-          <a:endParaRPr lang="en-US" b="1" dirty="0"/>
-        </a:p>
-        <a:p>
-          <a:pPr lvl="0">
-            <a:lnSpc>
-              <a:spcPct val="100000"/>
-            </a:lnSpc>
-            <a:spcBef>
-              <a:spcPct val="0"/>
-            </a:spcBef>
-            <a:spcAft>
-              <a:spcPct val="35000"/>
-            </a:spcAft>
-          </a:pPr>
-          <a:endParaRPr lang="en-IN" dirty="0"/>
-        </a:p>
-      </dsp:txBody>
-      <dsp:txXfrm>
-        <a:off x="2197231" y="2949238"/>
-        <a:ext cx="2251245" cy="1558386"/>
-      </dsp:txXfrm>
-    </dsp:sp>
-    <dsp:sp modelId="{F6119593-881A-4AC9-8C43-B1DD77AD97FC}">
-      <dsp:nvSpPr>
-        <dsp:cNvPr id="15" name="Rectangles 14"/>
-        <dsp:cNvSpPr/>
-      </dsp:nvSpPr>
-      <dsp:spPr bwMode="white">
-        <a:xfrm>
-          <a:off x="4618652" y="2933592"/>
-          <a:ext cx="3116773" cy="1558386"/>
-        </a:xfrm>
-        <a:prstGeom prst="rect">
-          <a:avLst/>
-        </a:prstGeom>
-      </dsp:spPr>
-      <dsp:style>
-        <a:lnRef idx="0">
-          <a:schemeClr val="lt1"/>
-        </a:lnRef>
-        <a:fillRef idx="3">
-          <a:schemeClr val="accent1"/>
-        </a:fillRef>
-        <a:effectRef idx="3">
-          <a:scrgbClr r="0" g="0" b="0"/>
-        </a:effectRef>
-        <a:fontRef idx="minor">
-          <a:schemeClr val="lt1"/>
-        </a:fontRef>
-      </dsp:style>
-      <dsp:txBody>
-        <a:bodyPr lIns="7620" tIns="7620" rIns="7620" bIns="7620" anchor="ctr"/>
-        <a:lstStyle>
-          <a:lvl1pPr algn="ctr">
-            <a:defRPr sz="1200"/>
-          </a:lvl1pPr>
-          <a:lvl2pPr marL="57150" indent="-57150" algn="ctr">
-            <a:defRPr sz="900"/>
-          </a:lvl2pPr>
-          <a:lvl3pPr marL="114300" indent="-57150" algn="ctr">
-            <a:defRPr sz="900"/>
-          </a:lvl3pPr>
-          <a:lvl4pPr marL="171450" indent="-57150" algn="ctr">
-            <a:defRPr sz="900"/>
-          </a:lvl4pPr>
-          <a:lvl5pPr marL="228600" indent="-57150" algn="ctr">
-            <a:defRPr sz="900"/>
-          </a:lvl5pPr>
-          <a:lvl6pPr marL="285750" indent="-57150" algn="ctr">
-            <a:defRPr sz="900"/>
-          </a:lvl6pPr>
-          <a:lvl7pPr marL="342900" indent="-57150" algn="ctr">
-            <a:defRPr sz="900"/>
-          </a:lvl7pPr>
-          <a:lvl8pPr marL="400050" indent="-57150" algn="ctr">
-            <a:defRPr sz="900"/>
-          </a:lvl8pPr>
-          <a:lvl9pPr marL="457200" indent="-57150" algn="ctr">
-            <a:defRPr sz="900"/>
-          </a:lvl9pPr>
-        </a:lstStyle>
-        <a:p>
-          <a:pPr lvl="0">
-            <a:lnSpc>
-              <a:spcPct val="100000"/>
-            </a:lnSpc>
-            <a:spcBef>
-              <a:spcPct val="0"/>
-            </a:spcBef>
-            <a:spcAft>
-              <a:spcPct val="35000"/>
-            </a:spcAft>
-            <a:buFont typeface="Arial" panose="020B0604020202020204" pitchFamily="34" charset="0"/>
-            <a:buChar char="•"/>
-          </a:pPr>
-          <a:r>
-            <a:rPr lang="en-US" b="1" dirty="0"/>
-            <a:t>Machine Learning engineering</a:t>
-          </a:r>
-          <a:endParaRPr lang="en-US" b="1" dirty="0"/>
-        </a:p>
-        <a:p>
-          <a:pPr lvl="0">
-            <a:lnSpc>
-              <a:spcPct val="100000"/>
-            </a:lnSpc>
-            <a:spcBef>
-              <a:spcPct val="0"/>
-            </a:spcBef>
-            <a:spcAft>
-              <a:spcPct val="35000"/>
-            </a:spcAft>
-            <a:buFont typeface="Arial" panose="020B0604020202020204" pitchFamily="34" charset="0"/>
-            <a:buChar char="•"/>
-          </a:pPr>
-          <a:r>
-            <a:rPr lang="en-US" b="1" dirty="0" err="1"/>
-            <a:t>Sql</a:t>
-          </a:r>
-          <a:endParaRPr lang="en-US" b="1" dirty="0"/>
-        </a:p>
-        <a:p>
-          <a:pPr lvl="0">
-            <a:lnSpc>
-              <a:spcPct val="100000"/>
-            </a:lnSpc>
-            <a:spcBef>
-              <a:spcPct val="0"/>
-            </a:spcBef>
-            <a:spcAft>
-              <a:spcPct val="35000"/>
-            </a:spcAft>
-            <a:buFont typeface="Arial" panose="020B0604020202020204" pitchFamily="34" charset="0"/>
-            <a:buChar char="•"/>
-          </a:pPr>
-          <a:r>
-            <a:rPr lang="en-US" b="1" dirty="0"/>
-            <a:t>Basic </a:t>
-          </a:r>
-          <a:r>
-            <a:rPr lang="en-US" b="1" dirty="0" err="1"/>
-            <a:t>maths</a:t>
-          </a:r>
-          <a:endParaRPr lang="en-US" b="1" dirty="0"/>
-        </a:p>
-        <a:p>
-          <a:pPr lvl="0">
-            <a:lnSpc>
-              <a:spcPct val="100000"/>
-            </a:lnSpc>
-            <a:spcBef>
-              <a:spcPct val="0"/>
-            </a:spcBef>
-            <a:spcAft>
-              <a:spcPct val="35000"/>
-            </a:spcAft>
-            <a:buFont typeface="Arial" panose="020B0604020202020204" pitchFamily="34" charset="0"/>
-            <a:buChar char="•"/>
-          </a:pPr>
-          <a:r>
-            <a:rPr lang="en-US" b="1" dirty="0"/>
-            <a:t>Python </a:t>
-          </a:r>
-          <a:endParaRPr lang="en-IN" dirty="0"/>
-        </a:p>
-      </dsp:txBody>
-      <dsp:txXfrm>
-        <a:off x="4618652" y="2933592"/>
-        <a:ext cx="3116773" cy="1558386"/>
-      </dsp:txXfrm>
-    </dsp:sp>
-    <dsp:sp modelId="{5A92EC27-3928-41BF-854A-8F4D3DAC9541}">
-      <dsp:nvSpPr>
-        <dsp:cNvPr id="4" name="Rectangles 3" hidden="1"/>
-        <dsp:cNvSpPr/>
-      </dsp:nvSpPr>
-      <dsp:spPr>
-        <a:xfrm>
-          <a:off x="4252307" y="698850"/>
-          <a:ext cx="623355" cy="1558386"/>
-        </a:xfrm>
-        <a:prstGeom prst="rect">
-          <a:avLst/>
-        </a:prstGeom>
-      </dsp:spPr>
-      <dsp:txXfrm>
-        <a:off x="4252307" y="698850"/>
-        <a:ext cx="623355" cy="1558386"/>
-      </dsp:txXfrm>
-    </dsp:sp>
-    <dsp:sp modelId="{F21E44C3-E3F8-418F-B096-ADB0505C82BA}">
-      <dsp:nvSpPr>
-        <dsp:cNvPr id="7" name="Rectangles 6" hidden="1"/>
-        <dsp:cNvSpPr/>
-      </dsp:nvSpPr>
-      <dsp:spPr>
-        <a:xfrm>
-          <a:off x="164503" y="2890877"/>
-          <a:ext cx="400667" cy="1574142"/>
-        </a:xfrm>
-        <a:prstGeom prst="rect">
-          <a:avLst/>
-        </a:prstGeom>
-      </dsp:spPr>
-      <dsp:txXfrm>
-        <a:off x="164503" y="2890877"/>
-        <a:ext cx="400667" cy="1574142"/>
-      </dsp:txXfrm>
-    </dsp:sp>
-    <dsp:sp modelId="{3894F13B-19EC-40A1-AF40-FECEDEC0010F}">
-      <dsp:nvSpPr>
-        <dsp:cNvPr id="10" name="Rectangles 9" hidden="1"/>
-        <dsp:cNvSpPr/>
-      </dsp:nvSpPr>
-      <dsp:spPr>
-        <a:xfrm>
-          <a:off x="8543324" y="2969217"/>
-          <a:ext cx="457293" cy="1559134"/>
-        </a:xfrm>
-        <a:prstGeom prst="rect">
-          <a:avLst/>
-        </a:prstGeom>
-      </dsp:spPr>
-      <dsp:txXfrm>
-        <a:off x="8543324" y="2969217"/>
-        <a:ext cx="457293" cy="1559134"/>
-      </dsp:txXfrm>
-    </dsp:sp>
-    <dsp:sp modelId="{C0914D93-69FF-4331-987B-16F8FA022995}">
-      <dsp:nvSpPr>
-        <dsp:cNvPr id="13" name="Rectangles 12" hidden="1"/>
-        <dsp:cNvSpPr/>
-      </dsp:nvSpPr>
-      <dsp:spPr>
-        <a:xfrm>
-          <a:off x="2197231" y="2949238"/>
-          <a:ext cx="450249" cy="1558386"/>
-        </a:xfrm>
-        <a:prstGeom prst="rect">
-          <a:avLst/>
-        </a:prstGeom>
-      </dsp:spPr>
-      <dsp:txXfrm>
-        <a:off x="2197231" y="2949238"/>
-        <a:ext cx="450249" cy="1558386"/>
-      </dsp:txXfrm>
-    </dsp:sp>
-    <dsp:sp modelId="{D27C81C4-06FB-4AE6-AF8E-453DE4D80EC6}">
-      <dsp:nvSpPr>
-        <dsp:cNvPr id="16" name="Rectangles 15" hidden="1"/>
-        <dsp:cNvSpPr/>
-      </dsp:nvSpPr>
-      <dsp:spPr>
-        <a:xfrm>
-          <a:off x="4618652" y="2933592"/>
-          <a:ext cx="623355" cy="1558386"/>
-        </a:xfrm>
-        <a:prstGeom prst="rect">
-          <a:avLst/>
-        </a:prstGeom>
-      </dsp:spPr>
-      <dsp:txXfrm>
-        <a:off x="4618652" y="2933592"/>
-        <a:ext cx="623355" cy="1558386"/>
-      </dsp:txXfrm>
-    </dsp:sp>
-  </dsp:spTree>
-</dsp:drawing>
-</file>
-
-<file path=ppt/diagrams/layout1.xml><?xml version="1.0" encoding="utf-8"?>
-<dgm:layoutDef xmlns:dgm="http://schemas.openxmlformats.org/drawingml/2006/diagram" xmlns:a="http://schemas.openxmlformats.org/drawingml/2006/main" uniqueId="urn:microsoft.com/office/officeart/2005/8/layout/orgChart1#3">
-  <dgm:title val=""/>
-  <dgm:desc val=""/>
-  <dgm:catLst>
-    <dgm:cat type="hierarchy" pri="1000"/>
-    <dgm:cat type="convert" pri="6000"/>
-  </dgm:catLst>
-  <dgm:sampData>
-    <dgm:dataModel>
-      <dgm:ptLst>
-        <dgm:pt modelId="0" type="doc"/>
-        <dgm:pt modelId="1">
-          <dgm:prSet phldr="1"/>
-        </dgm:pt>
-        <dgm:pt modelId="2" type="asst">
-          <dgm:prSet phldr="1"/>
-        </dgm:pt>
-        <dgm:pt modelId="3">
-          <dgm:prSet phldr="1"/>
-        </dgm:pt>
-        <dgm:pt modelId="4">
-          <dgm:prSet phldr="1"/>
-        </dgm:pt>
-        <dgm:pt modelId="5">
-          <dgm:prSet phldr="1"/>
-        </dgm:pt>
-      </dgm:ptLst>
-      <dgm:cxnLst>
-        <dgm:cxn modelId="5" srcId="0" destId="1" srcOrd="0" destOrd="0"/>
-        <dgm:cxn modelId="6" srcId="1" destId="2" srcOrd="0" destOrd="0"/>
-        <dgm:cxn modelId="7" srcId="1" destId="3" srcOrd="1" destOrd="0"/>
-        <dgm:cxn modelId="8" srcId="1" destId="4" srcOrd="2" destOrd="0"/>
-        <dgm:cxn modelId="9" srcId="1" destId="5" srcOrd="3" destOrd="0"/>
-      </dgm:cxnLst>
-      <dgm:bg/>
-      <dgm:whole/>
-    </dgm:dataModel>
-  </dgm:sampData>
-  <dgm:styleData>
-    <dgm:dataModel>
-      <dgm:ptLst>
-        <dgm:pt modelId="0" type="doc">
-          <dgm:prSet qsTypeId="urn:microsoft.com/office/officeart/2005/8/quickstyle/simple5"/>
-        </dgm:pt>
-        <dgm:pt modelId="1"/>
-        <dgm:pt modelId="12"/>
-        <dgm:pt modelId="13"/>
-      </dgm:ptLst>
-      <dgm:cxnLst>
-        <dgm:cxn modelId="2" srcId="0" destId="1" srcOrd="0" destOrd="0"/>
-        <dgm:cxn modelId="16" srcId="1" destId="12" srcOrd="1" destOrd="0"/>
-        <dgm:cxn modelId="17" srcId="1" destId="13" srcOrd="2" destOrd="0"/>
-      </dgm:cxnLst>
-      <dgm:bg/>
-      <dgm:whole/>
-    </dgm:dataModel>
-  </dgm:styleData>
-  <dgm:clrData>
-    <dgm:dataModel>
-      <dgm:ptLst>
-        <dgm:pt modelId="0" type="doc"/>
-        <dgm:pt modelId="1"/>
-        <dgm:pt modelId="11" type="asst"/>
-        <dgm:pt modelId="12"/>
-        <dgm:pt modelId="13"/>
-        <dgm:pt modelId="14"/>
-      </dgm:ptLst>
-      <dgm:cxnLst>
-        <dgm:cxn modelId="2" srcId="0" destId="1" srcOrd="0" destOrd="0"/>
-        <dgm:cxn modelId="15" srcId="1" destId="11" srcOrd="0" destOrd="0"/>
-        <dgm:cxn modelId="16" srcId="1" destId="12" srcOrd="1" destOrd="0"/>
-        <dgm:cxn modelId="17" srcId="1" destId="13" srcOrd="2" destOrd="0"/>
-        <dgm:cxn modelId="18" srcId="1" destId="14" srcOrd="2" destOrd="0"/>
-      </dgm:cxnLst>
-      <dgm:bg/>
-      <dgm:whole/>
-    </dgm:dataModel>
-  </dgm:clrData>
-  <dgm:layoutNode name="hierChild1">
-    <dgm:varLst>
-      <dgm:orgChart val="1"/>
-      <dgm:chPref val="1"/>
-      <dgm:dir/>
-      <dgm:animOne val="branch"/>
-      <dgm:animLvl val="lvl"/>
-      <dgm:resizeHandles/>
-    </dgm:varLst>
-    <dgm:choose name="Name0">
-      <dgm:if name="Name1" func="var" arg="dir" op="equ" val="norm">
-        <dgm:alg type="hierChild">
-          <dgm:param type="linDir" val="fromL"/>
-        </dgm:alg>
-      </dgm:if>
-      <dgm:else name="Name2">
-        <dgm:alg type="hierChild">
-          <dgm:param type="linDir" val="fromR"/>
-        </dgm:alg>
-      </dgm:else>
-    </dgm:choose>
-    <dgm:shape xmlns:r="http://schemas.openxmlformats.org/officeDocument/2006/relationships" r:blip="">
-      <dgm:adjLst/>
-    </dgm:shape>
-    <dgm:presOf/>
-    <dgm:constrLst>
-      <dgm:constr type="w" for="des" forName="rootComposite1" refType="w" fact="10"/>
-      <dgm:constr type="h" for="des" forName="rootComposite1" refType="w" refFor="des" refForName="rootComposite1" fact="0.5"/>
-      <dgm:constr type="w" for="des" forName="rootComposite" refType="w" fact="10"/>
-      <dgm:constr type="h" for="des" forName="rootComposite" refType="w" refFor="des" refForName="rootComposite1" fact="0.5"/>
-      <dgm:constr type="w" for="des" forName="rootComposite3" refType="w" fact="10"/>
-      <dgm:constr type="h" for="des" forName="rootComposite3" refType="w" refFor="des" refForName="rootComposite1" fact="0.5"/>
-      <dgm:constr type="primFontSz" for="des" ptType="node" op="equ"/>
-      <dgm:constr type="sp" for="des" op="equ"/>
-      <dgm:constr type="sp" for="des" forName="hierRoot1" refType="w" refFor="des" refForName="rootComposite1" fact="0.21"/>
-      <dgm:constr type="sp" for="des" forName="hierRoot2" refType="sp" refFor="des" refForName="hierRoot1"/>
-      <dgm:constr type="sp" for="des" forName="hierRoot3" refType="sp" refFor="des" refForName="hierRoot1"/>
-      <dgm:constr type="sibSp" refType="w" refFor="des" refForName="rootComposite1" fact="0.21"/>
-      <dgm:constr type="sibSp" for="des" forName="hierChild2" refType="sibSp"/>
-      <dgm:constr type="sibSp" for="des" forName="hierChild3" refType="sibSp"/>
-      <dgm:constr type="sibSp" for="des" forName="hierChild4" refType="sibSp"/>
-      <dgm:constr type="sibSp" for="des" forName="hierChild5" refType="sibSp"/>
-      <dgm:constr type="sibSp" for="des" forName="hierChild6" refType="sibSp"/>
-      <dgm:constr type="sibSp" for="des" forName="hierChild7" refType="sibSp"/>
-      <dgm:constr type="secSibSp" refType="w" refFor="des" refForName="rootComposite1" fact="0.21"/>
-      <dgm:constr type="secSibSp" for="des" forName="hierChild2" refType="secSibSp"/>
-      <dgm:constr type="secSibSp" for="des" forName="hierChild3" refType="secSibSp"/>
-      <dgm:constr type="secSibSp" for="des" forName="hierChild4" refType="secSibSp"/>
-      <dgm:constr type="secSibSp" for="des" forName="hierChild5" refType="secSibSp"/>
-      <dgm:constr type="secSibSp" for="des" forName="hierChild6" refType="secSibSp"/>
-      <dgm:constr type="secSibSp" for="des" forName="hierChild7" refType="secSibSp"/>
-    </dgm:constrLst>
-    <dgm:ruleLst/>
-    <dgm:forEach name="Name3" axis="ch">
-      <dgm:forEach name="Name4" axis="self" ptType="node">
-        <dgm:layoutNode name="hierRoot1">
-          <dgm:varLst>
-            <dgm:hierBranch val="init"/>
-          </dgm:varLst>
-          <dgm:choose name="Name5">
-            <dgm:if name="Name6" func="var" arg="hierBranch" op="equ" val="l">
-              <dgm:choose name="Name7">
-                <dgm:if name="Name8" axis="ch" ptType="asst" func="cnt" op="gte" val="1">
-                  <dgm:alg type="hierRoot">
-                    <dgm:param type="hierAlign" val="tR"/>
-                  </dgm:alg>
-                  <dgm:constrLst>
-                    <dgm:constr type="alignOff" val="0.65"/>
-                  </dgm:constrLst>
-                </dgm:if>
-                <dgm:else name="Name9">
-                  <dgm:alg type="hierRoot">
-                    <dgm:param type="hierAlign" val="tR"/>
-                  </dgm:alg>
-                  <dgm:constrLst>
-                    <dgm:constr type="alignOff" val="0.25"/>
-                  </dgm:constrLst>
-                </dgm:else>
-              </dgm:choose>
-            </dgm:if>
-            <dgm:if name="Name10" func="var" arg="hierBranch" op="equ" val="r">
-              <dgm:choose name="Name11">
-                <dgm:if name="Name12" axis="ch" ptType="asst" func="cnt" op="gte" val="1">
-                  <dgm:alg type="hierRoot">
-                    <dgm:param type="hierAlign" val="tL"/>
-                  </dgm:alg>
-                  <dgm:constrLst>
-                    <dgm:constr type="alignOff" val="0.65"/>
-                  </dgm:constrLst>
-                </dgm:if>
-                <dgm:else name="Name13">
-                  <dgm:alg type="hierRoot">
-                    <dgm:param type="hierAlign" val="tL"/>
-                  </dgm:alg>
-                  <dgm:constrLst>
-                    <dgm:constr type="alignOff" val="0.25"/>
-                  </dgm:constrLst>
-                </dgm:else>
-              </dgm:choose>
-            </dgm:if>
-            <dgm:if name="Name14" func="var" arg="hierBranch" op="equ" val="hang">
-              <dgm:alg type="hierRoot"/>
-              <dgm:constrLst>
-                <dgm:constr type="alignOff" val="0.65"/>
-              </dgm:constrLst>
-            </dgm:if>
-            <dgm:else name="Name15">
-              <dgm:alg type="hierRoot"/>
-              <dgm:constrLst>
-                <dgm:constr type="alignOff"/>
-                <dgm:constr type="bendDist" for="des" ptType="parTrans" refType="sp" fact="0.5"/>
-              </dgm:constrLst>
-            </dgm:else>
-          </dgm:choose>
-          <dgm:shape xmlns:r="http://schemas.openxmlformats.org/officeDocument/2006/relationships" r:blip="">
-            <dgm:adjLst/>
-          </dgm:shape>
-          <dgm:presOf/>
-          <dgm:ruleLst/>
-          <dgm:layoutNode name="rootComposite1">
-            <dgm:alg type="composite"/>
-            <dgm:shape xmlns:r="http://schemas.openxmlformats.org/officeDocument/2006/relationships" r:blip="">
-              <dgm:adjLst/>
-            </dgm:shape>
-            <dgm:presOf axis="self" ptType="node" cnt="1"/>
-            <dgm:choose name="Name16">
-              <dgm:if name="Name17" func="var" arg="hierBranch" op="equ" val="init">
-                <dgm:constrLst>
-                  <dgm:constr type="l" for="ch" forName="rootText1"/>
-                  <dgm:constr type="t" for="ch" forName="rootText1"/>
-                  <dgm:constr type="w" for="ch" forName="rootText1" refType="w"/>
-                  <dgm:constr type="h" for="ch" forName="rootText1" refType="h"/>
-                  <dgm:constr type="l" for="ch" forName="rootConnector1"/>
-                  <dgm:constr type="t" for="ch" forName="rootConnector1"/>
-                  <dgm:constr type="w" for="ch" forName="rootConnector1" refType="w" refFor="ch" refForName="rootText1" fact="0.2"/>
-                  <dgm:constr type="h" for="ch" forName="rootConnector1" refType="h" refFor="ch" refForName="rootText1"/>
-                </dgm:constrLst>
-              </dgm:if>
-              <dgm:if name="Name18" func="var" arg="hierBranch" op="equ" val="l">
-                <dgm:constrLst>
-                  <dgm:constr type="l" for="ch" forName="rootText1"/>
-                  <dgm:constr type="t" for="ch" forName="rootText1"/>
-                  <dgm:constr type="w" for="ch" forName="rootText1" refType="w"/>
-                  <dgm:constr type="h" for="ch" forName="rootText1" refType="h"/>
-                  <dgm:constr type="r" for="ch" forName="rootConnector1" refType="w"/>
-                  <dgm:constr type="t" for="ch" forName="rootConnector1"/>
-                  <dgm:constr type="w" for="ch" forName="rootConnector1" refType="w" refFor="ch" refForName="rootText1" fact="0.2"/>
-                  <dgm:constr type="h" for="ch" forName="rootConnector1" refType="h" refFor="ch" refForName="rootText1"/>
-                </dgm:constrLst>
-              </dgm:if>
-              <dgm:if name="Name19" func="var" arg="hierBranch" op="equ" val="r">
-                <dgm:constrLst>
-                  <dgm:constr type="l" for="ch" forName="rootText1"/>
-                  <dgm:constr type="t" for="ch" forName="rootText1"/>
-                  <dgm:constr type="w" for="ch" forName="rootText1" refType="w"/>
-                  <dgm:constr type="h" for="ch" forName="rootText1" refType="h"/>
-                  <dgm:constr type="l" for="ch" forName="rootConnector1"/>
-                  <dgm:constr type="t" for="ch" forName="rootConnector1"/>
-                  <dgm:constr type="w" for="ch" forName="rootConnector1" refType="w" refFor="ch" refForName="rootText1" fact="0.2"/>
-                  <dgm:constr type="h" for="ch" forName="rootConnector1" refType="h" refFor="ch" refForName="rootText1"/>
-                </dgm:constrLst>
-              </dgm:if>
-              <dgm:else name="Name20">
-                <dgm:constrLst>
-                  <dgm:constr type="l" for="ch" forName="rootText1"/>
-                  <dgm:constr type="t" for="ch" forName="rootText1"/>
-                  <dgm:constr type="w" for="ch" forName="rootText1" refType="w"/>
-                  <dgm:constr type="h" for="ch" forName="rootText1" refType="h"/>
-                  <dgm:constr type="r" for="ch" forName="rootConnector1" refType="w"/>
-                  <dgm:constr type="t" for="ch" forName="rootConnector1"/>
-                  <dgm:constr type="w" for="ch" forName="rootConnector1" refType="w" refFor="ch" refForName="rootText1" fact="0.2"/>
-                  <dgm:constr type="h" for="ch" forName="rootConnector1" refType="h" refFor="ch" refForName="rootText1"/>
-                </dgm:constrLst>
-              </dgm:else>
-            </dgm:choose>
-            <dgm:ruleLst/>
-            <dgm:layoutNode name="rootText1" styleLbl="node0">
-              <dgm:varLst>
-                <dgm:chPref val="3"/>
-              </dgm:varLst>
-              <dgm:alg type="tx"/>
-              <dgm:shape xmlns:r="http://schemas.openxmlformats.org/officeDocument/2006/relationships" type="rect" r:blip="">
-                <dgm:adjLst/>
-              </dgm:shape>
-              <dgm:presOf axis="self" ptType="node" cnt="1"/>
-              <dgm:constrLst>
-                <dgm:constr type="primFontSz" val="65"/>
-                <dgm:constr type="lMarg" refType="primFontSz" fact="0.05"/>
-                <dgm:constr type="rMarg" refType="primFontSz" fact="0.05"/>
-                <dgm:constr type="tMarg" refType="primFontSz" fact="0.05"/>
-                <dgm:constr type="bMarg" refType="primFontSz" fact="0.05"/>
-              </dgm:constrLst>
-              <dgm:ruleLst>
-                <dgm:rule type="primFontSz" val="5" fact="NaN" max="NaN"/>
-              </dgm:ruleLst>
-            </dgm:layoutNode>
-            <dgm:layoutNode name="rootConnector1" moveWith="rootText1">
-              <dgm:alg type="sp"/>
-              <dgm:shape xmlns:r="http://schemas.openxmlformats.org/officeDocument/2006/relationships" type="rect" r:blip="" hideGeom="1">
-                <dgm:adjLst/>
-              </dgm:shape>
-              <dgm:presOf axis="self" ptType="node" cnt="1"/>
-              <dgm:constrLst/>
-              <dgm:ruleLst/>
-            </dgm:layoutNode>
-          </dgm:layoutNode>
-          <dgm:layoutNode name="hierChild2">
-            <dgm:choose name="Name21">
-              <dgm:if name="Name22" func="var" arg="hierBranch" op="equ" val="l">
-                <dgm:alg type="hierChild">
-                  <dgm:param type="linDir" val="fromT"/>
-                  <dgm:param type="chAlign" val="r"/>
-                </dgm:alg>
-              </dgm:if>
-              <dgm:if name="Name23" func="var" arg="hierBranch" op="equ" val="r">
-                <dgm:alg type="hierChild">
-                  <dgm:param type="linDir" val="fromT"/>
-                  <dgm:param type="chAlign" val="l"/>
-                </dgm:alg>
-              </dgm:if>
-              <dgm:if name="Name24" func="var" arg="hierBranch" op="equ" val="hang">
-                <dgm:choose name="Name25">
-                  <dgm:if name="Name26" func="var" arg="dir" op="equ" val="norm">
-                    <dgm:alg type="hierChild">
-                      <dgm:param type="linDir" val="fromL"/>
-                      <dgm:param type="chAlign" val="l"/>
-                      <dgm:param type="secLinDir" val="fromT"/>
-                      <dgm:param type="secChAlign" val="t"/>
-                    </dgm:alg>
-                  </dgm:if>
-                  <dgm:else name="Name27">
-                    <dgm:alg type="hierChild">
-                      <dgm:param type="linDir" val="fromR"/>
-                      <dgm:param type="chAlign" val="l"/>
-                      <dgm:param type="secLinDir" val="fromT"/>
-                      <dgm:param type="secChAlign" val="t"/>
-                    </dgm:alg>
-                  </dgm:else>
-                </dgm:choose>
-              </dgm:if>
-              <dgm:else name="Name28">
-                <dgm:choose name="Name29">
-                  <dgm:if name="Name30" func="var" arg="dir" op="equ" val="norm">
-                    <dgm:alg type="hierChild"/>
-                  </dgm:if>
-                  <dgm:else name="Name31">
-                    <dgm:alg type="hierChild">
-                      <dgm:param type="linDir" val="fromR"/>
-                    </dgm:alg>
-                  </dgm:else>
-                </dgm:choose>
-              </dgm:else>
-            </dgm:choose>
-            <dgm:shape xmlns:r="http://schemas.openxmlformats.org/officeDocument/2006/relationships" r:blip="">
-              <dgm:adjLst/>
-            </dgm:shape>
-            <dgm:presOf/>
-            <dgm:constrLst/>
-            <dgm:ruleLst/>
-            <dgm:forEach name="rep2a" axis="ch" ptType="nonAsst">
-              <dgm:forEach name="Name32" axis="precedSib" ptType="parTrans" st="-1" cnt="1">
-                <dgm:choose name="Name33">
-                  <dgm:if name="Name34" func="var" arg="hierBranch" op="equ" val="std">
-                    <dgm:layoutNode name="Name35">
-                      <dgm:alg type="conn">
-                        <dgm:param type="dim" val="1D"/>
-                        <dgm:param type="endSty" val="noArr"/>
-                        <dgm:param type="connRout" val="bend"/>
-                        <dgm:param type="begPts" val="bCtr"/>
-                        <dgm:param type="endPts" val="tCtr"/>
-                        <dgm:param type="bendPt" val="end"/>
-                      </dgm:alg>
-                      <dgm:shape xmlns:r="http://schemas.openxmlformats.org/officeDocument/2006/relationships" type="conn" r:blip="" zOrderOff="-99999">
-                        <dgm:adjLst/>
-                      </dgm:shape>
-                      <dgm:presOf axis="self"/>
-                      <dgm:constrLst>
-                        <dgm:constr type="begPad"/>
-                        <dgm:constr type="endPad"/>
-                      </dgm:constrLst>
-                      <dgm:ruleLst/>
-                    </dgm:layoutNode>
-                  </dgm:if>
-                  <dgm:if name="Name36" func="var" arg="hierBranch" op="equ" val="init">
-                    <dgm:layoutNode name="Name37">
-                      <dgm:choose name="Name38">
-                        <dgm:if name="Name39" axis="self" func="depth" op="lte" val="2">
-                          <dgm:alg type="conn">
-                            <dgm:param type="dim" val="1D"/>
-                            <dgm:param type="endSty" val="noArr"/>
-                            <dgm:param type="connRout" val="bend"/>
-                            <dgm:param type="begPts" val="bCtr"/>
-                            <dgm:param type="endPts" val="tCtr"/>
-                            <dgm:param type="bendPt" val="end"/>
-                          </dgm:alg>
-                        </dgm:if>
-                        <dgm:else name="Name40">
-                          <dgm:choose name="Name41">
-                            <dgm:if name="Name42" axis="par des" func="maxDepth" op="lte" val="1">
-                              <dgm:choose name="Name43">
-                                <dgm:if name="Name44" axis="par ch" ptType="node asst" func="cnt" op="gte" val="1">
-                                  <dgm:alg type="conn">
-                                    <dgm:param type="dim" val="1D"/>
-                                    <dgm:param type="endSty" val="noArr"/>
-                                    <dgm:param type="connRout" val="bend"/>
-                                    <dgm:param type="begPts" val="bCtr"/>
-                                    <dgm:param type="endPts" val="midL midR"/>
-                                  </dgm:alg>
-                                </dgm:if>
-                                <dgm:else name="Name45">
-                                  <dgm:alg type="conn">
-                                    <dgm:param type="srcNode" val="rootConnector"/>
-                                    <dgm:param type="dim" val="1D"/>
-                                    <dgm:param type="endSty" val="noArr"/>
-                                    <dgm:param type="connRout" val="bend"/>
-                                    <dgm:param type="begPts" val="bCtr"/>
-                                    <dgm:param type="endPts" val="midL midR"/>
-                                  </dgm:alg>
-                                </dgm:else>
-                              </dgm:choose>
-                            </dgm:if>
-                            <dgm:else name="Name46">
-                              <dgm:alg type="conn">
-                                <dgm:param type="dim" val="1D"/>
-                                <dgm:param type="endSty" val="noArr"/>
-                                <dgm:param type="connRout" val="bend"/>
-                                <dgm:param type="begPts" val="bCtr"/>
-                                <dgm:param type="endPts" val="tCtr"/>
-                                <dgm:param type="bendPt" val="end"/>
-                              </dgm:alg>
-                            </dgm:else>
-                          </dgm:choose>
-                        </dgm:else>
-                      </dgm:choose>
-                      <dgm:shape xmlns:r="http://schemas.openxmlformats.org/officeDocument/2006/relationships" type="conn" r:blip="" zOrderOff="-99999">
-                        <dgm:adjLst/>
-                      </dgm:shape>
-                      <dgm:presOf axis="self"/>
-                      <dgm:constrLst>
-                        <dgm:constr type="begPad"/>
-                        <dgm:constr type="endPad"/>
-                      </dgm:constrLst>
-                      <dgm:ruleLst/>
-                    </dgm:layoutNode>
-                  </dgm:if>
-                  <dgm:if name="Name47" func="var" arg="hierBranch" op="equ" val="hang">
-                    <dgm:layoutNode name="Name48">
-                      <dgm:alg type="conn">
-                        <dgm:param type="dim" val="1D"/>
-                        <dgm:param type="endSty" val="noArr"/>
-                        <dgm:param type="connRout" val="bend"/>
-                        <dgm:param type="begPts" val="bCtr"/>
-                        <dgm:param type="endPts" val="midL midR"/>
-                      </dgm:alg>
-                      <dgm:shape xmlns:r="http://schemas.openxmlformats.org/officeDocument/2006/relationships" type="conn" r:blip="" zOrderOff="-99999">
-                        <dgm:adjLst/>
-                      </dgm:shape>
-                      <dgm:presOf axis="self"/>
-                      <dgm:constrLst>
-                        <dgm:constr type="begPad"/>
-                        <dgm:constr type="endPad"/>
-                      </dgm:constrLst>
-                      <dgm:ruleLst/>
-                    </dgm:layoutNode>
-                  </dgm:if>
-                  <dgm:else name="Name49">
-                    <dgm:layoutNode name="Name50">
-                      <dgm:choose name="Name51">
-                        <dgm:if name="Name52" axis="self" func="depth" op="lte" val="2">
-                          <dgm:choose name="Name53">
-                            <dgm:if name="Name54" axis="par ch" ptType="node asst" func="cnt" op="gte" val="1">
-                              <dgm:alg type="conn">
-                                <dgm:param type="dim" val="1D"/>
-                                <dgm:param type="endSty" val="noArr"/>
-                                <dgm:param type="connRout" val="bend"/>
-                                <dgm:param type="begPts" val="bCtr"/>
-                                <dgm:param type="endPts" val="midL midR"/>
-                              </dgm:alg>
-                            </dgm:if>
-                            <dgm:else name="Name55">
-                              <dgm:alg type="conn">
-                                <dgm:param type="srcNode" val="rootConnector1"/>
-                                <dgm:param type="dim" val="1D"/>
-                                <dgm:param type="endSty" val="noArr"/>
-                                <dgm:param type="connRout" val="bend"/>
-                                <dgm:param type="begPts" val="bCtr"/>
-                                <dgm:param type="endPts" val="midL midR"/>
-                              </dgm:alg>
-                            </dgm:else>
-                          </dgm:choose>
-                        </dgm:if>
-                        <dgm:else name="Name56">
-                          <dgm:choose name="Name57">
-                            <dgm:if name="Name58" axis="par ch" ptType="node asst" func="cnt" op="gte" val="1">
-                              <dgm:alg type="conn">
-                                <dgm:param type="dim" val="1D"/>
-                                <dgm:param type="endSty" val="noArr"/>
-                                <dgm:param type="connRout" val="bend"/>
-                                <dgm:param type="begPts" val="bCtr"/>
-                                <dgm:param type="endPts" val="midL midR"/>
-                              </dgm:alg>
-                            </dgm:if>
-                            <dgm:else name="Name59">
-                              <dgm:alg type="conn">
-                                <dgm:param type="srcNode" val="rootConnector"/>
-                                <dgm:param type="dim" val="1D"/>
-                                <dgm:param type="endSty" val="noArr"/>
-                                <dgm:param type="connRout" val="bend"/>
-                                <dgm:param type="begPts" val="bCtr"/>
-                                <dgm:param type="endPts" val="midL midR"/>
-                              </dgm:alg>
-                            </dgm:else>
-                          </dgm:choose>
-                        </dgm:else>
-                      </dgm:choose>
-                      <dgm:shape xmlns:r="http://schemas.openxmlformats.org/officeDocument/2006/relationships" type="conn" r:blip="" zOrderOff="-99999">
-                        <dgm:adjLst/>
-                      </dgm:shape>
-                      <dgm:presOf axis="self"/>
-                      <dgm:constrLst>
-                        <dgm:constr type="begPad"/>
-                        <dgm:constr type="endPad"/>
-                      </dgm:constrLst>
-                      <dgm:ruleLst/>
-                    </dgm:layoutNode>
-                  </dgm:else>
-                </dgm:choose>
-              </dgm:forEach>
-              <dgm:layoutNode name="hierRoot2">
-                <dgm:varLst>
-                  <dgm:hierBranch val="init"/>
-                </dgm:varLst>
-                <dgm:choose name="Name60">
-                  <dgm:if name="Name61" func="var" arg="hierBranch" op="equ" val="l">
-                    <dgm:choose name="Name62">
-                      <dgm:if name="Name63" axis="ch" ptType="asst" func="cnt" op="gte" val="1">
-                        <dgm:alg type="hierRoot">
-                          <dgm:param type="hierAlign" val="tR"/>
-                        </dgm:alg>
-                        <dgm:shape xmlns:r="http://schemas.openxmlformats.org/officeDocument/2006/relationships" r:blip="">
-                          <dgm:adjLst/>
-                        </dgm:shape>
-                        <dgm:presOf/>
-                        <dgm:constrLst>
-                          <dgm:constr type="alignOff" val="0.65"/>
-                        </dgm:constrLst>
-                      </dgm:if>
-                      <dgm:else name="Name64">
-                        <dgm:alg type="hierRoot">
-                          <dgm:param type="hierAlign" val="tR"/>
-                        </dgm:alg>
-                        <dgm:shape xmlns:r="http://schemas.openxmlformats.org/officeDocument/2006/relationships" r:blip="">
-                          <dgm:adjLst/>
-                        </dgm:shape>
-                        <dgm:presOf/>
-                        <dgm:constrLst>
-                          <dgm:constr type="alignOff" val="0.25"/>
-                        </dgm:constrLst>
-                      </dgm:else>
-                    </dgm:choose>
-                  </dgm:if>
-                  <dgm:if name="Name65" func="var" arg="hierBranch" op="equ" val="r">
-                    <dgm:choose name="Name66">
-                      <dgm:if name="Name67" axis="ch" ptType="asst" func="cnt" op="gte" val="1">
-                        <dgm:alg type="hierRoot">
-                          <dgm:param type="hierAlign" val="tL"/>
-                        </dgm:alg>
-                        <dgm:shape xmlns:r="http://schemas.openxmlformats.org/officeDocument/2006/relationships" r:blip="">
-                          <dgm:adjLst/>
-                        </dgm:shape>
-                        <dgm:presOf/>
-                        <dgm:constrLst>
-                          <dgm:constr type="alignOff" val="0.65"/>
-                        </dgm:constrLst>
-                      </dgm:if>
-                      <dgm:else name="Name68">
-                        <dgm:alg type="hierRoot">
-                          <dgm:param type="hierAlign" val="tL"/>
-                        </dgm:alg>
-                        <dgm:shape xmlns:r="http://schemas.openxmlformats.org/officeDocument/2006/relationships" r:blip="">
-                          <dgm:adjLst/>
-                        </dgm:shape>
-                        <dgm:presOf/>
-                        <dgm:constrLst>
-                          <dgm:constr type="alignOff" val="0.25"/>
-                        </dgm:constrLst>
-                      </dgm:else>
-                    </dgm:choose>
-                  </dgm:if>
-                  <dgm:if name="Name69" func="var" arg="hierBranch" op="equ" val="std">
-                    <dgm:alg type="hierRoot"/>
-                    <dgm:shape xmlns:r="http://schemas.openxmlformats.org/officeDocument/2006/relationships" r:blip="">
-                      <dgm:adjLst/>
-                    </dgm:shape>
-                    <dgm:presOf/>
-                    <dgm:constrLst>
-                      <dgm:constr type="alignOff"/>
-                      <dgm:constr type="bendDist" for="des" ptType="parTrans" refType="sp" fact="0.5"/>
-                    </dgm:constrLst>
-                  </dgm:if>
-                  <dgm:if name="Name70" func="var" arg="hierBranch" op="equ" val="init">
-                    <dgm:choose name="Name71">
-                      <dgm:if name="Name72" axis="des" func="maxDepth" op="lte" val="1">
-                        <dgm:choose name="Name73">
-                          <dgm:if name="Name74" axis="ch" ptType="asst" func="cnt" op="gte" val="1">
-                            <dgm:alg type="hierRoot">
-                              <dgm:param type="hierAlign" val="tL"/>
-                            </dgm:alg>
-                            <dgm:shape xmlns:r="http://schemas.openxmlformats.org/officeDocument/2006/relationships" r:blip="">
-                              <dgm:adjLst/>
-                            </dgm:shape>
-                            <dgm:presOf/>
-                            <dgm:constrLst>
-                              <dgm:constr type="alignOff" val="0.65"/>
-                            </dgm:constrLst>
-                          </dgm:if>
-                          <dgm:else name="Name75">
-                            <dgm:alg type="hierRoot">
-                              <dgm:param type="hierAlign" val="tL"/>
-                            </dgm:alg>
-                            <dgm:shape xmlns:r="http://schemas.openxmlformats.org/officeDocument/2006/relationships" r:blip="">
-                              <dgm:adjLst/>
-                            </dgm:shape>
-                            <dgm:presOf/>
-                            <dgm:constrLst>
-                              <dgm:constr type="alignOff" val="0.25"/>
-                            </dgm:constrLst>
-                          </dgm:else>
-                        </dgm:choose>
-                      </dgm:if>
-                      <dgm:else name="Name76">
-                        <dgm:alg type="hierRoot"/>
-                        <dgm:shape xmlns:r="http://schemas.openxmlformats.org/officeDocument/2006/relationships" r:blip="">
-                          <dgm:adjLst/>
-                        </dgm:shape>
-                        <dgm:presOf/>
-                        <dgm:constrLst>
-                          <dgm:constr type="alignOff"/>
-                          <dgm:constr type="bendDist" for="des" ptType="parTrans" refType="sp" fact="0.5"/>
-                        </dgm:constrLst>
-                      </dgm:else>
-                    </dgm:choose>
-                  </dgm:if>
-                  <dgm:else name="Name77">
-                    <dgm:alg type="hierRoot"/>
-                    <dgm:shape xmlns:r="http://schemas.openxmlformats.org/officeDocument/2006/relationships" r:blip="">
-                      <dgm:adjLst/>
-                    </dgm:shape>
-                    <dgm:presOf/>
-                    <dgm:constrLst>
-                      <dgm:constr type="alignOff" val="0.65"/>
-                    </dgm:constrLst>
-                  </dgm:else>
-                </dgm:choose>
-                <dgm:ruleLst/>
-                <dgm:layoutNode name="rootComposite">
-                  <dgm:alg type="composite"/>
-                  <dgm:shape xmlns:r="http://schemas.openxmlformats.org/officeDocument/2006/relationships" r:blip="">
-                    <dgm:adjLst/>
-                  </dgm:shape>
-                  <dgm:presOf axis="self" ptType="node" cnt="1"/>
-                  <dgm:choose name="Name78">
-                    <dgm:if name="Name79" func="var" arg="hierBranch" op="equ" val="init">
-                      <dgm:constrLst>
-                        <dgm:constr type="l" for="ch" forName="rootText"/>
-                        <dgm:constr type="t" for="ch" forName="rootText"/>
-                        <dgm:constr type="w" for="ch" forName="rootText" refType="w"/>
-                        <dgm:constr type="h" for="ch" forName="rootText" refType="h"/>
-                        <dgm:constr type="l" for="ch" forName="rootConnector"/>
-                        <dgm:constr type="t" for="ch" forName="rootConnector"/>
-                        <dgm:constr type="w" for="ch" forName="rootConnector" refType="w" refFor="ch" refForName="rootText" fact="0.2"/>
-                        <dgm:constr type="h" for="ch" forName="rootConnector" refType="h" refFor="ch" refForName="rootText"/>
-                      </dgm:constrLst>
-                    </dgm:if>
-                    <dgm:if name="Name80" func="var" arg="hierBranch" op="equ" val="l">
-                      <dgm:constrLst>
-                        <dgm:constr type="l" for="ch" forName="rootText"/>
-                        <dgm:constr type="t" for="ch" forName="rootText"/>
-                        <dgm:constr type="w" for="ch" forName="rootText" refType="w"/>
-                        <dgm:constr type="h" for="ch" forName="rootText" refType="h"/>
-                        <dgm:constr type="r" for="ch" forName="rootConnector" refType="w"/>
-                        <dgm:constr type="t" for="ch" forName="rootConnector"/>
-                        <dgm:constr type="w" for="ch" forName="rootConnector" refType="w" refFor="ch" refForName="rootText" fact="0.2"/>
-                        <dgm:constr type="h" for="ch" forName="rootConnector" refType="h" refFor="ch" refForName="rootText"/>
-                      </dgm:constrLst>
-                    </dgm:if>
-                    <dgm:if name="Name81" func="var" arg="hierBranch" op="equ" val="r">
-                      <dgm:constrLst>
-                        <dgm:constr type="l" for="ch" forName="rootText"/>
-                        <dgm:constr type="t" for="ch" forName="rootText"/>
-                        <dgm:constr type="w" for="ch" forName="rootText" refType="w"/>
-                        <dgm:constr type="h" for="ch" forName="rootText" refType="h"/>
-                        <dgm:constr type="l" for="ch" forName="rootConnector"/>
-                        <dgm:constr type="t" for="ch" forName="rootConnector"/>
-                        <dgm:constr type="w" for="ch" forName="rootConnector" refType="w" refFor="ch" refForName="rootText" fact="0.2"/>
-                        <dgm:constr type="h" for="ch" forName="rootConnector" refType="h" refFor="ch" refForName="rootText"/>
-                      </dgm:constrLst>
-                    </dgm:if>
-                    <dgm:else name="Name82">
-                      <dgm:constrLst>
-                        <dgm:constr type="l" for="ch" forName="rootText"/>
-                        <dgm:constr type="t" for="ch" forName="rootText"/>
-                        <dgm:constr type="w" for="ch" forName="rootText" refType="w"/>
-                        <dgm:constr type="h" for="ch" forName="rootText" refType="h"/>
-                        <dgm:constr type="r" for="ch" forName="rootConnector" refType="w"/>
-                        <dgm:constr type="t" for="ch" forName="rootConnector"/>
-                        <dgm:constr type="w" for="ch" forName="rootConnector" refType="w" refFor="ch" refForName="rootText" fact="0.2"/>
-                        <dgm:constr type="h" for="ch" forName="rootConnector" refType="h" refFor="ch" refForName="rootText"/>
-                      </dgm:constrLst>
-                    </dgm:else>
-                  </dgm:choose>
-                  <dgm:ruleLst/>
-                  <dgm:layoutNode name="rootText">
-                    <dgm:varLst>
-                      <dgm:chPref val="3"/>
-                    </dgm:varLst>
-                    <dgm:alg type="tx"/>
-                    <dgm:shape xmlns:r="http://schemas.openxmlformats.org/officeDocument/2006/relationships" type="rect" r:blip="">
-                      <dgm:adjLst/>
-                    </dgm:shape>
-                    <dgm:presOf axis="self" ptType="node" cnt="1"/>
-                    <dgm:constrLst>
-                      <dgm:constr type="primFontSz" val="65"/>
-                      <dgm:constr type="lMarg" refType="primFontSz" fact="0.05"/>
-                      <dgm:constr type="rMarg" refType="primFontSz" fact="0.05"/>
-                      <dgm:constr type="tMarg" refType="primFontSz" fact="0.05"/>
-                      <dgm:constr type="bMarg" refType="primFontSz" fact="0.05"/>
-                    </dgm:constrLst>
-                    <dgm:ruleLst>
-                      <dgm:rule type="primFontSz" val="5" fact="NaN" max="NaN"/>
-                    </dgm:ruleLst>
-                  </dgm:layoutNode>
-                  <dgm:layoutNode name="rootConnector" moveWith="rootText">
-                    <dgm:alg type="sp"/>
-                    <dgm:shape xmlns:r="http://schemas.openxmlformats.org/officeDocument/2006/relationships" type="rect" r:blip="" hideGeom="1">
-                      <dgm:adjLst/>
-                    </dgm:shape>
-                    <dgm:presOf axis="self" ptType="node" cnt="1"/>
-                    <dgm:constrLst/>
-                    <dgm:ruleLst/>
-                  </dgm:layoutNode>
-                </dgm:layoutNode>
-                <dgm:layoutNode name="hierChild4">
-                  <dgm:choose name="Name83">
-                    <dgm:if name="Name84" func="var" arg="hierBranch" op="equ" val="l">
-                      <dgm:alg type="hierChild">
-                        <dgm:param type="linDir" val="fromT"/>
-                        <dgm:param type="chAlign" val="r"/>
-                      </dgm:alg>
-                    </dgm:if>
-                    <dgm:if name="Name85" func="var" arg="hierBranch" op="equ" val="r">
-                      <dgm:alg type="hierChild">
-                        <dgm:param type="linDir" val="fromT"/>
-                        <dgm:param type="chAlign" val="l"/>
-                      </dgm:alg>
-                    </dgm:if>
-                    <dgm:if name="Name86" func="var" arg="hierBranch" op="equ" val="hang">
-                      <dgm:choose name="Name87">
-                        <dgm:if name="Name88" func="var" arg="dir" op="equ" val="norm">
-                          <dgm:alg type="hierChild">
-                            <dgm:param type="linDir" val="fromL"/>
-                            <dgm:param type="chAlign" val="l"/>
-                            <dgm:param type="secLinDir" val="fromT"/>
-                            <dgm:param type="secChAlign" val="t"/>
-                          </dgm:alg>
-                        </dgm:if>
-                        <dgm:else name="Name89">
-                          <dgm:alg type="hierChild">
-                            <dgm:param type="linDir" val="fromR"/>
-                            <dgm:param type="chAlign" val="l"/>
-                            <dgm:param type="secLinDir" val="fromT"/>
-                            <dgm:param type="secChAlign" val="t"/>
-                          </dgm:alg>
-                        </dgm:else>
-                      </dgm:choose>
-                    </dgm:if>
-                    <dgm:if name="Name90" func="var" arg="hierBranch" op="equ" val="std">
-                      <dgm:choose name="Name91">
-                        <dgm:if name="Name92" func="var" arg="dir" op="equ" val="norm">
-                          <dgm:alg type="hierChild"/>
-                        </dgm:if>
-                        <dgm:else name="Name93">
-                          <dgm:alg type="hierChild">
-                            <dgm:param type="linDir" val="fromR"/>
-                          </dgm:alg>
-                        </dgm:else>
-                      </dgm:choose>
-                    </dgm:if>
-                    <dgm:if name="Name94" func="var" arg="hierBranch" op="equ" val="init">
-                      <dgm:choose name="Name95">
-                        <dgm:if name="Name96" axis="des" func="maxDepth" op="lte" val="1">
-                          <dgm:alg type="hierChild">
-                            <dgm:param type="linDir" val="fromT"/>
-                            <dgm:param type="chAlign" val="l"/>
-                          </dgm:alg>
-                        </dgm:if>
-                        <dgm:else name="Name97">
-                          <dgm:choose name="Name98">
-                            <dgm:if name="Name99" func="var" arg="dir" op="equ" val="norm">
-                              <dgm:alg type="hierChild"/>
-                            </dgm:if>
-                            <dgm:else name="Name100">
-                              <dgm:alg type="hierChild">
-                                <dgm:param type="linDir" val="fromR"/>
-                              </dgm:alg>
-                            </dgm:else>
-                          </dgm:choose>
-                        </dgm:else>
-                      </dgm:choose>
-                    </dgm:if>
-                    <dgm:else name="Name101"/>
-                  </dgm:choose>
-                  <dgm:shape xmlns:r="http://schemas.openxmlformats.org/officeDocument/2006/relationships" r:blip="">
-                    <dgm:adjLst/>
-                  </dgm:shape>
-                  <dgm:presOf/>
-                  <dgm:constrLst/>
-                  <dgm:ruleLst/>
-                  <dgm:forEach name="Name102" ref="rep2a"/>
-                </dgm:layoutNode>
-                <dgm:layoutNode name="hierChild5">
-                  <dgm:choose name="Name103">
-                    <dgm:if name="Name104" func="var" arg="dir" op="equ" val="norm">
-                      <dgm:alg type="hierChild">
-                        <dgm:param type="linDir" val="fromL"/>
-                        <dgm:param type="chAlign" val="l"/>
-                        <dgm:param type="secLinDir" val="fromT"/>
-                        <dgm:param type="secChAlign" val="t"/>
-                      </dgm:alg>
-                    </dgm:if>
-                    <dgm:else name="Name105">
-                      <dgm:alg type="hierChild">
-                        <dgm:param type="linDir" val="fromR"/>
-                        <dgm:param type="chAlign" val="l"/>
-                        <dgm:param type="secLinDir" val="fromT"/>
-                        <dgm:param type="secChAlign" val="t"/>
-                      </dgm:alg>
-                    </dgm:else>
-                  </dgm:choose>
-                  <dgm:shape xmlns:r="http://schemas.openxmlformats.org/officeDocument/2006/relationships" r:blip="">
-                    <dgm:adjLst/>
-                  </dgm:shape>
-                  <dgm:presOf/>
-                  <dgm:constrLst/>
-                  <dgm:ruleLst/>
-                  <dgm:forEach name="Name106" ref="rep2b"/>
-                </dgm:layoutNode>
-              </dgm:layoutNode>
-            </dgm:forEach>
-          </dgm:layoutNode>
-          <dgm:layoutNode name="hierChild3">
-            <dgm:choose name="Name107">
-              <dgm:if name="Name108" func="var" arg="dir" op="equ" val="norm">
-                <dgm:alg type="hierChild">
-                  <dgm:param type="linDir" val="fromL"/>
-                  <dgm:param type="chAlign" val="l"/>
-                  <dgm:param type="secLinDir" val="fromT"/>
-                  <dgm:param type="secChAlign" val="t"/>
-                </dgm:alg>
-              </dgm:if>
-              <dgm:else name="Name109">
-                <dgm:alg type="hierChild">
-                  <dgm:param type="linDir" val="fromR"/>
-                  <dgm:param type="chAlign" val="l"/>
-                  <dgm:param type="secLinDir" val="fromT"/>
-                  <dgm:param type="secChAlign" val="t"/>
-                </dgm:alg>
-              </dgm:else>
-            </dgm:choose>
-            <dgm:shape xmlns:r="http://schemas.openxmlformats.org/officeDocument/2006/relationships" r:blip="">
-              <dgm:adjLst/>
-            </dgm:shape>
-            <dgm:presOf/>
-            <dgm:constrLst/>
-            <dgm:ruleLst/>
-            <dgm:forEach name="rep2b" axis="ch" ptType="asst">
-              <dgm:forEach name="Name110" axis="precedSib" ptType="parTrans" st="-1" cnt="1">
-                <dgm:layoutNode name="Name111">
-                  <dgm:alg type="conn">
-                    <dgm:param type="dim" val="1D"/>
-                    <dgm:param type="endSty" val="noArr"/>
-                    <dgm:param type="connRout" val="bend"/>
-                    <dgm:param type="begPts" val="bCtr"/>
-                    <dgm:param type="endPts" val="midL midR"/>
-                  </dgm:alg>
-                  <dgm:shape xmlns:r="http://schemas.openxmlformats.org/officeDocument/2006/relationships" type="conn" r:blip="" zOrderOff="-99999">
-                    <dgm:adjLst/>
-                  </dgm:shape>
-                  <dgm:presOf axis="self"/>
-                  <dgm:constrLst>
-                    <dgm:constr type="begPad"/>
-                    <dgm:constr type="endPad"/>
-                  </dgm:constrLst>
-                  <dgm:ruleLst/>
-                </dgm:layoutNode>
-              </dgm:forEach>
-              <dgm:layoutNode name="hierRoot3">
-                <dgm:varLst>
-                  <dgm:hierBranch val="init"/>
-                </dgm:varLst>
-                <dgm:choose name="Name112">
-                  <dgm:if name="Name113" func="var" arg="hierBranch" op="equ" val="l">
-                    <dgm:alg type="hierRoot">
-                      <dgm:param type="hierAlign" val="tR"/>
-                    </dgm:alg>
-                    <dgm:shape xmlns:r="http://schemas.openxmlformats.org/officeDocument/2006/relationships" r:blip="">
-                      <dgm:adjLst/>
-                    </dgm:shape>
-                    <dgm:presOf/>
-                    <dgm:constrLst>
-                      <dgm:constr type="alignOff" val="0.65"/>
-                    </dgm:constrLst>
-                  </dgm:if>
-                  <dgm:if name="Name114" func="var" arg="hierBranch" op="equ" val="r">
-                    <dgm:alg type="hierRoot">
-                      <dgm:param type="hierAlign" val="tL"/>
-                    </dgm:alg>
-                    <dgm:shape xmlns:r="http://schemas.openxmlformats.org/officeDocument/2006/relationships" r:blip="">
-                      <dgm:adjLst/>
-                    </dgm:shape>
-                    <dgm:presOf/>
-                    <dgm:constrLst>
-                      <dgm:constr type="alignOff" val="0.65"/>
-                    </dgm:constrLst>
-                  </dgm:if>
-                  <dgm:if name="Name115" func="var" arg="hierBranch" op="equ" val="hang">
-                    <dgm:alg type="hierRoot"/>
-                    <dgm:shape xmlns:r="http://schemas.openxmlformats.org/officeDocument/2006/relationships" r:blip="">
-                      <dgm:adjLst/>
-                    </dgm:shape>
-                    <dgm:presOf/>
-                    <dgm:constrLst>
-                      <dgm:constr type="alignOff" val="0.65"/>
-                    </dgm:constrLst>
-                  </dgm:if>
-                  <dgm:if name="Name116" func="var" arg="hierBranch" op="equ" val="std">
-                    <dgm:alg type="hierRoot"/>
-                    <dgm:shape xmlns:r="http://schemas.openxmlformats.org/officeDocument/2006/relationships" r:blip="">
-                      <dgm:adjLst/>
-                    </dgm:shape>
-                    <dgm:presOf/>
-                    <dgm:constrLst>
-                      <dgm:constr type="alignOff"/>
-                      <dgm:constr type="bendDist" for="des" ptType="parTrans" refType="sp" fact="0.5"/>
-                    </dgm:constrLst>
-                  </dgm:if>
-                  <dgm:if name="Name117" func="var" arg="hierBranch" op="equ" val="init">
-                    <dgm:choose name="Name118">
-                      <dgm:if name="Name119" axis="des" func="maxDepth" op="lte" val="1">
-                        <dgm:alg type="hierRoot">
-                          <dgm:param type="hierAlign" val="tL"/>
-                        </dgm:alg>
-                        <dgm:shape xmlns:r="http://schemas.openxmlformats.org/officeDocument/2006/relationships" r:blip="">
-                          <dgm:adjLst/>
-                        </dgm:shape>
-                        <dgm:presOf/>
-                        <dgm:constrLst>
-                          <dgm:constr type="alignOff" val="0.65"/>
-                        </dgm:constrLst>
-                      </dgm:if>
-                      <dgm:else name="Name120">
-                        <dgm:alg type="hierRoot"/>
-                        <dgm:shape xmlns:r="http://schemas.openxmlformats.org/officeDocument/2006/relationships" r:blip="">
-                          <dgm:adjLst/>
-                        </dgm:shape>
-                        <dgm:presOf/>
-                        <dgm:constrLst>
-                          <dgm:constr type="alignOff"/>
-                          <dgm:constr type="bendDist" for="des" ptType="parTrans" refType="sp" fact="0.5"/>
-                        </dgm:constrLst>
-                      </dgm:else>
-                    </dgm:choose>
-                  </dgm:if>
-                  <dgm:else name="Name121"/>
-                </dgm:choose>
-                <dgm:ruleLst/>
-                <dgm:layoutNode name="rootComposite3">
-                  <dgm:alg type="composite"/>
-                  <dgm:shape xmlns:r="http://schemas.openxmlformats.org/officeDocument/2006/relationships" r:blip="">
-                    <dgm:adjLst/>
-                  </dgm:shape>
-                  <dgm:presOf axis="self" ptType="node" cnt="1"/>
-                  <dgm:choose name="Name122">
-                    <dgm:if name="Name123" func="var" arg="hierBranch" op="equ" val="init">
-                      <dgm:constrLst>
-                        <dgm:constr type="l" for="ch" forName="rootText3"/>
-                        <dgm:constr type="t" for="ch" forName="rootText3"/>
-                        <dgm:constr type="w" for="ch" forName="rootText3" refType="w"/>
-                        <dgm:constr type="h" for="ch" forName="rootText3" refType="h"/>
-                        <dgm:constr type="l" for="ch" forName="rootConnector3"/>
-                        <dgm:constr type="t" for="ch" forName="rootConnector3"/>
-                        <dgm:constr type="w" for="ch" forName="rootConnector3" refType="w" refFor="ch" refForName="rootText3" fact="0.2"/>
-                        <dgm:constr type="h" for="ch" forName="rootConnector3" refType="h" refFor="ch" refForName="rootText3"/>
-                      </dgm:constrLst>
-                    </dgm:if>
-                    <dgm:if name="Name124" func="var" arg="hierBranch" op="equ" val="l">
-                      <dgm:constrLst>
-                        <dgm:constr type="l" for="ch" forName="rootText3"/>
-                        <dgm:constr type="t" for="ch" forName="rootText3"/>
-                        <dgm:constr type="w" for="ch" forName="rootText3" refType="w"/>
-                        <dgm:constr type="h" for="ch" forName="rootText3" refType="h"/>
-                        <dgm:constr type="r" for="ch" forName="rootConnector3" refType="w"/>
-                        <dgm:constr type="t" for="ch" forName="rootConnector3"/>
-                        <dgm:constr type="w" for="ch" forName="rootConnector3" refType="w" refFor="ch" refForName="rootText3" fact="0.2"/>
-                        <dgm:constr type="h" for="ch" forName="rootConnector3" refType="h" refFor="ch" refForName="rootText3"/>
-                      </dgm:constrLst>
-                    </dgm:if>
-                    <dgm:if name="Name125" func="var" arg="hierBranch" op="equ" val="r">
-                      <dgm:constrLst>
-                        <dgm:constr type="l" for="ch" forName="rootText3"/>
-                        <dgm:constr type="t" for="ch" forName="rootText3"/>
-                        <dgm:constr type="w" for="ch" forName="rootText3" refType="w"/>
-                        <dgm:constr type="h" for="ch" forName="rootText3" refType="h"/>
-                        <dgm:constr type="l" for="ch" forName="rootConnector3"/>
-                        <dgm:constr type="t" for="ch" forName="rootConnector3"/>
-                        <dgm:constr type="w" for="ch" forName="rootConnector3" refType="w" refFor="ch" refForName="rootText3" fact="0.2"/>
-                        <dgm:constr type="h" for="ch" forName="rootConnector3" refType="h" refFor="ch" refForName="rootText3"/>
-                      </dgm:constrLst>
-                    </dgm:if>
-                    <dgm:else name="Name126">
-                      <dgm:constrLst>
-                        <dgm:constr type="l" for="ch" forName="rootText3"/>
-                        <dgm:constr type="t" for="ch" forName="rootText3"/>
-                        <dgm:constr type="w" for="ch" forName="rootText3" refType="w"/>
-                        <dgm:constr type="h" for="ch" forName="rootText3" refType="h"/>
-                        <dgm:constr type="r" for="ch" forName="rootConnector3" refType="w"/>
-                        <dgm:constr type="t" for="ch" forName="rootConnector3"/>
-                        <dgm:constr type="w" for="ch" forName="rootConnector3" refType="w" refFor="ch" refForName="rootText3" fact="0.2"/>
-                        <dgm:constr type="h" for="ch" forName="rootConnector3" refType="h" refFor="ch" refForName="rootText3"/>
-                      </dgm:constrLst>
-                    </dgm:else>
-                  </dgm:choose>
-                  <dgm:ruleLst/>
-                  <dgm:layoutNode name="rootText3">
-                    <dgm:varLst>
-                      <dgm:chPref val="3"/>
-                    </dgm:varLst>
-                    <dgm:alg type="tx"/>
-                    <dgm:shape xmlns:r="http://schemas.openxmlformats.org/officeDocument/2006/relationships" type="rect" r:blip="">
-                      <dgm:adjLst/>
-                    </dgm:shape>
-                    <dgm:presOf axis="self" ptType="node" cnt="1"/>
-                    <dgm:constrLst>
-                      <dgm:constr type="primFontSz" val="65"/>
-                      <dgm:constr type="lMarg" refType="primFontSz" fact="0.05"/>
-                      <dgm:constr type="rMarg" refType="primFontSz" fact="0.05"/>
-                      <dgm:constr type="tMarg" refType="primFontSz" fact="0.05"/>
-                      <dgm:constr type="bMarg" refType="primFontSz" fact="0.05"/>
-                    </dgm:constrLst>
-                    <dgm:ruleLst>
-                      <dgm:rule type="primFontSz" val="5" fact="NaN" max="NaN"/>
-                    </dgm:ruleLst>
-                  </dgm:layoutNode>
-                  <dgm:layoutNode name="rootConnector3" moveWith="rootText1">
-                    <dgm:alg type="sp"/>
-                    <dgm:shape xmlns:r="http://schemas.openxmlformats.org/officeDocument/2006/relationships" type="rect" r:blip="" hideGeom="1">
-                      <dgm:adjLst/>
-                    </dgm:shape>
-                    <dgm:presOf axis="self" ptType="node" cnt="1"/>
-                    <dgm:constrLst/>
-                    <dgm:ruleLst/>
-                  </dgm:layoutNode>
-                </dgm:layoutNode>
-                <dgm:layoutNode name="hierChild6">
-                  <dgm:choose name="Name127">
-                    <dgm:if name="Name128" func="var" arg="hierBranch" op="equ" val="l">
-                      <dgm:alg type="hierChild">
-                        <dgm:param type="linDir" val="fromT"/>
-                        <dgm:param type="chAlign" val="r"/>
-                      </dgm:alg>
-                    </dgm:if>
-                    <dgm:if name="Name129" func="var" arg="hierBranch" op="equ" val="r">
-                      <dgm:alg type="hierChild">
-                        <dgm:param type="linDir" val="fromT"/>
-                        <dgm:param type="chAlign" val="l"/>
-                      </dgm:alg>
-                    </dgm:if>
-                    <dgm:if name="Name130" func="var" arg="hierBranch" op="equ" val="hang">
-                      <dgm:choose name="Name131">
-                        <dgm:if name="Name132" func="var" arg="dir" op="equ" val="norm">
-                          <dgm:alg type="hierChild">
-                            <dgm:param type="linDir" val="fromL"/>
-                            <dgm:param type="chAlign" val="l"/>
-                            <dgm:param type="secLinDir" val="fromT"/>
-                            <dgm:param type="secChAlign" val="t"/>
-                          </dgm:alg>
-                        </dgm:if>
-                        <dgm:else name="Name133">
-                          <dgm:alg type="hierChild">
-                            <dgm:param type="linDir" val="fromR"/>
-                            <dgm:param type="chAlign" val="l"/>
-                            <dgm:param type="secLinDir" val="fromT"/>
-                            <dgm:param type="secChAlign" val="t"/>
-                          </dgm:alg>
-                        </dgm:else>
-                      </dgm:choose>
-                    </dgm:if>
-                    <dgm:if name="Name134" func="var" arg="hierBranch" op="equ" val="std">
-                      <dgm:choose name="Name135">
-                        <dgm:if name="Name136" func="var" arg="dir" op="equ" val="norm">
-                          <dgm:alg type="hierChild"/>
-                        </dgm:if>
-                        <dgm:else name="Name137">
-                          <dgm:alg type="hierChild">
-                            <dgm:param type="linDir" val="fromR"/>
-                          </dgm:alg>
-                        </dgm:else>
-                      </dgm:choose>
-                    </dgm:if>
-                    <dgm:if name="Name138" func="var" arg="hierBranch" op="equ" val="init">
-                      <dgm:choose name="Name139">
-                        <dgm:if name="Name140" axis="des" func="maxDepth" op="lte" val="1">
-                          <dgm:alg type="hierChild">
-                            <dgm:param type="linDir" val="fromT"/>
-                            <dgm:param type="chAlign" val="l"/>
-                          </dgm:alg>
-                        </dgm:if>
-                        <dgm:else name="Name141">
-                          <dgm:alg type="hierChild"/>
-                        </dgm:else>
-                      </dgm:choose>
-                    </dgm:if>
-                    <dgm:else name="Name142"/>
-                  </dgm:choose>
-                  <dgm:shape xmlns:r="http://schemas.openxmlformats.org/officeDocument/2006/relationships" r:blip="">
-                    <dgm:adjLst/>
-                  </dgm:shape>
-                  <dgm:presOf/>
-                  <dgm:constrLst/>
-                  <dgm:ruleLst/>
-                  <dgm:forEach name="Name143" ref="rep2a"/>
-                </dgm:layoutNode>
-                <dgm:layoutNode name="hierChild7">
-                  <dgm:choose name="Name144">
-                    <dgm:if name="Name145" func="var" arg="dir" op="equ" val="norm">
-                      <dgm:alg type="hierChild">
-                        <dgm:param type="linDir" val="fromL"/>
-                        <dgm:param type="chAlign" val="l"/>
-                        <dgm:param type="secLinDir" val="fromT"/>
-                        <dgm:param type="secChAlign" val="t"/>
-                      </dgm:alg>
-                    </dgm:if>
-                    <dgm:else name="Name146">
-                      <dgm:alg type="hierChild">
-                        <dgm:param type="linDir" val="fromR"/>
-                        <dgm:param type="chAlign" val="l"/>
-                        <dgm:param type="secLinDir" val="fromT"/>
-                        <dgm:param type="secChAlign" val="t"/>
-                      </dgm:alg>
-                    </dgm:else>
-                  </dgm:choose>
-                  <dgm:shape xmlns:r="http://schemas.openxmlformats.org/officeDocument/2006/relationships" r:blip="">
-                    <dgm:adjLst/>
-                  </dgm:shape>
-                  <dgm:presOf/>
-                  <dgm:constrLst/>
-                  <dgm:ruleLst/>
-                  <dgm:forEach name="Name147" ref="rep2b"/>
-                </dgm:layoutNode>
-              </dgm:layoutNode>
-            </dgm:forEach>
-          </dgm:layoutNode>
-        </dgm:layoutNode>
-      </dgm:forEach>
-    </dgm:forEach>
-  </dgm:layoutNode>
-</dgm:layoutDef>
-</file>
-
-<file path=ppt/diagrams/quickStyle1.xml><?xml version="1.0" encoding="utf-8"?>
-<dgm:styleDef xmlns:dgm="http://schemas.openxmlformats.org/drawingml/2006/diagram" xmlns:a="http://schemas.openxmlformats.org/drawingml/2006/main" uniqueId="urn:microsoft.com/office/officeart/2005/8/quickstyle/simple5#1">
-  <dgm:title val=""/>
-  <dgm:desc val=""/>
-  <dgm:catLst>
-    <dgm:cat type="simple" pri="10500"/>
-  </dgm:catLst>
-  <dgm:scene3d>
-    <a:camera prst="orthographicFront"/>
-    <a:lightRig rig="threePt" dir="t"/>
-  </dgm:scene3d>
-  <dgm:styleLbl name="alignAcc1">
-    <dgm:scene3d>
-      <a:camera prst="orthographicFront"/>
-      <a:lightRig rig="threePt" dir="t"/>
-    </dgm:scene3d>
-    <dgm:txPr/>
-    <dgm:style>
-      <a:lnRef idx="1">
-        <a:scrgbClr r="0" g="0" b="0"/>
-      </a:lnRef>
-      <a:fillRef idx="1">
-        <a:scrgbClr r="0" g="0" b="0"/>
-      </a:fillRef>
-      <a:effectRef idx="2">
-        <a:scrgbClr r="0" g="0" b="0"/>
-      </a:effectRef>
-      <a:fontRef idx="minor"/>
-    </dgm:style>
-  </dgm:styleLbl>
-  <dgm:styleLbl name="alignAccFollowNode1">
-    <dgm:scene3d>
-      <a:camera prst="orthographicFront"/>
-      <a:lightRig rig="threePt" dir="t"/>
-    </dgm:scene3d>
-    <dgm:txPr/>
-    <dgm:style>
-      <a:lnRef idx="1">
-        <a:scrgbClr r="0" g="0" b="0"/>
-      </a:lnRef>
-      <a:fillRef idx="1">
-        <a:scrgbClr r="0" g="0" b="0"/>
-      </a:fillRef>
-      <a:effectRef idx="2">
-        <a:scrgbClr r="0" g="0" b="0"/>
-      </a:effectRef>
-      <a:fontRef idx="minor"/>
-    </dgm:style>
-  </dgm:styleLbl>
-  <dgm:styleLbl name="alignImgPlace1">
-    <dgm:scene3d>
-      <a:camera prst="orthographicFront"/>
-      <a:lightRig rig="threePt" dir="t"/>
-    </dgm:scene3d>
-    <dgm:txPr/>
-    <dgm:style>
-      <a:lnRef idx="0">
-        <a:scrgbClr r="0" g="0" b="0"/>
-      </a:lnRef>
-      <a:fillRef idx="1">
-        <a:scrgbClr r="0" g="0" b="0"/>
-      </a:fillRef>
-      <a:effectRef idx="3">
-        <a:scrgbClr r="0" g="0" b="0"/>
-      </a:effectRef>
-      <a:fontRef idx="minor"/>
-    </dgm:style>
-  </dgm:styleLbl>
-  <dgm:styleLbl name="alignNode1">
-    <dgm:scene3d>
-      <a:camera prst="orthographicFront"/>
-      <a:lightRig rig="threePt" dir="t"/>
-    </dgm:scene3d>
-    <dgm:txPr/>
-    <dgm:style>
-      <a:lnRef idx="1">
-        <a:scrgbClr r="0" g="0" b="0"/>
-      </a:lnRef>
-      <a:fillRef idx="3">
-        <a:scrgbClr r="0" g="0" b="0"/>
-      </a:fillRef>
-      <a:effectRef idx="3">
-        <a:scrgbClr r="0" g="0" b="0"/>
-      </a:effectRef>
-      <a:fontRef idx="minor">
-        <a:schemeClr val="lt1"/>
-      </a:fontRef>
-    </dgm:style>
-  </dgm:styleLbl>
-  <dgm:styleLbl name="asst0">
-    <dgm:scene3d>
-      <a:camera prst="orthographicFront"/>
-      <a:lightRig rig="threePt" dir="t"/>
-    </dgm:scene3d>
-    <dgm:txPr/>
-    <dgm:style>
-      <a:lnRef idx="0">
-        <a:scrgbClr r="0" g="0" b="0"/>
-      </a:lnRef>
-      <a:fillRef idx="3">
-        <a:scrgbClr r="0" g="0" b="0"/>
-      </a:fillRef>
-      <a:effectRef idx="3">
-        <a:scrgbClr r="0" g="0" b="0"/>
-      </a:effectRef>
-      <a:fontRef idx="minor">
-        <a:schemeClr val="lt1"/>
-      </a:fontRef>
-    </dgm:style>
-  </dgm:styleLbl>
-  <dgm:styleLbl name="asst1">
-    <dgm:scene3d>
-      <a:camera prst="orthographicFront"/>
-      <a:lightRig rig="threePt" dir="t"/>
-    </dgm:scene3d>
-    <dgm:txPr/>
-    <dgm:style>
-      <a:lnRef idx="0">
-        <a:scrgbClr r="0" g="0" b="0"/>
-      </a:lnRef>
-      <a:fillRef idx="3">
-        <a:scrgbClr r="0" g="0" b="0"/>
-      </a:fillRef>
-      <a:effectRef idx="3">
-        <a:scrgbClr r="0" g="0" b="0"/>
-      </a:effectRef>
-      <a:fontRef idx="minor">
-        <a:schemeClr val="lt1"/>
-      </a:fontRef>
-    </dgm:style>
-  </dgm:styleLbl>
-  <dgm:styleLbl name="asst2">
-    <dgm:scene3d>
-      <a:camera prst="orthographicFront"/>
-      <a:lightRig rig="threePt" dir="t"/>
-    </dgm:scene3d>
-    <dgm:txPr/>
-    <dgm:style>
-      <a:lnRef idx="0">
-        <a:scrgbClr r="0" g="0" b="0"/>
-      </a:lnRef>
-      <a:fillRef idx="3">
-        <a:scrgbClr r="0" g="0" b="0"/>
-      </a:fillRef>
-      <a:effectRef idx="3">
-        <a:scrgbClr r="0" g="0" b="0"/>
-      </a:effectRef>
-      <a:fontRef idx="minor">
-        <a:schemeClr val="lt1"/>
-      </a:fontRef>
-    </dgm:style>
-  </dgm:styleLbl>
-  <dgm:styleLbl name="asst3">
-    <dgm:scene3d>
-      <a:camera prst="orthographicFront"/>
-      <a:lightRig rig="threePt" dir="t"/>
-    </dgm:scene3d>
-    <dgm:txPr/>
-    <dgm:style>
-      <a:lnRef idx="0">
-        <a:scrgbClr r="0" g="0" b="0"/>
-      </a:lnRef>
-      <a:fillRef idx="3">
-        <a:scrgbClr r="0" g="0" b="0"/>
-      </a:fillRef>
-      <a:effectRef idx="3">
-        <a:scrgbClr r="0" g="0" b="0"/>
-      </a:effectRef>
-      <a:fontRef idx="minor">
-        <a:schemeClr val="lt1"/>
-      </a:fontRef>
-    </dgm:style>
-  </dgm:styleLbl>
-  <dgm:styleLbl name="asst4">
-    <dgm:scene3d>
-      <a:camera prst="orthographicFront"/>
-      <a:lightRig rig="threePt" dir="t"/>
-    </dgm:scene3d>
-    <dgm:txPr/>
-    <dgm:style>
-      <a:lnRef idx="0">
-        <a:scrgbClr r="0" g="0" b="0"/>
-      </a:lnRef>
-      <a:fillRef idx="3">
-        <a:scrgbClr r="0" g="0" b="0"/>
-      </a:fillRef>
-      <a:effectRef idx="3">
-        <a:scrgbClr r="0" g="0" b="0"/>
-      </a:effectRef>
-      <a:fontRef idx="minor">
-        <a:schemeClr val="lt1"/>
-      </a:fontRef>
-    </dgm:style>
-  </dgm:styleLbl>
-  <dgm:styleLbl name="bgAcc1">
-    <dgm:scene3d>
-      <a:camera prst="orthographicFront"/>
-      <a:lightRig rig="threePt" dir="t"/>
-    </dgm:scene3d>
-    <dgm:txPr/>
-    <dgm:style>
-      <a:lnRef idx="1">
-        <a:scrgbClr r="0" g="0" b="0"/>
-      </a:lnRef>
-      <a:fillRef idx="1">
-        <a:scrgbClr r="0" g="0" b="0"/>
-      </a:fillRef>
-      <a:effectRef idx="2">
-        <a:scrgbClr r="0" g="0" b="0"/>
-      </a:effectRef>
-      <a:fontRef idx="minor"/>
-    </dgm:style>
-  </dgm:styleLbl>
-  <dgm:styleLbl name="bgAccFollowNode1">
-    <dgm:scene3d>
-      <a:camera prst="orthographicFront"/>
-      <a:lightRig rig="threePt" dir="t"/>
-    </dgm:scene3d>
-    <dgm:txPr/>
-    <dgm:style>
-      <a:lnRef idx="1">
-        <a:scrgbClr r="0" g="0" b="0"/>
-      </a:lnRef>
-      <a:fillRef idx="1">
-        <a:scrgbClr r="0" g="0" b="0"/>
-      </a:fillRef>
-      <a:effectRef idx="2">
-        <a:scrgbClr r="0" g="0" b="0"/>
-      </a:effectRef>
-      <a:fontRef idx="minor"/>
-    </dgm:style>
-  </dgm:styleLbl>
-  <dgm:styleLbl name="bgImgPlace1">
-    <dgm:scene3d>
-      <a:camera prst="orthographicFront"/>
-      <a:lightRig rig="threePt" dir="t"/>
-    </dgm:scene3d>
-    <dgm:txPr/>
-    <dgm:style>
-      <a:lnRef idx="0">
-        <a:scrgbClr r="0" g="0" b="0"/>
-      </a:lnRef>
-      <a:fillRef idx="1">
-        <a:scrgbClr r="0" g="0" b="0"/>
-      </a:fillRef>
-      <a:effectRef idx="3">
-        <a:scrgbClr r="0" g="0" b="0"/>
-      </a:effectRef>
-      <a:fontRef idx="minor"/>
-    </dgm:style>
-  </dgm:styleLbl>
-  <dgm:styleLbl name="bgShp">
-    <dgm:scene3d>
-      <a:camera prst="orthographicFront"/>
-      <a:lightRig rig="threePt" dir="t"/>
-    </dgm:scene3d>
-    <dgm:txPr/>
-    <dgm:style>
-      <a:lnRef idx="0">
-        <a:scrgbClr r="0" g="0" b="0"/>
-      </a:lnRef>
-      <a:fillRef idx="1">
-        <a:scrgbClr r="0" g="0" b="0"/>
-      </a:fillRef>
-      <a:effectRef idx="2">
-        <a:scrgbClr r="0" g="0" b="0"/>
-      </a:effectRef>
-      <a:fontRef idx="minor"/>
-    </dgm:style>
-  </dgm:styleLbl>
-  <dgm:styleLbl name="bgSibTrans2D1">
-    <dgm:scene3d>
-      <a:camera prst="orthographicFront"/>
-      <a:lightRig rig="threePt" dir="t"/>
-    </dgm:scene3d>
-    <dgm:txPr/>
-    <dgm:style>
-      <a:lnRef idx="0">
-        <a:scrgbClr r="0" g="0" b="0"/>
-      </a:lnRef>
-      <a:fillRef idx="3">
-        <a:scrgbClr r="0" g="0" b="0"/>
-      </a:fillRef>
-      <a:effectRef idx="3">
-        <a:scrgbClr r="0" g="0" b="0"/>
-      </a:effectRef>
-      <a:fontRef idx="minor">
-        <a:schemeClr val="lt1"/>
-      </a:fontRef>
-    </dgm:style>
-  </dgm:styleLbl>
-  <dgm:styleLbl name="callout">
-    <dgm:scene3d>
-      <a:camera prst="orthographicFront"/>
-      <a:lightRig rig="threePt" dir="t"/>
-    </dgm:scene3d>
-    <dgm:txPr/>
-    <dgm:style>
-      <a:lnRef idx="1">
-        <a:scrgbClr r="0" g="0" b="0"/>
-      </a:lnRef>
-      <a:fillRef idx="0">
-        <a:scrgbClr r="0" g="0" b="0"/>
-      </a:fillRef>
-      <a:effectRef idx="1">
-        <a:scrgbClr r="0" g="0" b="0"/>
-      </a:effectRef>
-      <a:fontRef idx="minor"/>
-    </dgm:style>
-  </dgm:styleLbl>
-  <dgm:styleLbl name="conFgAcc1">
-    <dgm:scene3d>
-      <a:camera prst="orthographicFront"/>
-      <a:lightRig rig="threePt" dir="t"/>
-    </dgm:scene3d>
-    <dgm:txPr/>
-    <dgm:style>
-      <a:lnRef idx="1">
-        <a:scrgbClr r="0" g="0" b="0"/>
-      </a:lnRef>
-      <a:fillRef idx="1">
-        <a:scrgbClr r="0" g="0" b="0"/>
-      </a:fillRef>
-      <a:effectRef idx="2">
-        <a:scrgbClr r="0" g="0" b="0"/>
-      </a:effectRef>
-      <a:fontRef idx="minor"/>
-    </dgm:style>
-  </dgm:styleLbl>
-  <dgm:styleLbl name="dkBgShp">
-    <dgm:scene3d>
-      <a:camera prst="orthographicFront"/>
-      <a:lightRig rig="threePt" dir="t"/>
-    </dgm:scene3d>
-    <dgm:txPr/>
-    <dgm:style>
-      <a:lnRef idx="0">
-        <a:scrgbClr r="0" g="0" b="0"/>
-      </a:lnRef>
-      <a:fillRef idx="1">
-        <a:scrgbClr r="0" g="0" b="0"/>
-      </a:fillRef>
-      <a:effectRef idx="3">
-        <a:scrgbClr r="0" g="0" b="0"/>
-      </a:effectRef>
-      <a:fontRef idx="minor"/>
-    </dgm:style>
-  </dgm:styleLbl>
-  <dgm:styleLbl name="fgAcc0">
-    <dgm:scene3d>
-      <a:camera prst="orthographicFront"/>
-      <a:lightRig rig="threePt" dir="t"/>
-    </dgm:scene3d>
-    <dgm:txPr/>
-    <dgm:style>
-      <a:lnRef idx="1">
-        <a:scrgbClr r="0" g="0" b="0"/>
-      </a:lnRef>
-      <a:fillRef idx="1">
-        <a:scrgbClr r="0" g="0" b="0"/>
-      </a:fillRef>
-      <a:effectRef idx="2">
-        <a:scrgbClr r="0" g="0" b="0"/>
-      </a:effectRef>
-      <a:fontRef idx="minor"/>
-    </dgm:style>
-  </dgm:styleLbl>
-  <dgm:styleLbl name="fgAcc1">
-    <dgm:scene3d>
-      <a:camera prst="orthographicFront"/>
-      <a:lightRig rig="threePt" dir="t"/>
-    </dgm:scene3d>
-    <dgm:txPr/>
-    <dgm:style>
-      <a:lnRef idx="1">
-        <a:scrgbClr r="0" g="0" b="0"/>
-      </a:lnRef>
-      <a:fillRef idx="1">
-        <a:scrgbClr r="0" g="0" b="0"/>
-      </a:fillRef>
-      <a:effectRef idx="2">
-        <a:scrgbClr r="0" g="0" b="0"/>
-      </a:effectRef>
-      <a:fontRef idx="minor"/>
-    </dgm:style>
-  </dgm:styleLbl>
-  <dgm:styleLbl name="fgAcc2">
-    <dgm:scene3d>
-      <a:camera prst="orthographicFront"/>
-      <a:lightRig rig="threePt" dir="t"/>
-    </dgm:scene3d>
-    <dgm:txPr/>
-    <dgm:style>
-      <a:lnRef idx="1">
-        <a:scrgbClr r="0" g="0" b="0"/>
-      </a:lnRef>
-      <a:fillRef idx="1">
-        <a:scrgbClr r="0" g="0" b="0"/>
-      </a:fillRef>
-      <a:effectRef idx="2">
-        <a:scrgbClr r="0" g="0" b="0"/>
-      </a:effectRef>
-      <a:fontRef idx="minor"/>
-    </dgm:style>
-  </dgm:styleLbl>
-  <dgm:styleLbl name="fgAcc3">
-    <dgm:scene3d>
-      <a:camera prst="orthographicFront"/>
-      <a:lightRig rig="threePt" dir="t"/>
-    </dgm:scene3d>
-    <dgm:txPr/>
-    <dgm:style>
-      <a:lnRef idx="1">
-        <a:scrgbClr r="0" g="0" b="0"/>
-      </a:lnRef>
-      <a:fillRef idx="1">
-        <a:scrgbClr r="0" g="0" b="0"/>
-      </a:fillRef>
-      <a:effectRef idx="2">
-        <a:scrgbClr r="0" g="0" b="0"/>
-      </a:effectRef>
-      <a:fontRef idx="minor"/>
-    </dgm:style>
-  </dgm:styleLbl>
-  <dgm:styleLbl name="fgAcc4">
-    <dgm:scene3d>
-      <a:camera prst="orthographicFront"/>
-      <a:lightRig rig="threePt" dir="t"/>
-    </dgm:scene3d>
-    <dgm:txPr/>
-    <dgm:style>
-      <a:lnRef idx="1">
-        <a:scrgbClr r="0" g="0" b="0"/>
-      </a:lnRef>
-      <a:fillRef idx="1">
-        <a:scrgbClr r="0" g="0" b="0"/>
-      </a:fillRef>
-      <a:effectRef idx="2">
-        <a:scrgbClr r="0" g="0" b="0"/>
-      </a:effectRef>
-      <a:fontRef idx="minor"/>
-    </dgm:style>
-  </dgm:styleLbl>
-  <dgm:styleLbl name="fgAccFollowNode1">
-    <dgm:scene3d>
-      <a:camera prst="orthographicFront"/>
-      <a:lightRig rig="threePt" dir="t"/>
-    </dgm:scene3d>
-    <dgm:txPr/>
-    <dgm:style>
-      <a:lnRef idx="1">
-        <a:scrgbClr r="0" g="0" b="0"/>
-      </a:lnRef>
-      <a:fillRef idx="1">
-        <a:scrgbClr r="0" g="0" b="0"/>
-      </a:fillRef>
-      <a:effectRef idx="2">
-        <a:scrgbClr r="0" g="0" b="0"/>
-      </a:effectRef>
-      <a:fontRef idx="minor"/>
-    </dgm:style>
-  </dgm:styleLbl>
-  <dgm:styleLbl name="fgImgPlace1">
-    <dgm:scene3d>
-      <a:camera prst="orthographicFront"/>
-      <a:lightRig rig="threePt" dir="t"/>
-    </dgm:scene3d>
-    <dgm:txPr/>
-    <dgm:style>
-      <a:lnRef idx="0">
-        <a:scrgbClr r="0" g="0" b="0"/>
-      </a:lnRef>
-      <a:fillRef idx="1">
-        <a:scrgbClr r="0" g="0" b="0"/>
-      </a:fillRef>
-      <a:effectRef idx="3">
-        <a:scrgbClr r="0" g="0" b="0"/>
-      </a:effectRef>
-      <a:fontRef idx="minor"/>
-    </dgm:style>
-  </dgm:styleLbl>
-  <dgm:styleLbl name="fgShp">
-    <dgm:scene3d>
-      <a:camera prst="orthographicFront"/>
-      <a:lightRig rig="threePt" dir="t"/>
-    </dgm:scene3d>
-    <dgm:txPr/>
-    <dgm:style>
-      <a:lnRef idx="0">
-        <a:scrgbClr r="0" g="0" b="0"/>
-      </a:lnRef>
-      <a:fillRef idx="3">
-        <a:scrgbClr r="0" g="0" b="0"/>
-      </a:fillRef>
-      <a:effectRef idx="3">
-        <a:scrgbClr r="0" g="0" b="0"/>
-      </a:effectRef>
-      <a:fontRef idx="minor"/>
-    </dgm:style>
-  </dgm:styleLbl>
-  <dgm:styleLbl name="fgSibTrans2D1">
-    <dgm:scene3d>
-      <a:camera prst="orthographicFront"/>
-      <a:lightRig rig="threePt" dir="t"/>
-    </dgm:scene3d>
-    <dgm:txPr/>
-    <dgm:style>
-      <a:lnRef idx="0">
-        <a:scrgbClr r="0" g="0" b="0"/>
-      </a:lnRef>
-      <a:fillRef idx="3">
-        <a:scrgbClr r="0" g="0" b="0"/>
-      </a:fillRef>
-      <a:effectRef idx="3">
-        <a:scrgbClr r="0" g="0" b="0"/>
-      </a:effectRef>
-      <a:fontRef idx="minor">
-        <a:schemeClr val="lt1"/>
-      </a:fontRef>
-    </dgm:style>
-  </dgm:styleLbl>
-  <dgm:styleLbl name="lnNode1">
-    <dgm:scene3d>
-      <a:camera prst="orthographicFront"/>
-      <a:lightRig rig="threePt" dir="t"/>
-    </dgm:scene3d>
-    <dgm:txPr/>
-    <dgm:style>
-      <a:lnRef idx="0">
-        <a:scrgbClr r="0" g="0" b="0"/>
-      </a:lnRef>
-      <a:fillRef idx="3">
-        <a:scrgbClr r="0" g="0" b="0"/>
-      </a:fillRef>
-      <a:effectRef idx="3">
-        <a:scrgbClr r="0" g="0" b="0"/>
-      </a:effectRef>
-      <a:fontRef idx="minor">
-        <a:schemeClr val="lt1"/>
-      </a:fontRef>
-    </dgm:style>
-  </dgm:styleLbl>
-  <dgm:styleLbl name="node0">
-    <dgm:scene3d>
-      <a:camera prst="orthographicFront"/>
-      <a:lightRig rig="threePt" dir="t"/>
-    </dgm:scene3d>
-    <dgm:txPr/>
-    <dgm:style>
-      <a:lnRef idx="0">
-        <a:scrgbClr r="0" g="0" b="0"/>
-      </a:lnRef>
-      <a:fillRef idx="3">
-        <a:scrgbClr r="0" g="0" b="0"/>
-      </a:fillRef>
-      <a:effectRef idx="3">
-        <a:scrgbClr r="0" g="0" b="0"/>
-      </a:effectRef>
-      <a:fontRef idx="minor">
-        <a:schemeClr val="lt1"/>
-      </a:fontRef>
-    </dgm:style>
-  </dgm:styleLbl>
-  <dgm:styleLbl name="node1">
-    <dgm:scene3d>
-      <a:camera prst="orthographicFront"/>
-      <a:lightRig rig="threePt" dir="t"/>
-    </dgm:scene3d>
-    <dgm:txPr/>
-    <dgm:style>
-      <a:lnRef idx="0">
-        <a:scrgbClr r="0" g="0" b="0"/>
-      </a:lnRef>
-      <a:fillRef idx="3">
-        <a:scrgbClr r="0" g="0" b="0"/>
-      </a:fillRef>
-      <a:effectRef idx="3">
-        <a:scrgbClr r="0" g="0" b="0"/>
-      </a:effectRef>
-      <a:fontRef idx="minor">
-        <a:schemeClr val="lt1"/>
-      </a:fontRef>
-    </dgm:style>
-  </dgm:styleLbl>
-  <dgm:styleLbl name="node2">
-    <dgm:scene3d>
-      <a:camera prst="orthographicFront"/>
-      <a:lightRig rig="threePt" dir="t"/>
-    </dgm:scene3d>
-    <dgm:txPr/>
-    <dgm:style>
-      <a:lnRef idx="0">
-        <a:scrgbClr r="0" g="0" b="0"/>
-      </a:lnRef>
-      <a:fillRef idx="3">
-        <a:scrgbClr r="0" g="0" b="0"/>
-      </a:fillRef>
-      <a:effectRef idx="3">
-        <a:scrgbClr r="0" g="0" b="0"/>
-      </a:effectRef>
-      <a:fontRef idx="minor">
-        <a:schemeClr val="lt1"/>
-      </a:fontRef>
-    </dgm:style>
-  </dgm:styleLbl>
-  <dgm:styleLbl name="node3">
-    <dgm:scene3d>
-      <a:camera prst="orthographicFront"/>
-      <a:lightRig rig="threePt" dir="t"/>
-    </dgm:scene3d>
-    <dgm:txPr/>
-    <dgm:style>
-      <a:lnRef idx="0">
-        <a:scrgbClr r="0" g="0" b="0"/>
-      </a:lnRef>
-      <a:fillRef idx="3">
-        <a:scrgbClr r="0" g="0" b="0"/>
-      </a:fillRef>
-      <a:effectRef idx="3">
-        <a:scrgbClr r="0" g="0" b="0"/>
-      </a:effectRef>
-      <a:fontRef idx="minor">
-        <a:schemeClr val="lt1"/>
-      </a:fontRef>
-    </dgm:style>
-  </dgm:styleLbl>
-  <dgm:styleLbl name="node4">
-    <dgm:scene3d>
-      <a:camera prst="orthographicFront"/>
-      <a:lightRig rig="threePt" dir="t"/>
-    </dgm:scene3d>
-    <dgm:txPr/>
-    <dgm:style>
-      <a:lnRef idx="0">
-        <a:scrgbClr r="0" g="0" b="0"/>
-      </a:lnRef>
-      <a:fillRef idx="3">
-        <a:scrgbClr r="0" g="0" b="0"/>
-      </a:fillRef>
-      <a:effectRef idx="3">
-        <a:scrgbClr r="0" g="0" b="0"/>
-      </a:effectRef>
-      <a:fontRef idx="minor">
-        <a:schemeClr val="lt1"/>
-      </a:fontRef>
-    </dgm:style>
-  </dgm:styleLbl>
-  <dgm:styleLbl name="parChTrans1D1">
-    <dgm:scene3d>
-      <a:camera prst="orthographicFront"/>
-      <a:lightRig rig="threePt" dir="t"/>
-    </dgm:scene3d>
-    <dgm:txPr/>
-    <dgm:style>
-      <a:lnRef idx="2">
-        <a:scrgbClr r="0" g="0" b="0"/>
-      </a:lnRef>
-      <a:fillRef idx="0">
-        <a:scrgbClr r="0" g="0" b="0"/>
-      </a:fillRef>
-      <a:effectRef idx="0">
-        <a:scrgbClr r="0" g="0" b="0"/>
-      </a:effectRef>
-      <a:fontRef idx="minor"/>
-    </dgm:style>
-  </dgm:styleLbl>
-  <dgm:styleLbl name="parChTrans1D2">
-    <dgm:scene3d>
-      <a:camera prst="orthographicFront"/>
-      <a:lightRig rig="threePt" dir="t"/>
-    </dgm:scene3d>
-    <dgm:txPr/>
-    <dgm:style>
-      <a:lnRef idx="2">
-        <a:scrgbClr r="0" g="0" b="0"/>
-      </a:lnRef>
-      <a:fillRef idx="0">
-        <a:scrgbClr r="0" g="0" b="0"/>
-      </a:fillRef>
-      <a:effectRef idx="0">
-        <a:scrgbClr r="0" g="0" b="0"/>
-      </a:effectRef>
-      <a:fontRef idx="minor"/>
-    </dgm:style>
-  </dgm:styleLbl>
-  <dgm:styleLbl name="parChTrans1D3">
-    <dgm:scene3d>
-      <a:camera prst="orthographicFront"/>
-      <a:lightRig rig="threePt" dir="t"/>
-    </dgm:scene3d>
-    <dgm:txPr/>
-    <dgm:style>
-      <a:lnRef idx="2">
-        <a:scrgbClr r="0" g="0" b="0"/>
-      </a:lnRef>
-      <a:fillRef idx="0">
-        <a:scrgbClr r="0" g="0" b="0"/>
-      </a:fillRef>
-      <a:effectRef idx="0">
-        <a:scrgbClr r="0" g="0" b="0"/>
-      </a:effectRef>
-      <a:fontRef idx="minor"/>
-    </dgm:style>
-  </dgm:styleLbl>
-  <dgm:styleLbl name="parChTrans1D4">
-    <dgm:scene3d>
-      <a:camera prst="orthographicFront"/>
-      <a:lightRig rig="threePt" dir="t"/>
-    </dgm:scene3d>
-    <dgm:txPr/>
-    <dgm:style>
-      <a:lnRef idx="2">
-        <a:scrgbClr r="0" g="0" b="0"/>
-      </a:lnRef>
-      <a:fillRef idx="0">
-        <a:scrgbClr r="0" g="0" b="0"/>
-      </a:fillRef>
-      <a:effectRef idx="0">
-        <a:scrgbClr r="0" g="0" b="0"/>
-      </a:effectRef>
-      <a:fontRef idx="minor"/>
-    </dgm:style>
-  </dgm:styleLbl>
-  <dgm:styleLbl name="parChTrans2D1">
-    <dgm:scene3d>
-      <a:camera prst="orthographicFront"/>
-      <a:lightRig rig="threePt" dir="t"/>
-    </dgm:scene3d>
-    <dgm:txPr/>
-    <dgm:style>
-      <a:lnRef idx="0">
-        <a:scrgbClr r="0" g="0" b="0"/>
-      </a:lnRef>
-      <a:fillRef idx="3">
-        <a:scrgbClr r="0" g="0" b="0"/>
-      </a:fillRef>
-      <a:effectRef idx="3">
-        <a:scrgbClr r="0" g="0" b="0"/>
-      </a:effectRef>
-      <a:fontRef idx="minor">
-        <a:schemeClr val="lt1"/>
-      </a:fontRef>
-    </dgm:style>
-  </dgm:styleLbl>
-  <dgm:styleLbl name="parChTrans2D2">
-    <dgm:scene3d>
-      <a:camera prst="orthographicFront"/>
-      <a:lightRig rig="threePt" dir="t"/>
-    </dgm:scene3d>
-    <dgm:txPr/>
-    <dgm:style>
-      <a:lnRef idx="0">
-        <a:scrgbClr r="0" g="0" b="0"/>
-      </a:lnRef>
-      <a:fillRef idx="3">
-        <a:scrgbClr r="0" g="0" b="0"/>
-      </a:fillRef>
-      <a:effectRef idx="3">
-        <a:scrgbClr r="0" g="0" b="0"/>
-      </a:effectRef>
-      <a:fontRef idx="minor">
-        <a:schemeClr val="lt1"/>
-      </a:fontRef>
-    </dgm:style>
-  </dgm:styleLbl>
-  <dgm:styleLbl name="parChTrans2D3">
-    <dgm:scene3d>
-      <a:camera prst="orthographicFront"/>
-      <a:lightRig rig="threePt" dir="t"/>
-    </dgm:scene3d>
-    <dgm:txPr/>
-    <dgm:style>
-      <a:lnRef idx="0">
-        <a:scrgbClr r="0" g="0" b="0"/>
-      </a:lnRef>
-      <a:fillRef idx="3">
-        <a:scrgbClr r="0" g="0" b="0"/>
-      </a:fillRef>
-      <a:effectRef idx="3">
-        <a:scrgbClr r="0" g="0" b="0"/>
-      </a:effectRef>
-      <a:fontRef idx="minor">
-        <a:schemeClr val="lt1"/>
-      </a:fontRef>
-    </dgm:style>
-  </dgm:styleLbl>
-  <dgm:styleLbl name="parChTrans2D4">
-    <dgm:scene3d>
-      <a:camera prst="orthographicFront"/>
-      <a:lightRig rig="threePt" dir="t"/>
-    </dgm:scene3d>
-    <dgm:txPr/>
-    <dgm:style>
-      <a:lnRef idx="0">
-        <a:scrgbClr r="0" g="0" b="0"/>
-      </a:lnRef>
-      <a:fillRef idx="3">
-        <a:scrgbClr r="0" g="0" b="0"/>
-      </a:fillRef>
-      <a:effectRef idx="3">
-        <a:scrgbClr r="0" g="0" b="0"/>
-      </a:effectRef>
-      <a:fontRef idx="minor">
-        <a:schemeClr val="lt1"/>
-      </a:fontRef>
-    </dgm:style>
-  </dgm:styleLbl>
-  <dgm:styleLbl name="revTx">
-    <dgm:scene3d>
-      <a:camera prst="orthographicFront"/>
-      <a:lightRig rig="threePt" dir="t"/>
-    </dgm:scene3d>
-    <dgm:txPr/>
-    <dgm:style>
-      <a:lnRef idx="0">
-        <a:scrgbClr r="0" g="0" b="0"/>
-      </a:lnRef>
-      <a:fillRef idx="0">
-        <a:scrgbClr r="0" g="0" b="0"/>
-      </a:fillRef>
-      <a:effectRef idx="0">
-        <a:scrgbClr r="0" g="0" b="0"/>
-      </a:effectRef>
-      <a:fontRef idx="minor"/>
-    </dgm:style>
-  </dgm:styleLbl>
-  <dgm:styleLbl name="sibTrans1D1">
-    <dgm:scene3d>
-      <a:camera prst="orthographicFront"/>
-      <a:lightRig rig="threePt" dir="t"/>
-    </dgm:scene3d>
-    <dgm:txPr/>
-    <dgm:style>
-      <a:lnRef idx="1">
-        <a:scrgbClr r="0" g="0" b="0"/>
-      </a:lnRef>
-      <a:fillRef idx="0">
-        <a:scrgbClr r="0" g="0" b="0"/>
-      </a:fillRef>
-      <a:effectRef idx="0">
-        <a:scrgbClr r="0" g="0" b="0"/>
-      </a:effectRef>
-      <a:fontRef idx="minor"/>
-    </dgm:style>
-  </dgm:styleLbl>
-  <dgm:styleLbl name="sibTrans2D1">
-    <dgm:scene3d>
-      <a:camera prst="orthographicFront"/>
-      <a:lightRig rig="threePt" dir="t"/>
-    </dgm:scene3d>
-    <dgm:txPr/>
-    <dgm:style>
-      <a:lnRef idx="0">
-        <a:scrgbClr r="0" g="0" b="0"/>
-      </a:lnRef>
-      <a:fillRef idx="3">
-        <a:scrgbClr r="0" g="0" b="0"/>
-      </a:fillRef>
-      <a:effectRef idx="3">
-        <a:scrgbClr r="0" g="0" b="0"/>
-      </a:effectRef>
-      <a:fontRef idx="minor">
-        <a:schemeClr val="lt1"/>
-      </a:fontRef>
-    </dgm:style>
-  </dgm:styleLbl>
-  <dgm:styleLbl name="solidAlignAcc1">
-    <dgm:scene3d>
-      <a:camera prst="orthographicFront"/>
-      <a:lightRig rig="threePt" dir="t"/>
-    </dgm:scene3d>
-    <dgm:txPr/>
-    <dgm:style>
-      <a:lnRef idx="1">
-        <a:scrgbClr r="0" g="0" b="0"/>
-      </a:lnRef>
-      <a:fillRef idx="1">
-        <a:scrgbClr r="0" g="0" b="0"/>
-      </a:fillRef>
-      <a:effectRef idx="3">
-        <a:scrgbClr r="0" g="0" b="0"/>
-      </a:effectRef>
-      <a:fontRef idx="minor"/>
-    </dgm:style>
-  </dgm:styleLbl>
-  <dgm:styleLbl name="solidBgAcc1">
-    <dgm:scene3d>
-      <a:camera prst="orthographicFront"/>
-      <a:lightRig rig="threePt" dir="t"/>
-    </dgm:scene3d>
-    <dgm:txPr/>
-    <dgm:style>
-      <a:lnRef idx="1">
-        <a:scrgbClr r="0" g="0" b="0"/>
-      </a:lnRef>
-      <a:fillRef idx="1">
-        <a:scrgbClr r="0" g="0" b="0"/>
-      </a:fillRef>
-      <a:effectRef idx="3">
-        <a:scrgbClr r="0" g="0" b="0"/>
-      </a:effectRef>
-      <a:fontRef idx="minor"/>
-    </dgm:style>
-  </dgm:styleLbl>
-  <dgm:styleLbl name="solidFgAcc1">
-    <dgm:scene3d>
-      <a:camera prst="orthographicFront"/>
-      <a:lightRig rig="threePt" dir="t"/>
-    </dgm:scene3d>
-    <dgm:txPr/>
-    <dgm:style>
-      <a:lnRef idx="1">
-        <a:scrgbClr r="0" g="0" b="0"/>
-      </a:lnRef>
-      <a:fillRef idx="1">
-        <a:scrgbClr r="0" g="0" b="0"/>
-      </a:fillRef>
-      <a:effectRef idx="2">
-        <a:scrgbClr r="0" g="0" b="0"/>
-      </a:effectRef>
-      <a:fontRef idx="minor"/>
-    </dgm:style>
-  </dgm:styleLbl>
-  <dgm:styleLbl name="trAlignAcc1">
-    <dgm:scene3d>
-      <a:camera prst="orthographicFront"/>
-      <a:lightRig rig="threePt" dir="t"/>
-    </dgm:scene3d>
-    <dgm:txPr/>
-    <dgm:style>
-      <a:lnRef idx="1">
-        <a:scrgbClr r="0" g="0" b="0"/>
-      </a:lnRef>
-      <a:fillRef idx="1">
-        <a:scrgbClr r="0" g="0" b="0"/>
-      </a:fillRef>
-      <a:effectRef idx="0">
-        <a:scrgbClr r="0" g="0" b="0"/>
-      </a:effectRef>
-      <a:fontRef idx="minor"/>
-    </dgm:style>
-  </dgm:styleLbl>
-  <dgm:styleLbl name="trBgShp">
-    <dgm:scene3d>
-      <a:camera prst="orthographicFront"/>
-      <a:lightRig rig="threePt" dir="t"/>
-    </dgm:scene3d>
-    <dgm:txPr/>
-    <dgm:style>
-      <a:lnRef idx="0">
-        <a:scrgbClr r="0" g="0" b="0"/>
-      </a:lnRef>
-      <a:fillRef idx="1">
-        <a:scrgbClr r="0" g="0" b="0"/>
-      </a:fillRef>
-      <a:effectRef idx="0">
-        <a:scrgbClr r="0" g="0" b="0"/>
-      </a:effectRef>
-      <a:fontRef idx="minor"/>
-    </dgm:style>
-  </dgm:styleLbl>
-  <dgm:styleLbl name="vennNode1">
-    <dgm:scene3d>
-      <a:camera prst="orthographicFront"/>
-      <a:lightRig rig="threePt" dir="t"/>
-    </dgm:scene3d>
-    <dgm:txPr/>
-    <dgm:style>
-      <a:lnRef idx="0">
-        <a:scrgbClr r="0" g="0" b="0"/>
-      </a:lnRef>
-      <a:fillRef idx="3">
-        <a:scrgbClr r="0" g="0" b="0"/>
-      </a:fillRef>
-      <a:effectRef idx="3">
-        <a:scrgbClr r="0" g="0" b="0"/>
-      </a:effectRef>
-      <a:fontRef idx="minor">
-        <a:schemeClr val="tx1"/>
-      </a:fontRef>
-    </dgm:style>
-  </dgm:styleLbl>
-</dgm:styleDef>
 </file>
 
 <file path=ppt/slideLayouts/slideLayout1.xml><?xml version="1.0" encoding="utf-8"?>
@@ -12376,47 +7840,6 @@
           <a:chExt cx="0" cy="0"/>
         </a:xfrm>
       </p:grpSpPr>
-      <p:graphicFrame>
-        <p:nvGraphicFramePr>
-          <p:cNvPr id="9" name="Diagram 8"/>
-          <p:cNvGraphicFramePr/>
-          <p:nvPr/>
-        </p:nvGraphicFramePr>
-        <p:xfrm>
-          <a:off x="457200" y="233916"/>
-          <a:ext cx="11621386" cy="5184751"/>
-        </p:xfrm>
-        <a:graphic>
-          <a:graphicData uri="http://schemas.openxmlformats.org/drawingml/2006/diagram">
-            <dgm:relIds xmlns:dgm="http://schemas.openxmlformats.org/drawingml/2006/diagram" xmlns:r="http://schemas.openxmlformats.org/officeDocument/2006/relationships" r:dm="rId1" r:lo="rId2" r:qs="rId3" r:cs="rId4"/>
-          </a:graphicData>
-        </a:graphic>
-      </p:graphicFrame>
-    </p:spTree>
-  </p:cSld>
-  <p:clrMapOvr>
-    <a:masterClrMapping/>
-  </p:clrMapOvr>
-</p:sld>
-</file>
-
-<file path=ppt/slides/slide16.xml><?xml version="1.0" encoding="utf-8"?>
-<p:sld xmlns:a="http://schemas.openxmlformats.org/drawingml/2006/main" xmlns:r="http://schemas.openxmlformats.org/officeDocument/2006/relationships" xmlns:p="http://schemas.openxmlformats.org/presentationml/2006/main">
-  <p:cSld>
-    <p:spTree>
-      <p:nvGrpSpPr>
-        <p:cNvPr id="1" name=""/>
-        <p:cNvGrpSpPr/>
-        <p:nvPr/>
-      </p:nvGrpSpPr>
-      <p:grpSpPr>
-        <a:xfrm>
-          <a:off x="0" y="0"/>
-          <a:ext cx="0" cy="0"/>
-          <a:chOff x="0" y="0"/>
-          <a:chExt cx="0" cy="0"/>
-        </a:xfrm>
-      </p:grpSpPr>
       <p:sp>
         <p:nvSpPr>
           <p:cNvPr id="2" name="TextBox 1"/>
@@ -12876,7 +8299,7 @@
 </p:sld>
 </file>
 
-<file path=ppt/slides/slide17.xml><?xml version="1.0" encoding="utf-8"?>
+<file path=ppt/slides/slide16.xml><?xml version="1.0" encoding="utf-8"?>
 <p:sld xmlns:a="http://schemas.openxmlformats.org/drawingml/2006/main" xmlns:r="http://schemas.openxmlformats.org/officeDocument/2006/relationships" xmlns:p="http://schemas.openxmlformats.org/presentationml/2006/main">
   <p:cSld>
     <p:spTree>
@@ -13308,7 +8731,7 @@
 </p:sld>
 </file>
 
-<file path=ppt/slides/slide18.xml><?xml version="1.0" encoding="utf-8"?>
+<file path=ppt/slides/slide17.xml><?xml version="1.0" encoding="utf-8"?>
 <p:sld xmlns:a="http://schemas.openxmlformats.org/drawingml/2006/main" xmlns:r="http://schemas.openxmlformats.org/officeDocument/2006/relationships" xmlns:p="http://schemas.openxmlformats.org/presentationml/2006/main">
   <p:cSld>
     <p:spTree>
@@ -13482,7 +8905,7 @@
 </p:sld>
 </file>
 
-<file path=ppt/slides/slide19.xml><?xml version="1.0" encoding="utf-8"?>
+<file path=ppt/slides/slide18.xml><?xml version="1.0" encoding="utf-8"?>
 <p:sld xmlns:a="http://schemas.openxmlformats.org/drawingml/2006/main" xmlns:r="http://schemas.openxmlformats.org/officeDocument/2006/relationships" xmlns:p="http://schemas.openxmlformats.org/presentationml/2006/main">
   <p:cSld>
     <p:spTree>
@@ -14041,6 +9464,409 @@
             <a:endParaRPr lang="en-US">
               <a:solidFill>
                 <a:srgbClr val="00B050"/>
+              </a:solidFill>
+            </a:endParaRPr>
+          </a:p>
+        </p:txBody>
+      </p:sp>
+    </p:spTree>
+  </p:cSld>
+  <p:clrMapOvr>
+    <a:masterClrMapping/>
+  </p:clrMapOvr>
+</p:sld>
+</file>
+
+<file path=ppt/slides/slide19.xml><?xml version="1.0" encoding="utf-8"?>
+<p:sld xmlns:a="http://schemas.openxmlformats.org/drawingml/2006/main" xmlns:r="http://schemas.openxmlformats.org/officeDocument/2006/relationships" xmlns:p="http://schemas.openxmlformats.org/presentationml/2006/main">
+  <p:cSld>
+    <p:spTree>
+      <p:nvGrpSpPr>
+        <p:cNvPr id="1" name=""/>
+        <p:cNvGrpSpPr/>
+        <p:nvPr/>
+      </p:nvGrpSpPr>
+      <p:grpSpPr>
+        <a:xfrm>
+          <a:off x="0" y="0"/>
+          <a:ext cx="0" cy="0"/>
+          <a:chOff x="0" y="0"/>
+          <a:chExt cx="0" cy="0"/>
+        </a:xfrm>
+      </p:grpSpPr>
+      <p:sp>
+        <p:nvSpPr>
+          <p:cNvPr id="3" name="TextBox 2"/>
+          <p:cNvSpPr txBox="1"/>
+          <p:nvPr/>
+        </p:nvSpPr>
+        <p:spPr>
+          <a:xfrm>
+            <a:off x="0" y="0"/>
+            <a:ext cx="6097772" cy="368300"/>
+          </a:xfrm>
+          <a:prstGeom prst="rect">
+            <a:avLst/>
+          </a:prstGeom>
+          <a:noFill/>
+        </p:spPr>
+        <p:txBody>
+          <a:bodyPr wrap="square">
+            <a:spAutoFit/>
+          </a:bodyPr>
+          <a:lstStyle/>
+          <a:p>
+            <a:pPr algn="l"/>
+            <a:r>
+              <a:rPr lang="en-US" b="1" i="0" dirty="0">
+                <a:solidFill>
+                  <a:srgbClr val="FF0000"/>
+                </a:solidFill>
+                <a:effectLst/>
+                <a:latin typeface="Tomorrow"/>
+              </a:rPr>
+              <a:t>Regression Evaluation Metrics</a:t>
+            </a:r>
+            <a:endParaRPr lang="en-US" b="1" i="0" dirty="0">
+              <a:solidFill>
+                <a:srgbClr val="FF0000"/>
+              </a:solidFill>
+              <a:effectLst/>
+              <a:latin typeface="Tomorrow"/>
+            </a:endParaRPr>
+          </a:p>
+        </p:txBody>
+      </p:sp>
+      <p:sp>
+        <p:nvSpPr>
+          <p:cNvPr id="4" name="TextBox 3"/>
+          <p:cNvSpPr txBox="1"/>
+          <p:nvPr/>
+        </p:nvSpPr>
+        <p:spPr>
+          <a:xfrm>
+            <a:off x="233680" y="605790"/>
+            <a:ext cx="9069705" cy="5134610"/>
+          </a:xfrm>
+          <a:prstGeom prst="rect">
+            <a:avLst/>
+          </a:prstGeom>
+          <a:noFill/>
+        </p:spPr>
+        <p:txBody>
+          <a:bodyPr wrap="square" rtlCol="0">
+            <a:noAutofit/>
+          </a:bodyPr>
+          <a:lstStyle/>
+          <a:p>
+            <a:pPr indent="0">
+              <a:buFont typeface="Arial" panose="020B0604020202020204" pitchFamily="34" charset="0"/>
+              <a:buNone/>
+            </a:pPr>
+            <a:r>
+              <a:rPr lang="en-US" b="1" dirty="0">
+                <a:solidFill>
+                  <a:srgbClr val="FF0000"/>
+                </a:solidFill>
+              </a:rPr>
+              <a:t>MSE </a:t>
+            </a:r>
+            <a:r>
+              <a:rPr lang="en-US" dirty="0"/>
+              <a:t>(also use as cost function/error function)</a:t>
+            </a:r>
+            <a:endParaRPr lang="en-US" dirty="0"/>
+          </a:p>
+          <a:p>
+            <a:pPr marL="742950" lvl="1" indent="-285750">
+              <a:buFont typeface="Arial" panose="020B0604020202020204" pitchFamily="34" charset="0"/>
+              <a:buChar char="•"/>
+            </a:pPr>
+            <a:r>
+              <a:rPr lang="en-US" dirty="0"/>
+              <a:t>Error is quantifiable.</a:t>
+            </a:r>
+            <a:endParaRPr lang="en-US" dirty="0"/>
+          </a:p>
+          <a:p>
+            <a:pPr marL="742950" lvl="1" indent="-285750">
+              <a:buFont typeface="Arial" panose="020B0604020202020204" pitchFamily="34" charset="0"/>
+              <a:buChar char="•"/>
+            </a:pPr>
+            <a:r>
+              <a:rPr lang="en-US" dirty="0"/>
+              <a:t>Lower the MSE better the model.</a:t>
+            </a:r>
+            <a:endParaRPr lang="en-US" dirty="0"/>
+          </a:p>
+          <a:p>
+            <a:pPr marL="742950" lvl="1" indent="-285750">
+              <a:buFont typeface="Arial" panose="020B0604020202020204" pitchFamily="34" charset="0"/>
+              <a:buChar char="•"/>
+            </a:pPr>
+            <a:r>
+              <a:rPr lang="en-US" dirty="0"/>
+              <a:t>Advantage</a:t>
+            </a:r>
+            <a:endParaRPr lang="en-US" dirty="0"/>
+          </a:p>
+          <a:p>
+            <a:pPr marL="742950" lvl="1" indent="-285750">
+              <a:buFont typeface="Arial" panose="020B0604020202020204" pitchFamily="34" charset="0"/>
+              <a:buChar char="•"/>
+            </a:pPr>
+            <a:r>
+              <a:rPr lang="en-US" dirty="0"/>
+              <a:t>disadvantage</a:t>
+            </a:r>
+            <a:endParaRPr lang="en-US" dirty="0"/>
+          </a:p>
+          <a:p>
+            <a:pPr marL="285750" indent="-285750">
+              <a:buFont typeface="Arial" panose="020B0604020202020204" pitchFamily="34" charset="0"/>
+              <a:buChar char="•"/>
+            </a:pPr>
+            <a:r>
+              <a:rPr lang="en-US" b="1" dirty="0">
+                <a:solidFill>
+                  <a:srgbClr val="FF0000"/>
+                </a:solidFill>
+              </a:rPr>
+              <a:t>RMSE</a:t>
+            </a:r>
+            <a:endParaRPr lang="en-US" b="1" dirty="0">
+              <a:solidFill>
+                <a:srgbClr val="FF0000"/>
+              </a:solidFill>
+            </a:endParaRPr>
+          </a:p>
+          <a:p>
+            <a:pPr marL="742950" lvl="1" indent="-285750">
+              <a:buFont typeface="Arial" panose="020B0604020202020204" pitchFamily="34" charset="0"/>
+              <a:buChar char="•"/>
+            </a:pPr>
+            <a:r>
+              <a:rPr lang="en-US" dirty="0"/>
+              <a:t>Root mean square </a:t>
+            </a:r>
+            <a:r>
+              <a:rPr lang="en-US" dirty="0" err="1"/>
+              <a:t>errror	</a:t>
+            </a:r>
+            <a:endParaRPr lang="en-US" dirty="0"/>
+          </a:p>
+          <a:p>
+            <a:pPr marL="285750" indent="-285750">
+              <a:buFont typeface="Arial" panose="020B0604020202020204" pitchFamily="34" charset="0"/>
+              <a:buChar char="•"/>
+            </a:pPr>
+            <a:r>
+              <a:rPr lang="en-US" b="1" dirty="0">
+                <a:solidFill>
+                  <a:srgbClr val="FF0000"/>
+                </a:solidFill>
+              </a:rPr>
+              <a:t>MAE</a:t>
+            </a:r>
+            <a:endParaRPr lang="en-US" b="1" dirty="0"/>
+          </a:p>
+          <a:p>
+            <a:pPr marL="742950" lvl="1" indent="-285750">
+              <a:buFont typeface="Arial" panose="020B0604020202020204" pitchFamily="34" charset="0"/>
+              <a:buChar char="•"/>
+            </a:pPr>
+            <a:r>
+              <a:rPr lang="en-US" dirty="0"/>
+              <a:t>Less sensitive to outlier</a:t>
+            </a:r>
+            <a:endParaRPr lang="en-US" dirty="0"/>
+          </a:p>
+          <a:p>
+            <a:pPr marL="742950" lvl="1" indent="-285750">
+              <a:buFont typeface="Arial" panose="020B0604020202020204" pitchFamily="34" charset="0"/>
+              <a:buChar char="•"/>
+            </a:pPr>
+            <a:r>
+              <a:rPr lang="en-US" dirty="0"/>
+              <a:t>More interpretable</a:t>
+            </a:r>
+            <a:endParaRPr lang="en-US" dirty="0"/>
+          </a:p>
+          <a:p>
+            <a:pPr marL="742950" lvl="1" indent="-285750">
+              <a:buFont typeface="Arial" panose="020B0604020202020204" pitchFamily="34" charset="0"/>
+              <a:buChar char="•"/>
+            </a:pPr>
+            <a:r>
+              <a:rPr lang="en-US" dirty="0"/>
+              <a:t>It is same unit</a:t>
+            </a:r>
+            <a:endParaRPr lang="en-US" dirty="0"/>
+          </a:p>
+          <a:p>
+            <a:pPr marL="742950" lvl="1" indent="-285750">
+              <a:buFont typeface="Arial" panose="020B0604020202020204" pitchFamily="34" charset="0"/>
+              <a:buChar char="•"/>
+            </a:pPr>
+            <a:endParaRPr lang="en-US" dirty="0"/>
+          </a:p>
+          <a:p>
+            <a:pPr marL="285750" indent="-285750">
+              <a:buFont typeface="Arial" panose="020B0604020202020204" pitchFamily="34" charset="0"/>
+              <a:buChar char="•"/>
+            </a:pPr>
+            <a:r>
+              <a:rPr lang="en-US" dirty="0">
+                <a:solidFill>
+                  <a:srgbClr val="FF0000"/>
+                </a:solidFill>
+                <a:sym typeface="+mn-ea"/>
+              </a:rPr>
+              <a:t>R –square:</a:t>
+            </a:r>
+            <a:r>
+              <a:rPr lang="en-US" dirty="0">
+                <a:sym typeface="+mn-ea"/>
+              </a:rPr>
+              <a:t> =1- SSE/TSS </a:t>
+            </a:r>
+            <a:r>
+              <a:rPr lang="en-US" dirty="0">
+                <a:sym typeface="Wingdings" panose="05000000000000000000" pitchFamily="2" charset="2"/>
+              </a:rPr>
+              <a:t> </a:t>
+            </a:r>
+            <a:r>
+              <a:rPr lang="en-US" dirty="0" err="1">
+                <a:sym typeface="Wingdings" panose="05000000000000000000" pitchFamily="2" charset="2"/>
+              </a:rPr>
+              <a:t>sse</a:t>
+            </a:r>
+            <a:r>
+              <a:rPr lang="en-US" dirty="0">
+                <a:sym typeface="Wingdings" panose="05000000000000000000" pitchFamily="2" charset="2"/>
+              </a:rPr>
+              <a:t>(</a:t>
+            </a:r>
+            <a:r>
+              <a:rPr lang="en-US" dirty="0" err="1">
+                <a:sym typeface="Wingdings" panose="05000000000000000000" pitchFamily="2" charset="2"/>
+              </a:rPr>
+              <a:t>Yactual</a:t>
+            </a:r>
+            <a:r>
+              <a:rPr lang="en-US" dirty="0">
+                <a:sym typeface="Wingdings" panose="05000000000000000000" pitchFamily="2" charset="2"/>
+              </a:rPr>
+              <a:t> – </a:t>
+            </a:r>
+            <a:r>
+              <a:rPr lang="en-US" dirty="0" err="1">
+                <a:sym typeface="Wingdings" panose="05000000000000000000" pitchFamily="2" charset="2"/>
+              </a:rPr>
+              <a:t>Ypredicted</a:t>
+            </a:r>
+            <a:r>
+              <a:rPr lang="en-US" dirty="0">
+                <a:sym typeface="Wingdings" panose="05000000000000000000" pitchFamily="2" charset="2"/>
+              </a:rPr>
+              <a:t>)2</a:t>
+            </a:r>
+            <a:endParaRPr lang="en-US" dirty="0"/>
+          </a:p>
+          <a:p>
+            <a:pPr marL="742950" lvl="1" indent="-285750">
+              <a:buFont typeface="Arial" panose="020B0604020202020204" pitchFamily="34" charset="0"/>
+              <a:buChar char="•"/>
+            </a:pPr>
+            <a:r>
+              <a:rPr lang="en-US" dirty="0">
+                <a:sym typeface="+mn-ea"/>
+              </a:rPr>
+              <a:t>R2 is the % variation in y explained by x.</a:t>
+            </a:r>
+            <a:endParaRPr lang="en-US" dirty="0"/>
+          </a:p>
+          <a:p>
+            <a:pPr marL="285750" indent="-285750">
+              <a:buFont typeface="Arial" panose="020B0604020202020204" pitchFamily="34" charset="0"/>
+              <a:buChar char="•"/>
+            </a:pPr>
+            <a:r>
+              <a:rPr lang="en-US" dirty="0" err="1">
+                <a:solidFill>
+                  <a:srgbClr val="FF0000"/>
+                </a:solidFill>
+                <a:sym typeface="+mn-ea"/>
+              </a:rPr>
+              <a:t>Adjecent</a:t>
+            </a:r>
+            <a:r>
+              <a:rPr lang="en-US" dirty="0">
+                <a:solidFill>
+                  <a:srgbClr val="FF0000"/>
+                </a:solidFill>
+                <a:sym typeface="+mn-ea"/>
+              </a:rPr>
+              <a:t> R-square</a:t>
+            </a:r>
+            <a:endParaRPr lang="en-US" dirty="0"/>
+          </a:p>
+          <a:p>
+            <a:pPr marL="742950" lvl="1" indent="-285750">
+              <a:buFont typeface="Arial" panose="020B0604020202020204" pitchFamily="34" charset="0"/>
+              <a:buChar char="•"/>
+            </a:pPr>
+            <a:r>
+              <a:rPr lang="en-US" dirty="0">
+                <a:sym typeface="+mn-ea"/>
+              </a:rPr>
+              <a:t>It penalize the r2 as we added more new feature </a:t>
+            </a:r>
+            <a:endParaRPr lang="en-US" dirty="0"/>
+          </a:p>
+          <a:p>
+            <a:pPr marL="742950" lvl="1" indent="-285750">
+              <a:buFont typeface="Arial" panose="020B0604020202020204" pitchFamily="34" charset="0"/>
+              <a:buChar char="•"/>
+            </a:pPr>
+            <a:endParaRPr lang="en-US" dirty="0"/>
+          </a:p>
+          <a:p>
+            <a:pPr marL="742950" lvl="1" indent="-285750">
+              <a:buFont typeface="Arial" panose="020B0604020202020204" pitchFamily="34" charset="0"/>
+              <a:buChar char="•"/>
+            </a:pPr>
+            <a:r>
+              <a:rPr lang="en-US" dirty="0">
+                <a:sym typeface="+mn-ea"/>
+              </a:rPr>
+              <a:t>We add feature when the model diff in r2 and Adjusted r2  not more than 2-5%.</a:t>
+            </a:r>
+            <a:endParaRPr lang="en-US" dirty="0"/>
+          </a:p>
+          <a:p>
+            <a:pPr lvl="1" indent="0">
+              <a:buNone/>
+            </a:pPr>
+            <a:endParaRPr lang="en-US" dirty="0"/>
+          </a:p>
+          <a:p>
+            <a:pPr lvl="1" indent="0">
+              <a:buFont typeface="Arial" panose="020B0604020202020204" pitchFamily="34" charset="0"/>
+              <a:buNone/>
+            </a:pPr>
+            <a:r>
+              <a:rPr lang="en-US" dirty="0">
+                <a:solidFill>
+                  <a:srgbClr val="00B0F0"/>
+                </a:solidFill>
+              </a:rPr>
+              <a:t>https://www.analyticsvidhya.com/blog/2021/05/know-the-best-evaluation-metrics-for-your-regression-model/</a:t>
+            </a:r>
+            <a:endParaRPr lang="en-US" dirty="0">
+              <a:solidFill>
+                <a:srgbClr val="00B0F0"/>
               </a:solidFill>
             </a:endParaRPr>
           </a:p>
@@ -14589,409 +10415,6 @@
         </p:nvSpPr>
         <p:spPr>
           <a:xfrm>
-            <a:off x="0" y="0"/>
-            <a:ext cx="6097772" cy="368300"/>
-          </a:xfrm>
-          <a:prstGeom prst="rect">
-            <a:avLst/>
-          </a:prstGeom>
-          <a:noFill/>
-        </p:spPr>
-        <p:txBody>
-          <a:bodyPr wrap="square">
-            <a:spAutoFit/>
-          </a:bodyPr>
-          <a:lstStyle/>
-          <a:p>
-            <a:pPr algn="l"/>
-            <a:r>
-              <a:rPr lang="en-US" b="1" i="0" dirty="0">
-                <a:solidFill>
-                  <a:srgbClr val="FF0000"/>
-                </a:solidFill>
-                <a:effectLst/>
-                <a:latin typeface="Tomorrow"/>
-              </a:rPr>
-              <a:t>Regression Evaluation Metrics</a:t>
-            </a:r>
-            <a:endParaRPr lang="en-US" b="1" i="0" dirty="0">
-              <a:solidFill>
-                <a:srgbClr val="FF0000"/>
-              </a:solidFill>
-              <a:effectLst/>
-              <a:latin typeface="Tomorrow"/>
-            </a:endParaRPr>
-          </a:p>
-        </p:txBody>
-      </p:sp>
-      <p:sp>
-        <p:nvSpPr>
-          <p:cNvPr id="4" name="TextBox 3"/>
-          <p:cNvSpPr txBox="1"/>
-          <p:nvPr/>
-        </p:nvSpPr>
-        <p:spPr>
-          <a:xfrm>
-            <a:off x="233680" y="605790"/>
-            <a:ext cx="9069705" cy="5134610"/>
-          </a:xfrm>
-          <a:prstGeom prst="rect">
-            <a:avLst/>
-          </a:prstGeom>
-          <a:noFill/>
-        </p:spPr>
-        <p:txBody>
-          <a:bodyPr wrap="square" rtlCol="0">
-            <a:noAutofit/>
-          </a:bodyPr>
-          <a:lstStyle/>
-          <a:p>
-            <a:pPr indent="0">
-              <a:buFont typeface="Arial" panose="020B0604020202020204" pitchFamily="34" charset="0"/>
-              <a:buNone/>
-            </a:pPr>
-            <a:r>
-              <a:rPr lang="en-US" b="1" dirty="0">
-                <a:solidFill>
-                  <a:srgbClr val="FF0000"/>
-                </a:solidFill>
-              </a:rPr>
-              <a:t>MSE </a:t>
-            </a:r>
-            <a:r>
-              <a:rPr lang="en-US" dirty="0"/>
-              <a:t>(also use as cost function/error function)</a:t>
-            </a:r>
-            <a:endParaRPr lang="en-US" dirty="0"/>
-          </a:p>
-          <a:p>
-            <a:pPr marL="742950" lvl="1" indent="-285750">
-              <a:buFont typeface="Arial" panose="020B0604020202020204" pitchFamily="34" charset="0"/>
-              <a:buChar char="•"/>
-            </a:pPr>
-            <a:r>
-              <a:rPr lang="en-US" dirty="0"/>
-              <a:t>Error is quantifiable.</a:t>
-            </a:r>
-            <a:endParaRPr lang="en-US" dirty="0"/>
-          </a:p>
-          <a:p>
-            <a:pPr marL="742950" lvl="1" indent="-285750">
-              <a:buFont typeface="Arial" panose="020B0604020202020204" pitchFamily="34" charset="0"/>
-              <a:buChar char="•"/>
-            </a:pPr>
-            <a:r>
-              <a:rPr lang="en-US" dirty="0"/>
-              <a:t>Lower the MSE better the model.</a:t>
-            </a:r>
-            <a:endParaRPr lang="en-US" dirty="0"/>
-          </a:p>
-          <a:p>
-            <a:pPr marL="742950" lvl="1" indent="-285750">
-              <a:buFont typeface="Arial" panose="020B0604020202020204" pitchFamily="34" charset="0"/>
-              <a:buChar char="•"/>
-            </a:pPr>
-            <a:r>
-              <a:rPr lang="en-US" dirty="0"/>
-              <a:t>Advantage</a:t>
-            </a:r>
-            <a:endParaRPr lang="en-US" dirty="0"/>
-          </a:p>
-          <a:p>
-            <a:pPr marL="742950" lvl="1" indent="-285750">
-              <a:buFont typeface="Arial" panose="020B0604020202020204" pitchFamily="34" charset="0"/>
-              <a:buChar char="•"/>
-            </a:pPr>
-            <a:r>
-              <a:rPr lang="en-US" dirty="0"/>
-              <a:t>disadvantage</a:t>
-            </a:r>
-            <a:endParaRPr lang="en-US" dirty="0"/>
-          </a:p>
-          <a:p>
-            <a:pPr marL="285750" indent="-285750">
-              <a:buFont typeface="Arial" panose="020B0604020202020204" pitchFamily="34" charset="0"/>
-              <a:buChar char="•"/>
-            </a:pPr>
-            <a:r>
-              <a:rPr lang="en-US" b="1" dirty="0">
-                <a:solidFill>
-                  <a:srgbClr val="FF0000"/>
-                </a:solidFill>
-              </a:rPr>
-              <a:t>RMSE</a:t>
-            </a:r>
-            <a:endParaRPr lang="en-US" b="1" dirty="0">
-              <a:solidFill>
-                <a:srgbClr val="FF0000"/>
-              </a:solidFill>
-            </a:endParaRPr>
-          </a:p>
-          <a:p>
-            <a:pPr marL="742950" lvl="1" indent="-285750">
-              <a:buFont typeface="Arial" panose="020B0604020202020204" pitchFamily="34" charset="0"/>
-              <a:buChar char="•"/>
-            </a:pPr>
-            <a:r>
-              <a:rPr lang="en-US" dirty="0"/>
-              <a:t>Root mean square </a:t>
-            </a:r>
-            <a:r>
-              <a:rPr lang="en-US" dirty="0" err="1"/>
-              <a:t>errror	</a:t>
-            </a:r>
-            <a:endParaRPr lang="en-US" dirty="0"/>
-          </a:p>
-          <a:p>
-            <a:pPr marL="285750" indent="-285750">
-              <a:buFont typeface="Arial" panose="020B0604020202020204" pitchFamily="34" charset="0"/>
-              <a:buChar char="•"/>
-            </a:pPr>
-            <a:r>
-              <a:rPr lang="en-US" b="1" dirty="0">
-                <a:solidFill>
-                  <a:srgbClr val="FF0000"/>
-                </a:solidFill>
-              </a:rPr>
-              <a:t>MAE</a:t>
-            </a:r>
-            <a:endParaRPr lang="en-US" b="1" dirty="0"/>
-          </a:p>
-          <a:p>
-            <a:pPr marL="742950" lvl="1" indent="-285750">
-              <a:buFont typeface="Arial" panose="020B0604020202020204" pitchFamily="34" charset="0"/>
-              <a:buChar char="•"/>
-            </a:pPr>
-            <a:r>
-              <a:rPr lang="en-US" dirty="0"/>
-              <a:t>Less sensitive to outlier</a:t>
-            </a:r>
-            <a:endParaRPr lang="en-US" dirty="0"/>
-          </a:p>
-          <a:p>
-            <a:pPr marL="742950" lvl="1" indent="-285750">
-              <a:buFont typeface="Arial" panose="020B0604020202020204" pitchFamily="34" charset="0"/>
-              <a:buChar char="•"/>
-            </a:pPr>
-            <a:r>
-              <a:rPr lang="en-US" dirty="0"/>
-              <a:t>More interpretable</a:t>
-            </a:r>
-            <a:endParaRPr lang="en-US" dirty="0"/>
-          </a:p>
-          <a:p>
-            <a:pPr marL="742950" lvl="1" indent="-285750">
-              <a:buFont typeface="Arial" panose="020B0604020202020204" pitchFamily="34" charset="0"/>
-              <a:buChar char="•"/>
-            </a:pPr>
-            <a:r>
-              <a:rPr lang="en-US" dirty="0"/>
-              <a:t>It is same unit</a:t>
-            </a:r>
-            <a:endParaRPr lang="en-US" dirty="0"/>
-          </a:p>
-          <a:p>
-            <a:pPr marL="742950" lvl="1" indent="-285750">
-              <a:buFont typeface="Arial" panose="020B0604020202020204" pitchFamily="34" charset="0"/>
-              <a:buChar char="•"/>
-            </a:pPr>
-            <a:endParaRPr lang="en-US" dirty="0"/>
-          </a:p>
-          <a:p>
-            <a:pPr marL="285750" indent="-285750">
-              <a:buFont typeface="Arial" panose="020B0604020202020204" pitchFamily="34" charset="0"/>
-              <a:buChar char="•"/>
-            </a:pPr>
-            <a:r>
-              <a:rPr lang="en-US" dirty="0">
-                <a:solidFill>
-                  <a:srgbClr val="FF0000"/>
-                </a:solidFill>
-                <a:sym typeface="+mn-ea"/>
-              </a:rPr>
-              <a:t>R –square:</a:t>
-            </a:r>
-            <a:r>
-              <a:rPr lang="en-US" dirty="0">
-                <a:sym typeface="+mn-ea"/>
-              </a:rPr>
-              <a:t> =1- SSE/TSS </a:t>
-            </a:r>
-            <a:r>
-              <a:rPr lang="en-US" dirty="0">
-                <a:sym typeface="Wingdings" panose="05000000000000000000" pitchFamily="2" charset="2"/>
-              </a:rPr>
-              <a:t> </a:t>
-            </a:r>
-            <a:r>
-              <a:rPr lang="en-US" dirty="0" err="1">
-                <a:sym typeface="Wingdings" panose="05000000000000000000" pitchFamily="2" charset="2"/>
-              </a:rPr>
-              <a:t>sse</a:t>
-            </a:r>
-            <a:r>
-              <a:rPr lang="en-US" dirty="0">
-                <a:sym typeface="Wingdings" panose="05000000000000000000" pitchFamily="2" charset="2"/>
-              </a:rPr>
-              <a:t>(</a:t>
-            </a:r>
-            <a:r>
-              <a:rPr lang="en-US" dirty="0" err="1">
-                <a:sym typeface="Wingdings" panose="05000000000000000000" pitchFamily="2" charset="2"/>
-              </a:rPr>
-              <a:t>Yactual</a:t>
-            </a:r>
-            <a:r>
-              <a:rPr lang="en-US" dirty="0">
-                <a:sym typeface="Wingdings" panose="05000000000000000000" pitchFamily="2" charset="2"/>
-              </a:rPr>
-              <a:t> – </a:t>
-            </a:r>
-            <a:r>
-              <a:rPr lang="en-US" dirty="0" err="1">
-                <a:sym typeface="Wingdings" panose="05000000000000000000" pitchFamily="2" charset="2"/>
-              </a:rPr>
-              <a:t>Ypredicted</a:t>
-            </a:r>
-            <a:r>
-              <a:rPr lang="en-US" dirty="0">
-                <a:sym typeface="Wingdings" panose="05000000000000000000" pitchFamily="2" charset="2"/>
-              </a:rPr>
-              <a:t>)2</a:t>
-            </a:r>
-            <a:endParaRPr lang="en-US" dirty="0"/>
-          </a:p>
-          <a:p>
-            <a:pPr marL="742950" lvl="1" indent="-285750">
-              <a:buFont typeface="Arial" panose="020B0604020202020204" pitchFamily="34" charset="0"/>
-              <a:buChar char="•"/>
-            </a:pPr>
-            <a:r>
-              <a:rPr lang="en-US" dirty="0">
-                <a:sym typeface="+mn-ea"/>
-              </a:rPr>
-              <a:t>R2 is the % variation in y explained by x.</a:t>
-            </a:r>
-            <a:endParaRPr lang="en-US" dirty="0"/>
-          </a:p>
-          <a:p>
-            <a:pPr marL="285750" indent="-285750">
-              <a:buFont typeface="Arial" panose="020B0604020202020204" pitchFamily="34" charset="0"/>
-              <a:buChar char="•"/>
-            </a:pPr>
-            <a:r>
-              <a:rPr lang="en-US" dirty="0" err="1">
-                <a:solidFill>
-                  <a:srgbClr val="FF0000"/>
-                </a:solidFill>
-                <a:sym typeface="+mn-ea"/>
-              </a:rPr>
-              <a:t>Adjecent</a:t>
-            </a:r>
-            <a:r>
-              <a:rPr lang="en-US" dirty="0">
-                <a:solidFill>
-                  <a:srgbClr val="FF0000"/>
-                </a:solidFill>
-                <a:sym typeface="+mn-ea"/>
-              </a:rPr>
-              <a:t> R-square</a:t>
-            </a:r>
-            <a:endParaRPr lang="en-US" dirty="0"/>
-          </a:p>
-          <a:p>
-            <a:pPr marL="742950" lvl="1" indent="-285750">
-              <a:buFont typeface="Arial" panose="020B0604020202020204" pitchFamily="34" charset="0"/>
-              <a:buChar char="•"/>
-            </a:pPr>
-            <a:r>
-              <a:rPr lang="en-US" dirty="0">
-                <a:sym typeface="+mn-ea"/>
-              </a:rPr>
-              <a:t>It penalize the r2 as we added more new feature </a:t>
-            </a:r>
-            <a:endParaRPr lang="en-US" dirty="0"/>
-          </a:p>
-          <a:p>
-            <a:pPr marL="742950" lvl="1" indent="-285750">
-              <a:buFont typeface="Arial" panose="020B0604020202020204" pitchFamily="34" charset="0"/>
-              <a:buChar char="•"/>
-            </a:pPr>
-            <a:endParaRPr lang="en-US" dirty="0"/>
-          </a:p>
-          <a:p>
-            <a:pPr marL="742950" lvl="1" indent="-285750">
-              <a:buFont typeface="Arial" panose="020B0604020202020204" pitchFamily="34" charset="0"/>
-              <a:buChar char="•"/>
-            </a:pPr>
-            <a:r>
-              <a:rPr lang="en-US" dirty="0">
-                <a:sym typeface="+mn-ea"/>
-              </a:rPr>
-              <a:t>We add feature when the model diff in r2 and Adjusted r2  not more than 2-5%.</a:t>
-            </a:r>
-            <a:endParaRPr lang="en-US" dirty="0"/>
-          </a:p>
-          <a:p>
-            <a:pPr lvl="1" indent="0">
-              <a:buNone/>
-            </a:pPr>
-            <a:endParaRPr lang="en-US" dirty="0"/>
-          </a:p>
-          <a:p>
-            <a:pPr lvl="1" indent="0">
-              <a:buFont typeface="Arial" panose="020B0604020202020204" pitchFamily="34" charset="0"/>
-              <a:buNone/>
-            </a:pPr>
-            <a:r>
-              <a:rPr lang="en-US" dirty="0">
-                <a:solidFill>
-                  <a:srgbClr val="00B0F0"/>
-                </a:solidFill>
-              </a:rPr>
-              <a:t>https://www.analyticsvidhya.com/blog/2021/05/know-the-best-evaluation-metrics-for-your-regression-model/</a:t>
-            </a:r>
-            <a:endParaRPr lang="en-US" dirty="0">
-              <a:solidFill>
-                <a:srgbClr val="00B0F0"/>
-              </a:solidFill>
-            </a:endParaRPr>
-          </a:p>
-        </p:txBody>
-      </p:sp>
-    </p:spTree>
-  </p:cSld>
-  <p:clrMapOvr>
-    <a:masterClrMapping/>
-  </p:clrMapOvr>
-</p:sld>
-</file>
-
-<file path=ppt/slides/slide21.xml><?xml version="1.0" encoding="utf-8"?>
-<p:sld xmlns:a="http://schemas.openxmlformats.org/drawingml/2006/main" xmlns:r="http://schemas.openxmlformats.org/officeDocument/2006/relationships" xmlns:p="http://schemas.openxmlformats.org/presentationml/2006/main">
-  <p:cSld>
-    <p:spTree>
-      <p:nvGrpSpPr>
-        <p:cNvPr id="1" name=""/>
-        <p:cNvGrpSpPr/>
-        <p:nvPr/>
-      </p:nvGrpSpPr>
-      <p:grpSpPr>
-        <a:xfrm>
-          <a:off x="0" y="0"/>
-          <a:ext cx="0" cy="0"/>
-          <a:chOff x="0" y="0"/>
-          <a:chExt cx="0" cy="0"/>
-        </a:xfrm>
-      </p:grpSpPr>
-      <p:sp>
-        <p:nvSpPr>
-          <p:cNvPr id="3" name="TextBox 2"/>
-          <p:cNvSpPr txBox="1"/>
-          <p:nvPr/>
-        </p:nvSpPr>
-        <p:spPr>
-          <a:xfrm>
             <a:off x="486439" y="256309"/>
             <a:ext cx="6097772" cy="369332"/>
           </a:xfrm>
@@ -15180,7 +10603,7 @@
 </p:sld>
 </file>
 
-<file path=ppt/slides/slide22.xml><?xml version="1.0" encoding="utf-8"?>
+<file path=ppt/slides/slide21.xml><?xml version="1.0" encoding="utf-8"?>
 <p:sld xmlns:a="http://schemas.openxmlformats.org/drawingml/2006/main" xmlns:r="http://schemas.openxmlformats.org/officeDocument/2006/relationships" xmlns:p="http://schemas.openxmlformats.org/presentationml/2006/main">
   <p:cSld>
     <p:spTree>
@@ -15353,7 +10776,7 @@
 </p:sld>
 </file>
 
-<file path=ppt/slides/slide23.xml><?xml version="1.0" encoding="utf-8"?>
+<file path=ppt/slides/slide22.xml><?xml version="1.0" encoding="utf-8"?>
 <p:sld xmlns:a="http://schemas.openxmlformats.org/drawingml/2006/main" xmlns:r="http://schemas.openxmlformats.org/officeDocument/2006/relationships" xmlns:p="http://schemas.openxmlformats.org/presentationml/2006/main">
   <p:cSld>
     <p:spTree>
@@ -15783,7 +11206,7 @@
 </p:sld>
 </file>
 
-<file path=ppt/slides/slide24.xml><?xml version="1.0" encoding="utf-8"?>
+<file path=ppt/slides/slide23.xml><?xml version="1.0" encoding="utf-8"?>
 <p:sld xmlns:a="http://schemas.openxmlformats.org/drawingml/2006/main" xmlns:r="http://schemas.openxmlformats.org/officeDocument/2006/relationships" xmlns:p="http://schemas.openxmlformats.org/presentationml/2006/main">
   <p:cSld>
     <p:spTree>
@@ -15911,7 +11334,7 @@
 </p:sld>
 </file>
 
-<file path=ppt/slides/slide25.xml><?xml version="1.0" encoding="utf-8"?>
+<file path=ppt/slides/slide24.xml><?xml version="1.0" encoding="utf-8"?>
 <p:sld xmlns:a="http://schemas.openxmlformats.org/drawingml/2006/main" xmlns:r="http://schemas.openxmlformats.org/officeDocument/2006/relationships" xmlns:p="http://schemas.openxmlformats.org/presentationml/2006/main">
   <p:cSld>
     <p:spTree>
@@ -15958,7 +11381,7 @@
 </p:sld>
 </file>
 
-<file path=ppt/slides/slide26.xml><?xml version="1.0" encoding="utf-8"?>
+<file path=ppt/slides/slide25.xml><?xml version="1.0" encoding="utf-8"?>
 <p:sld xmlns:a="http://schemas.openxmlformats.org/drawingml/2006/main" xmlns:r="http://schemas.openxmlformats.org/officeDocument/2006/relationships" xmlns:p="http://schemas.openxmlformats.org/presentationml/2006/main">
   <p:cSld>
     <p:spTree>
@@ -16302,7 +11725,7 @@
 </p:sld>
 </file>
 
-<file path=ppt/slides/slide27.xml><?xml version="1.0" encoding="utf-8"?>
+<file path=ppt/slides/slide26.xml><?xml version="1.0" encoding="utf-8"?>
 <p:sld xmlns:a="http://schemas.openxmlformats.org/drawingml/2006/main" xmlns:r="http://schemas.openxmlformats.org/officeDocument/2006/relationships" xmlns:p="http://schemas.openxmlformats.org/presentationml/2006/main">
   <p:cSld>
     <p:spTree>
@@ -16454,7 +11877,7 @@
 </p:sld>
 </file>
 
-<file path=ppt/slides/slide28.xml><?xml version="1.0" encoding="utf-8"?>
+<file path=ppt/slides/slide27.xml><?xml version="1.0" encoding="utf-8"?>
 <p:sld xmlns:a="http://schemas.openxmlformats.org/drawingml/2006/main" xmlns:r="http://schemas.openxmlformats.org/officeDocument/2006/relationships" xmlns:p="http://schemas.openxmlformats.org/presentationml/2006/main">
   <p:cSld>
     <p:spTree>
@@ -16623,7 +12046,7 @@
 </p:sld>
 </file>
 
-<file path=ppt/slides/slide29.xml><?xml version="1.0" encoding="utf-8"?>
+<file path=ppt/slides/slide28.xml><?xml version="1.0" encoding="utf-8"?>
 <p:sld xmlns:a="http://schemas.openxmlformats.org/drawingml/2006/main" xmlns:r="http://schemas.openxmlformats.org/officeDocument/2006/relationships" xmlns:p="http://schemas.openxmlformats.org/presentationml/2006/main">
   <p:cSld>
     <p:spTree>
@@ -16998,6 +12421,505 @@
               <a:solidFill>
                 <a:srgbClr val="00B0F0"/>
               </a:solidFill>
+            </a:endParaRPr>
+          </a:p>
+        </p:txBody>
+      </p:sp>
+    </p:spTree>
+  </p:cSld>
+  <p:clrMapOvr>
+    <a:masterClrMapping/>
+  </p:clrMapOvr>
+</p:sld>
+</file>
+
+<file path=ppt/slides/slide29.xml><?xml version="1.0" encoding="utf-8"?>
+<p:sld xmlns:a="http://schemas.openxmlformats.org/drawingml/2006/main" xmlns:r="http://schemas.openxmlformats.org/officeDocument/2006/relationships" xmlns:p="http://schemas.openxmlformats.org/presentationml/2006/main">
+  <p:cSld>
+    <p:spTree>
+      <p:nvGrpSpPr>
+        <p:cNvPr id="1" name=""/>
+        <p:cNvGrpSpPr/>
+        <p:nvPr/>
+      </p:nvGrpSpPr>
+      <p:grpSpPr>
+        <a:xfrm>
+          <a:off x="0" y="0"/>
+          <a:ext cx="0" cy="0"/>
+          <a:chOff x="0" y="0"/>
+          <a:chExt cx="0" cy="0"/>
+        </a:xfrm>
+      </p:grpSpPr>
+      <p:sp>
+        <p:nvSpPr>
+          <p:cNvPr id="2" name="Text Box 1"/>
+          <p:cNvSpPr txBox="1"/>
+          <p:nvPr/>
+        </p:nvSpPr>
+        <p:spPr>
+          <a:xfrm>
+            <a:off x="304165" y="528955"/>
+            <a:ext cx="5080000" cy="1931035"/>
+          </a:xfrm>
+          <a:prstGeom prst="rect">
+            <a:avLst/>
+          </a:prstGeom>
+        </p:spPr>
+        <p:txBody>
+          <a:bodyPr>
+            <a:noAutofit/>
+          </a:bodyPr>
+          <a:lstStyle/>
+          <a:p>
+            <a:pPr>
+              <a:lnSpc>
+                <a:spcPct val="100000"/>
+              </a:lnSpc>
+            </a:pPr>
+            <a:r>
+              <a:rPr sz="1600" b="0">
+                <a:solidFill>
+                  <a:schemeClr val="tx1"/>
+                </a:solidFill>
+                <a:latin typeface="Consolas" panose="020B0609020204030204"/>
+                <a:ea typeface="Consolas" panose="020B0609020204030204"/>
+              </a:rPr>
+              <a:t>#ridge regression</a:t>
+            </a:r>
+            <a:endParaRPr sz="1600" b="0">
+              <a:solidFill>
+                <a:schemeClr val="tx1"/>
+              </a:solidFill>
+              <a:latin typeface="Consolas" panose="020B0609020204030204"/>
+              <a:ea typeface="Consolas" panose="020B0609020204030204"/>
+            </a:endParaRPr>
+          </a:p>
+          <a:p>
+            <a:pPr>
+              <a:lnSpc>
+                <a:spcPct val="100000"/>
+              </a:lnSpc>
+            </a:pPr>
+            <a:r>
+              <a:rPr sz="1600" b="0">
+                <a:solidFill>
+                  <a:schemeClr val="tx1"/>
+                </a:solidFill>
+                <a:latin typeface="Consolas" panose="020B0609020204030204"/>
+                <a:ea typeface="Consolas" panose="020B0609020204030204"/>
+              </a:rPr>
+              <a:t>fromsklearn.linear_modelimportRidge</a:t>
+            </a:r>
+            <a:endParaRPr sz="1600" b="0">
+              <a:solidFill>
+                <a:schemeClr val="tx1"/>
+              </a:solidFill>
+              <a:latin typeface="Consolas" panose="020B0609020204030204"/>
+              <a:ea typeface="Consolas" panose="020B0609020204030204"/>
+            </a:endParaRPr>
+          </a:p>
+          <a:p>
+            <a:pPr>
+              <a:lnSpc>
+                <a:spcPct val="100000"/>
+              </a:lnSpc>
+            </a:pPr>
+            <a:r>
+              <a:rPr sz="1600" b="0">
+                <a:solidFill>
+                  <a:schemeClr val="tx1"/>
+                </a:solidFill>
+                <a:latin typeface="Consolas" panose="020B0609020204030204"/>
+                <a:ea typeface="Consolas" panose="020B0609020204030204"/>
+              </a:rPr>
+              <a:t>ridge_regression_model=Ridge(alpha=100)</a:t>
+            </a:r>
+            <a:endParaRPr sz="1600" b="0">
+              <a:solidFill>
+                <a:schemeClr val="tx1"/>
+              </a:solidFill>
+              <a:latin typeface="Consolas" panose="020B0609020204030204"/>
+              <a:ea typeface="Consolas" panose="020B0609020204030204"/>
+            </a:endParaRPr>
+          </a:p>
+          <a:p>
+            <a:pPr>
+              <a:lnSpc>
+                <a:spcPct val="100000"/>
+              </a:lnSpc>
+            </a:pPr>
+            <a:r>
+              <a:rPr sz="1600" b="0">
+                <a:solidFill>
+                  <a:schemeClr val="tx1"/>
+                </a:solidFill>
+                <a:latin typeface="Consolas" panose="020B0609020204030204"/>
+                <a:ea typeface="Consolas" panose="020B0609020204030204"/>
+              </a:rPr>
+              <a:t>ridge_regression_model.fit(X_train, y_train)</a:t>
+            </a:r>
+            <a:endParaRPr sz="1600" b="0">
+              <a:solidFill>
+                <a:schemeClr val="tx1"/>
+              </a:solidFill>
+              <a:latin typeface="Consolas" panose="020B0609020204030204"/>
+              <a:ea typeface="Consolas" panose="020B0609020204030204"/>
+            </a:endParaRPr>
+          </a:p>
+          <a:p>
+            <a:pPr>
+              <a:lnSpc>
+                <a:spcPct val="100000"/>
+              </a:lnSpc>
+            </a:pPr>
+            <a:r>
+              <a:rPr sz="1600" b="0">
+                <a:solidFill>
+                  <a:schemeClr val="tx1"/>
+                </a:solidFill>
+                <a:latin typeface="Consolas" panose="020B0609020204030204"/>
+                <a:ea typeface="Consolas" panose="020B0609020204030204"/>
+              </a:rPr>
+              <a:t>fori, col_nameinenumerate(X_train.columns):</a:t>
+            </a:r>
+            <a:endParaRPr sz="1600" b="0">
+              <a:solidFill>
+                <a:schemeClr val="tx1"/>
+              </a:solidFill>
+              <a:latin typeface="Consolas" panose="020B0609020204030204"/>
+              <a:ea typeface="Consolas" panose="020B0609020204030204"/>
+            </a:endParaRPr>
+          </a:p>
+          <a:p>
+            <a:pPr>
+              <a:lnSpc>
+                <a:spcPct val="100000"/>
+              </a:lnSpc>
+            </a:pPr>
+            <a:r>
+              <a:rPr sz="1600" b="0">
+                <a:solidFill>
+                  <a:schemeClr val="tx1"/>
+                </a:solidFill>
+                <a:latin typeface="Consolas" panose="020B0609020204030204"/>
+                <a:ea typeface="Consolas" panose="020B0609020204030204"/>
+              </a:rPr>
+              <a:t>    print(f"The coefficient for {col_name} is {ridge_regression_model.coef_[i]}")</a:t>
+            </a:r>
+            <a:endParaRPr sz="1600" b="0">
+              <a:solidFill>
+                <a:schemeClr val="tx1"/>
+              </a:solidFill>
+              <a:latin typeface="Consolas" panose="020B0609020204030204"/>
+              <a:ea typeface="Consolas" panose="020B0609020204030204"/>
+            </a:endParaRPr>
+          </a:p>
+        </p:txBody>
+      </p:sp>
+      <p:sp>
+        <p:nvSpPr>
+          <p:cNvPr id="6" name="Text Box 5"/>
+          <p:cNvSpPr txBox="1"/>
+          <p:nvPr/>
+        </p:nvSpPr>
+        <p:spPr>
+          <a:xfrm>
+            <a:off x="785495" y="3429000"/>
+            <a:ext cx="5080000" cy="2061210"/>
+          </a:xfrm>
+          <a:prstGeom prst="rect">
+            <a:avLst/>
+          </a:prstGeom>
+        </p:spPr>
+        <p:txBody>
+          <a:bodyPr>
+            <a:spAutoFit/>
+          </a:bodyPr>
+          <a:lstStyle/>
+          <a:p>
+            <a:pPr>
+              <a:lnSpc>
+                <a:spcPct val="100000"/>
+              </a:lnSpc>
+            </a:pPr>
+            <a:r>
+              <a:rPr sz="1600" b="0">
+                <a:solidFill>
+                  <a:schemeClr val="tx1"/>
+                </a:solidFill>
+                <a:latin typeface="Consolas" panose="020B0609020204030204"/>
+                <a:ea typeface="Consolas" panose="020B0609020204030204"/>
+              </a:rPr>
+              <a:t>#lasso regression</a:t>
+            </a:r>
+            <a:endParaRPr sz="1600" b="0">
+              <a:solidFill>
+                <a:schemeClr val="tx1"/>
+              </a:solidFill>
+              <a:latin typeface="Consolas" panose="020B0609020204030204"/>
+              <a:ea typeface="Consolas" panose="020B0609020204030204"/>
+            </a:endParaRPr>
+          </a:p>
+          <a:p>
+            <a:pPr>
+              <a:lnSpc>
+                <a:spcPct val="100000"/>
+              </a:lnSpc>
+            </a:pPr>
+            <a:r>
+              <a:rPr sz="1600" b="0">
+                <a:solidFill>
+                  <a:schemeClr val="tx1"/>
+                </a:solidFill>
+                <a:latin typeface="Consolas" panose="020B0609020204030204"/>
+                <a:ea typeface="Consolas" panose="020B0609020204030204"/>
+              </a:rPr>
+              <a:t>fromsklearn.linear_modelimportLasso</a:t>
+            </a:r>
+            <a:endParaRPr sz="1600" b="0">
+              <a:solidFill>
+                <a:schemeClr val="tx1"/>
+              </a:solidFill>
+              <a:latin typeface="Consolas" panose="020B0609020204030204"/>
+              <a:ea typeface="Consolas" panose="020B0609020204030204"/>
+            </a:endParaRPr>
+          </a:p>
+          <a:p>
+            <a:pPr>
+              <a:lnSpc>
+                <a:spcPct val="100000"/>
+              </a:lnSpc>
+            </a:pPr>
+            <a:r>
+              <a:rPr sz="1600" b="0">
+                <a:solidFill>
+                  <a:schemeClr val="tx1"/>
+                </a:solidFill>
+                <a:latin typeface="Consolas" panose="020B0609020204030204"/>
+                <a:ea typeface="Consolas" panose="020B0609020204030204"/>
+              </a:rPr>
+              <a:t>lasso_regression_model=Lasso(alpha=0.5)</a:t>
+            </a:r>
+            <a:endParaRPr sz="1600" b="0">
+              <a:solidFill>
+                <a:schemeClr val="tx1"/>
+              </a:solidFill>
+              <a:latin typeface="Consolas" panose="020B0609020204030204"/>
+              <a:ea typeface="Consolas" panose="020B0609020204030204"/>
+            </a:endParaRPr>
+          </a:p>
+          <a:p>
+            <a:pPr>
+              <a:lnSpc>
+                <a:spcPct val="100000"/>
+              </a:lnSpc>
+            </a:pPr>
+            <a:r>
+              <a:rPr sz="1600" b="0">
+                <a:solidFill>
+                  <a:schemeClr val="tx1"/>
+                </a:solidFill>
+                <a:latin typeface="Consolas" panose="020B0609020204030204"/>
+                <a:ea typeface="Consolas" panose="020B0609020204030204"/>
+              </a:rPr>
+              <a:t>lasso_regression_model.fit(X_train, y_train)</a:t>
+            </a:r>
+            <a:endParaRPr sz="1600" b="0">
+              <a:solidFill>
+                <a:schemeClr val="tx1"/>
+              </a:solidFill>
+              <a:latin typeface="Consolas" panose="020B0609020204030204"/>
+              <a:ea typeface="Consolas" panose="020B0609020204030204"/>
+            </a:endParaRPr>
+          </a:p>
+          <a:p>
+            <a:pPr>
+              <a:lnSpc>
+                <a:spcPct val="100000"/>
+              </a:lnSpc>
+            </a:pPr>
+            <a:r>
+              <a:rPr sz="1600" b="0">
+                <a:solidFill>
+                  <a:schemeClr val="tx1"/>
+                </a:solidFill>
+                <a:latin typeface="Consolas" panose="020B0609020204030204"/>
+                <a:ea typeface="Consolas" panose="020B0609020204030204"/>
+              </a:rPr>
+              <a:t>fori, col_nameinenumerate(X_train.columns):</a:t>
+            </a:r>
+            <a:endParaRPr sz="1600" b="0">
+              <a:solidFill>
+                <a:schemeClr val="tx1"/>
+              </a:solidFill>
+              <a:latin typeface="Consolas" panose="020B0609020204030204"/>
+              <a:ea typeface="Consolas" panose="020B0609020204030204"/>
+            </a:endParaRPr>
+          </a:p>
+          <a:p>
+            <a:pPr>
+              <a:lnSpc>
+                <a:spcPct val="100000"/>
+              </a:lnSpc>
+            </a:pPr>
+            <a:r>
+              <a:rPr sz="1600" b="0">
+                <a:solidFill>
+                  <a:schemeClr val="tx1"/>
+                </a:solidFill>
+                <a:latin typeface="Consolas" panose="020B0609020204030204"/>
+                <a:ea typeface="Consolas" panose="020B0609020204030204"/>
+              </a:rPr>
+              <a:t>    print(f"The coefficient for {col_name} is {lasso_regression_model.coef_[i]}")</a:t>
+            </a:r>
+            <a:endParaRPr sz="1600" b="0">
+              <a:solidFill>
+                <a:schemeClr val="tx1"/>
+              </a:solidFill>
+              <a:latin typeface="Consolas" panose="020B0609020204030204"/>
+              <a:ea typeface="Consolas" panose="020B0609020204030204"/>
+            </a:endParaRPr>
+          </a:p>
+        </p:txBody>
+      </p:sp>
+      <p:sp>
+        <p:nvSpPr>
+          <p:cNvPr id="7" name="Text Box 6"/>
+          <p:cNvSpPr txBox="1"/>
+          <p:nvPr/>
+        </p:nvSpPr>
+        <p:spPr>
+          <a:xfrm>
+            <a:off x="6538595" y="835025"/>
+            <a:ext cx="5080000" cy="2061210"/>
+          </a:xfrm>
+          <a:prstGeom prst="rect">
+            <a:avLst/>
+          </a:prstGeom>
+        </p:spPr>
+        <p:txBody>
+          <a:bodyPr>
+            <a:spAutoFit/>
+          </a:bodyPr>
+          <a:lstStyle/>
+          <a:p>
+            <a:pPr>
+              <a:lnSpc>
+                <a:spcPct val="100000"/>
+              </a:lnSpc>
+            </a:pPr>
+            <a:r>
+              <a:rPr sz="1600" b="0">
+                <a:solidFill>
+                  <a:schemeClr val="tx1"/>
+                </a:solidFill>
+                <a:latin typeface="Consolas" panose="020B0609020204030204"/>
+                <a:ea typeface="Consolas" panose="020B0609020204030204"/>
+              </a:rPr>
+              <a:t>fromsklearn.linear_modelimportElasticNet</a:t>
+            </a:r>
+            <a:endParaRPr sz="1600" b="0">
+              <a:solidFill>
+                <a:schemeClr val="tx1"/>
+              </a:solidFill>
+              <a:latin typeface="Consolas" panose="020B0609020204030204"/>
+              <a:ea typeface="Consolas" panose="020B0609020204030204"/>
+            </a:endParaRPr>
+          </a:p>
+          <a:p>
+            <a:pPr>
+              <a:lnSpc>
+                <a:spcPct val="100000"/>
+              </a:lnSpc>
+            </a:pPr>
+            <a:r>
+              <a:rPr sz="1600" b="0">
+                <a:solidFill>
+                  <a:schemeClr val="tx1"/>
+                </a:solidFill>
+                <a:latin typeface="Consolas" panose="020B0609020204030204"/>
+                <a:ea typeface="Consolas" panose="020B0609020204030204"/>
+              </a:rPr>
+              <a:t>elastic_regression_model=ElasticNet(alpha=0.8, l1_ratio=0.4)</a:t>
+            </a:r>
+            <a:endParaRPr sz="1600" b="0">
+              <a:solidFill>
+                <a:schemeClr val="tx1"/>
+              </a:solidFill>
+              <a:latin typeface="Consolas" panose="020B0609020204030204"/>
+              <a:ea typeface="Consolas" panose="020B0609020204030204"/>
+            </a:endParaRPr>
+          </a:p>
+          <a:p>
+            <a:pPr>
+              <a:lnSpc>
+                <a:spcPct val="100000"/>
+              </a:lnSpc>
+            </a:pPr>
+            <a:r>
+              <a:rPr sz="1600" b="0">
+                <a:solidFill>
+                  <a:schemeClr val="tx1"/>
+                </a:solidFill>
+                <a:latin typeface="Consolas" panose="020B0609020204030204"/>
+                <a:ea typeface="Consolas" panose="020B0609020204030204"/>
+              </a:rPr>
+              <a:t>elastic_regression_model.fit(X_train, y_train)</a:t>
+            </a:r>
+            <a:endParaRPr sz="1600" b="0">
+              <a:solidFill>
+                <a:schemeClr val="tx1"/>
+              </a:solidFill>
+              <a:latin typeface="Consolas" panose="020B0609020204030204"/>
+              <a:ea typeface="Consolas" panose="020B0609020204030204"/>
+            </a:endParaRPr>
+          </a:p>
+          <a:p>
+            <a:pPr>
+              <a:lnSpc>
+                <a:spcPct val="100000"/>
+              </a:lnSpc>
+            </a:pPr>
+            <a:r>
+              <a:rPr sz="1600" b="0">
+                <a:solidFill>
+                  <a:schemeClr val="tx1"/>
+                </a:solidFill>
+                <a:latin typeface="Consolas" panose="020B0609020204030204"/>
+                <a:ea typeface="Consolas" panose="020B0609020204030204"/>
+              </a:rPr>
+              <a:t>fori, col_nameinenumerate(X_train.columns):</a:t>
+            </a:r>
+            <a:endParaRPr sz="1600" b="0">
+              <a:solidFill>
+                <a:schemeClr val="tx1"/>
+              </a:solidFill>
+              <a:latin typeface="Consolas" panose="020B0609020204030204"/>
+              <a:ea typeface="Consolas" panose="020B0609020204030204"/>
+            </a:endParaRPr>
+          </a:p>
+          <a:p>
+            <a:pPr>
+              <a:lnSpc>
+                <a:spcPct val="100000"/>
+              </a:lnSpc>
+            </a:pPr>
+            <a:r>
+              <a:rPr sz="1600" b="0">
+                <a:solidFill>
+                  <a:schemeClr val="tx1"/>
+                </a:solidFill>
+                <a:latin typeface="Consolas" panose="020B0609020204030204"/>
+                <a:ea typeface="Consolas" panose="020B0609020204030204"/>
+              </a:rPr>
+              <a:t>    print(f"The coefficient for {col_name} is {elastic_regression_model.coef_[i]}")</a:t>
+            </a:r>
+            <a:endParaRPr sz="1600" b="0">
+              <a:solidFill>
+                <a:schemeClr val="tx1"/>
+              </a:solidFill>
+              <a:latin typeface="Consolas" panose="020B0609020204030204"/>
+              <a:ea typeface="Consolas" panose="020B0609020204030204"/>
             </a:endParaRPr>
           </a:p>
         </p:txBody>
@@ -17385,505 +13307,6 @@
           <a:chExt cx="0" cy="0"/>
         </a:xfrm>
       </p:grpSpPr>
-      <p:sp>
-        <p:nvSpPr>
-          <p:cNvPr id="2" name="Text Box 1"/>
-          <p:cNvSpPr txBox="1"/>
-          <p:nvPr/>
-        </p:nvSpPr>
-        <p:spPr>
-          <a:xfrm>
-            <a:off x="304165" y="528955"/>
-            <a:ext cx="5080000" cy="1931035"/>
-          </a:xfrm>
-          <a:prstGeom prst="rect">
-            <a:avLst/>
-          </a:prstGeom>
-        </p:spPr>
-        <p:txBody>
-          <a:bodyPr>
-            <a:noAutofit/>
-          </a:bodyPr>
-          <a:lstStyle/>
-          <a:p>
-            <a:pPr>
-              <a:lnSpc>
-                <a:spcPct val="100000"/>
-              </a:lnSpc>
-            </a:pPr>
-            <a:r>
-              <a:rPr sz="1600" b="0">
-                <a:solidFill>
-                  <a:schemeClr val="tx1"/>
-                </a:solidFill>
-                <a:latin typeface="Consolas" panose="020B0609020204030204"/>
-                <a:ea typeface="Consolas" panose="020B0609020204030204"/>
-              </a:rPr>
-              <a:t>#ridge regression</a:t>
-            </a:r>
-            <a:endParaRPr sz="1600" b="0">
-              <a:solidFill>
-                <a:schemeClr val="tx1"/>
-              </a:solidFill>
-              <a:latin typeface="Consolas" panose="020B0609020204030204"/>
-              <a:ea typeface="Consolas" panose="020B0609020204030204"/>
-            </a:endParaRPr>
-          </a:p>
-          <a:p>
-            <a:pPr>
-              <a:lnSpc>
-                <a:spcPct val="100000"/>
-              </a:lnSpc>
-            </a:pPr>
-            <a:r>
-              <a:rPr sz="1600" b="0">
-                <a:solidFill>
-                  <a:schemeClr val="tx1"/>
-                </a:solidFill>
-                <a:latin typeface="Consolas" panose="020B0609020204030204"/>
-                <a:ea typeface="Consolas" panose="020B0609020204030204"/>
-              </a:rPr>
-              <a:t>fromsklearn.linear_modelimportRidge</a:t>
-            </a:r>
-            <a:endParaRPr sz="1600" b="0">
-              <a:solidFill>
-                <a:schemeClr val="tx1"/>
-              </a:solidFill>
-              <a:latin typeface="Consolas" panose="020B0609020204030204"/>
-              <a:ea typeface="Consolas" panose="020B0609020204030204"/>
-            </a:endParaRPr>
-          </a:p>
-          <a:p>
-            <a:pPr>
-              <a:lnSpc>
-                <a:spcPct val="100000"/>
-              </a:lnSpc>
-            </a:pPr>
-            <a:r>
-              <a:rPr sz="1600" b="0">
-                <a:solidFill>
-                  <a:schemeClr val="tx1"/>
-                </a:solidFill>
-                <a:latin typeface="Consolas" panose="020B0609020204030204"/>
-                <a:ea typeface="Consolas" panose="020B0609020204030204"/>
-              </a:rPr>
-              <a:t>ridge_regression_model=Ridge(alpha=100)</a:t>
-            </a:r>
-            <a:endParaRPr sz="1600" b="0">
-              <a:solidFill>
-                <a:schemeClr val="tx1"/>
-              </a:solidFill>
-              <a:latin typeface="Consolas" panose="020B0609020204030204"/>
-              <a:ea typeface="Consolas" panose="020B0609020204030204"/>
-            </a:endParaRPr>
-          </a:p>
-          <a:p>
-            <a:pPr>
-              <a:lnSpc>
-                <a:spcPct val="100000"/>
-              </a:lnSpc>
-            </a:pPr>
-            <a:r>
-              <a:rPr sz="1600" b="0">
-                <a:solidFill>
-                  <a:schemeClr val="tx1"/>
-                </a:solidFill>
-                <a:latin typeface="Consolas" panose="020B0609020204030204"/>
-                <a:ea typeface="Consolas" panose="020B0609020204030204"/>
-              </a:rPr>
-              <a:t>ridge_regression_model.fit(X_train, y_train)</a:t>
-            </a:r>
-            <a:endParaRPr sz="1600" b="0">
-              <a:solidFill>
-                <a:schemeClr val="tx1"/>
-              </a:solidFill>
-              <a:latin typeface="Consolas" panose="020B0609020204030204"/>
-              <a:ea typeface="Consolas" panose="020B0609020204030204"/>
-            </a:endParaRPr>
-          </a:p>
-          <a:p>
-            <a:pPr>
-              <a:lnSpc>
-                <a:spcPct val="100000"/>
-              </a:lnSpc>
-            </a:pPr>
-            <a:r>
-              <a:rPr sz="1600" b="0">
-                <a:solidFill>
-                  <a:schemeClr val="tx1"/>
-                </a:solidFill>
-                <a:latin typeface="Consolas" panose="020B0609020204030204"/>
-                <a:ea typeface="Consolas" panose="020B0609020204030204"/>
-              </a:rPr>
-              <a:t>fori, col_nameinenumerate(X_train.columns):</a:t>
-            </a:r>
-            <a:endParaRPr sz="1600" b="0">
-              <a:solidFill>
-                <a:schemeClr val="tx1"/>
-              </a:solidFill>
-              <a:latin typeface="Consolas" panose="020B0609020204030204"/>
-              <a:ea typeface="Consolas" panose="020B0609020204030204"/>
-            </a:endParaRPr>
-          </a:p>
-          <a:p>
-            <a:pPr>
-              <a:lnSpc>
-                <a:spcPct val="100000"/>
-              </a:lnSpc>
-            </a:pPr>
-            <a:r>
-              <a:rPr sz="1600" b="0">
-                <a:solidFill>
-                  <a:schemeClr val="tx1"/>
-                </a:solidFill>
-                <a:latin typeface="Consolas" panose="020B0609020204030204"/>
-                <a:ea typeface="Consolas" panose="020B0609020204030204"/>
-              </a:rPr>
-              <a:t>    print(f"The coefficient for {col_name} is {ridge_regression_model.coef_[i]}")</a:t>
-            </a:r>
-            <a:endParaRPr sz="1600" b="0">
-              <a:solidFill>
-                <a:schemeClr val="tx1"/>
-              </a:solidFill>
-              <a:latin typeface="Consolas" panose="020B0609020204030204"/>
-              <a:ea typeface="Consolas" panose="020B0609020204030204"/>
-            </a:endParaRPr>
-          </a:p>
-        </p:txBody>
-      </p:sp>
-      <p:sp>
-        <p:nvSpPr>
-          <p:cNvPr id="6" name="Text Box 5"/>
-          <p:cNvSpPr txBox="1"/>
-          <p:nvPr/>
-        </p:nvSpPr>
-        <p:spPr>
-          <a:xfrm>
-            <a:off x="785495" y="3429000"/>
-            <a:ext cx="5080000" cy="2061210"/>
-          </a:xfrm>
-          <a:prstGeom prst="rect">
-            <a:avLst/>
-          </a:prstGeom>
-        </p:spPr>
-        <p:txBody>
-          <a:bodyPr>
-            <a:spAutoFit/>
-          </a:bodyPr>
-          <a:lstStyle/>
-          <a:p>
-            <a:pPr>
-              <a:lnSpc>
-                <a:spcPct val="100000"/>
-              </a:lnSpc>
-            </a:pPr>
-            <a:r>
-              <a:rPr sz="1600" b="0">
-                <a:solidFill>
-                  <a:schemeClr val="tx1"/>
-                </a:solidFill>
-                <a:latin typeface="Consolas" panose="020B0609020204030204"/>
-                <a:ea typeface="Consolas" panose="020B0609020204030204"/>
-              </a:rPr>
-              <a:t>#lasso regression</a:t>
-            </a:r>
-            <a:endParaRPr sz="1600" b="0">
-              <a:solidFill>
-                <a:schemeClr val="tx1"/>
-              </a:solidFill>
-              <a:latin typeface="Consolas" panose="020B0609020204030204"/>
-              <a:ea typeface="Consolas" panose="020B0609020204030204"/>
-            </a:endParaRPr>
-          </a:p>
-          <a:p>
-            <a:pPr>
-              <a:lnSpc>
-                <a:spcPct val="100000"/>
-              </a:lnSpc>
-            </a:pPr>
-            <a:r>
-              <a:rPr sz="1600" b="0">
-                <a:solidFill>
-                  <a:schemeClr val="tx1"/>
-                </a:solidFill>
-                <a:latin typeface="Consolas" panose="020B0609020204030204"/>
-                <a:ea typeface="Consolas" panose="020B0609020204030204"/>
-              </a:rPr>
-              <a:t>fromsklearn.linear_modelimportLasso</a:t>
-            </a:r>
-            <a:endParaRPr sz="1600" b="0">
-              <a:solidFill>
-                <a:schemeClr val="tx1"/>
-              </a:solidFill>
-              <a:latin typeface="Consolas" panose="020B0609020204030204"/>
-              <a:ea typeface="Consolas" panose="020B0609020204030204"/>
-            </a:endParaRPr>
-          </a:p>
-          <a:p>
-            <a:pPr>
-              <a:lnSpc>
-                <a:spcPct val="100000"/>
-              </a:lnSpc>
-            </a:pPr>
-            <a:r>
-              <a:rPr sz="1600" b="0">
-                <a:solidFill>
-                  <a:schemeClr val="tx1"/>
-                </a:solidFill>
-                <a:latin typeface="Consolas" panose="020B0609020204030204"/>
-                <a:ea typeface="Consolas" panose="020B0609020204030204"/>
-              </a:rPr>
-              <a:t>lasso_regression_model=Lasso(alpha=0.5)</a:t>
-            </a:r>
-            <a:endParaRPr sz="1600" b="0">
-              <a:solidFill>
-                <a:schemeClr val="tx1"/>
-              </a:solidFill>
-              <a:latin typeface="Consolas" panose="020B0609020204030204"/>
-              <a:ea typeface="Consolas" panose="020B0609020204030204"/>
-            </a:endParaRPr>
-          </a:p>
-          <a:p>
-            <a:pPr>
-              <a:lnSpc>
-                <a:spcPct val="100000"/>
-              </a:lnSpc>
-            </a:pPr>
-            <a:r>
-              <a:rPr sz="1600" b="0">
-                <a:solidFill>
-                  <a:schemeClr val="tx1"/>
-                </a:solidFill>
-                <a:latin typeface="Consolas" panose="020B0609020204030204"/>
-                <a:ea typeface="Consolas" panose="020B0609020204030204"/>
-              </a:rPr>
-              <a:t>lasso_regression_model.fit(X_train, y_train)</a:t>
-            </a:r>
-            <a:endParaRPr sz="1600" b="0">
-              <a:solidFill>
-                <a:schemeClr val="tx1"/>
-              </a:solidFill>
-              <a:latin typeface="Consolas" panose="020B0609020204030204"/>
-              <a:ea typeface="Consolas" panose="020B0609020204030204"/>
-            </a:endParaRPr>
-          </a:p>
-          <a:p>
-            <a:pPr>
-              <a:lnSpc>
-                <a:spcPct val="100000"/>
-              </a:lnSpc>
-            </a:pPr>
-            <a:r>
-              <a:rPr sz="1600" b="0">
-                <a:solidFill>
-                  <a:schemeClr val="tx1"/>
-                </a:solidFill>
-                <a:latin typeface="Consolas" panose="020B0609020204030204"/>
-                <a:ea typeface="Consolas" panose="020B0609020204030204"/>
-              </a:rPr>
-              <a:t>fori, col_nameinenumerate(X_train.columns):</a:t>
-            </a:r>
-            <a:endParaRPr sz="1600" b="0">
-              <a:solidFill>
-                <a:schemeClr val="tx1"/>
-              </a:solidFill>
-              <a:latin typeface="Consolas" panose="020B0609020204030204"/>
-              <a:ea typeface="Consolas" panose="020B0609020204030204"/>
-            </a:endParaRPr>
-          </a:p>
-          <a:p>
-            <a:pPr>
-              <a:lnSpc>
-                <a:spcPct val="100000"/>
-              </a:lnSpc>
-            </a:pPr>
-            <a:r>
-              <a:rPr sz="1600" b="0">
-                <a:solidFill>
-                  <a:schemeClr val="tx1"/>
-                </a:solidFill>
-                <a:latin typeface="Consolas" panose="020B0609020204030204"/>
-                <a:ea typeface="Consolas" panose="020B0609020204030204"/>
-              </a:rPr>
-              <a:t>    print(f"The coefficient for {col_name} is {lasso_regression_model.coef_[i]}")</a:t>
-            </a:r>
-            <a:endParaRPr sz="1600" b="0">
-              <a:solidFill>
-                <a:schemeClr val="tx1"/>
-              </a:solidFill>
-              <a:latin typeface="Consolas" panose="020B0609020204030204"/>
-              <a:ea typeface="Consolas" panose="020B0609020204030204"/>
-            </a:endParaRPr>
-          </a:p>
-        </p:txBody>
-      </p:sp>
-      <p:sp>
-        <p:nvSpPr>
-          <p:cNvPr id="7" name="Text Box 6"/>
-          <p:cNvSpPr txBox="1"/>
-          <p:nvPr/>
-        </p:nvSpPr>
-        <p:spPr>
-          <a:xfrm>
-            <a:off x="6538595" y="835025"/>
-            <a:ext cx="5080000" cy="2061210"/>
-          </a:xfrm>
-          <a:prstGeom prst="rect">
-            <a:avLst/>
-          </a:prstGeom>
-        </p:spPr>
-        <p:txBody>
-          <a:bodyPr>
-            <a:spAutoFit/>
-          </a:bodyPr>
-          <a:lstStyle/>
-          <a:p>
-            <a:pPr>
-              <a:lnSpc>
-                <a:spcPct val="100000"/>
-              </a:lnSpc>
-            </a:pPr>
-            <a:r>
-              <a:rPr sz="1600" b="0">
-                <a:solidFill>
-                  <a:schemeClr val="tx1"/>
-                </a:solidFill>
-                <a:latin typeface="Consolas" panose="020B0609020204030204"/>
-                <a:ea typeface="Consolas" panose="020B0609020204030204"/>
-              </a:rPr>
-              <a:t>fromsklearn.linear_modelimportElasticNet</a:t>
-            </a:r>
-            <a:endParaRPr sz="1600" b="0">
-              <a:solidFill>
-                <a:schemeClr val="tx1"/>
-              </a:solidFill>
-              <a:latin typeface="Consolas" panose="020B0609020204030204"/>
-              <a:ea typeface="Consolas" panose="020B0609020204030204"/>
-            </a:endParaRPr>
-          </a:p>
-          <a:p>
-            <a:pPr>
-              <a:lnSpc>
-                <a:spcPct val="100000"/>
-              </a:lnSpc>
-            </a:pPr>
-            <a:r>
-              <a:rPr sz="1600" b="0">
-                <a:solidFill>
-                  <a:schemeClr val="tx1"/>
-                </a:solidFill>
-                <a:latin typeface="Consolas" panose="020B0609020204030204"/>
-                <a:ea typeface="Consolas" panose="020B0609020204030204"/>
-              </a:rPr>
-              <a:t>elastic_regression_model=ElasticNet(alpha=0.8, l1_ratio=0.4)</a:t>
-            </a:r>
-            <a:endParaRPr sz="1600" b="0">
-              <a:solidFill>
-                <a:schemeClr val="tx1"/>
-              </a:solidFill>
-              <a:latin typeface="Consolas" panose="020B0609020204030204"/>
-              <a:ea typeface="Consolas" panose="020B0609020204030204"/>
-            </a:endParaRPr>
-          </a:p>
-          <a:p>
-            <a:pPr>
-              <a:lnSpc>
-                <a:spcPct val="100000"/>
-              </a:lnSpc>
-            </a:pPr>
-            <a:r>
-              <a:rPr sz="1600" b="0">
-                <a:solidFill>
-                  <a:schemeClr val="tx1"/>
-                </a:solidFill>
-                <a:latin typeface="Consolas" panose="020B0609020204030204"/>
-                <a:ea typeface="Consolas" panose="020B0609020204030204"/>
-              </a:rPr>
-              <a:t>elastic_regression_model.fit(X_train, y_train)</a:t>
-            </a:r>
-            <a:endParaRPr sz="1600" b="0">
-              <a:solidFill>
-                <a:schemeClr val="tx1"/>
-              </a:solidFill>
-              <a:latin typeface="Consolas" panose="020B0609020204030204"/>
-              <a:ea typeface="Consolas" panose="020B0609020204030204"/>
-            </a:endParaRPr>
-          </a:p>
-          <a:p>
-            <a:pPr>
-              <a:lnSpc>
-                <a:spcPct val="100000"/>
-              </a:lnSpc>
-            </a:pPr>
-            <a:r>
-              <a:rPr sz="1600" b="0">
-                <a:solidFill>
-                  <a:schemeClr val="tx1"/>
-                </a:solidFill>
-                <a:latin typeface="Consolas" panose="020B0609020204030204"/>
-                <a:ea typeface="Consolas" panose="020B0609020204030204"/>
-              </a:rPr>
-              <a:t>fori, col_nameinenumerate(X_train.columns):</a:t>
-            </a:r>
-            <a:endParaRPr sz="1600" b="0">
-              <a:solidFill>
-                <a:schemeClr val="tx1"/>
-              </a:solidFill>
-              <a:latin typeface="Consolas" panose="020B0609020204030204"/>
-              <a:ea typeface="Consolas" panose="020B0609020204030204"/>
-            </a:endParaRPr>
-          </a:p>
-          <a:p>
-            <a:pPr>
-              <a:lnSpc>
-                <a:spcPct val="100000"/>
-              </a:lnSpc>
-            </a:pPr>
-            <a:r>
-              <a:rPr sz="1600" b="0">
-                <a:solidFill>
-                  <a:schemeClr val="tx1"/>
-                </a:solidFill>
-                <a:latin typeface="Consolas" panose="020B0609020204030204"/>
-                <a:ea typeface="Consolas" panose="020B0609020204030204"/>
-              </a:rPr>
-              <a:t>    print(f"The coefficient for {col_name} is {elastic_regression_model.coef_[i]}")</a:t>
-            </a:r>
-            <a:endParaRPr sz="1600" b="0">
-              <a:solidFill>
-                <a:schemeClr val="tx1"/>
-              </a:solidFill>
-              <a:latin typeface="Consolas" panose="020B0609020204030204"/>
-              <a:ea typeface="Consolas" panose="020B0609020204030204"/>
-            </a:endParaRPr>
-          </a:p>
-        </p:txBody>
-      </p:sp>
-    </p:spTree>
-  </p:cSld>
-  <p:clrMapOvr>
-    <a:masterClrMapping/>
-  </p:clrMapOvr>
-</p:sld>
-</file>
-
-<file path=ppt/slides/slide31.xml><?xml version="1.0" encoding="utf-8"?>
-<p:sld xmlns:a="http://schemas.openxmlformats.org/drawingml/2006/main" xmlns:r="http://schemas.openxmlformats.org/officeDocument/2006/relationships" xmlns:p="http://schemas.openxmlformats.org/presentationml/2006/main">
-  <p:cSld>
-    <p:spTree>
-      <p:nvGrpSpPr>
-        <p:cNvPr id="1" name=""/>
-        <p:cNvGrpSpPr/>
-        <p:nvPr/>
-      </p:nvGrpSpPr>
-      <p:grpSpPr>
-        <a:xfrm>
-          <a:off x="0" y="0"/>
-          <a:ext cx="0" cy="0"/>
-          <a:chOff x="0" y="0"/>
-          <a:chExt cx="0" cy="0"/>
-        </a:xfrm>
-      </p:grpSpPr>
       <p:pic>
         <p:nvPicPr>
           <p:cNvPr id="2" name="Picture 1"/>
@@ -17914,7 +13337,7 @@
 </p:sld>
 </file>
 
-<file path=ppt/slides/slide32.xml><?xml version="1.0" encoding="utf-8"?>
+<file path=ppt/slides/slide31.xml><?xml version="1.0" encoding="utf-8"?>
 <p:sld xmlns:a="http://schemas.openxmlformats.org/drawingml/2006/main" xmlns:r="http://schemas.openxmlformats.org/officeDocument/2006/relationships" xmlns:p="http://schemas.openxmlformats.org/presentationml/2006/main">
   <p:cSld>
     <p:spTree>
@@ -18432,7 +13855,7 @@
 </p:sld>
 </file>
 
-<file path=ppt/slides/slide33.xml><?xml version="1.0" encoding="utf-8"?>
+<file path=ppt/slides/slide32.xml><?xml version="1.0" encoding="utf-8"?>
 <p:sld xmlns:a="http://schemas.openxmlformats.org/drawingml/2006/main" xmlns:r="http://schemas.openxmlformats.org/officeDocument/2006/relationships" xmlns:p="http://schemas.openxmlformats.org/presentationml/2006/main">
   <p:cSld>
     <p:spTree>
@@ -19003,7 +14426,7 @@
 </p:sld>
 </file>
 
-<file path=ppt/slides/slide34.xml><?xml version="1.0" encoding="utf-8"?>
+<file path=ppt/slides/slide33.xml><?xml version="1.0" encoding="utf-8"?>
 <p:sld xmlns:a="http://schemas.openxmlformats.org/drawingml/2006/main" xmlns:r="http://schemas.openxmlformats.org/officeDocument/2006/relationships" xmlns:p="http://schemas.openxmlformats.org/presentationml/2006/main">
   <p:cSld>
     <p:spTree>
@@ -19586,7 +15009,7 @@
 </p:sld>
 </file>
 
-<file path=ppt/slides/slide35.xml><?xml version="1.0" encoding="utf-8"?>
+<file path=ppt/slides/slide34.xml><?xml version="1.0" encoding="utf-8"?>
 <p:sld xmlns:a="http://schemas.openxmlformats.org/drawingml/2006/main" xmlns:r="http://schemas.openxmlformats.org/officeDocument/2006/relationships" xmlns:p="http://schemas.openxmlformats.org/presentationml/2006/main">
   <p:cSld>
     <p:spTree>
@@ -19805,7 +15228,7 @@
 </p:sld>
 </file>
 
-<file path=ppt/slides/slide36.xml><?xml version="1.0" encoding="utf-8"?>
+<file path=ppt/slides/slide35.xml><?xml version="1.0" encoding="utf-8"?>
 <p:sld xmlns:a="http://schemas.openxmlformats.org/drawingml/2006/main" xmlns:r="http://schemas.openxmlformats.org/officeDocument/2006/relationships" xmlns:p="http://schemas.openxmlformats.org/presentationml/2006/main">
   <p:cSld>
     <p:spTree>
@@ -19893,7 +15316,7 @@
 </p:sld>
 </file>
 
-<file path=ppt/slides/slide37.xml><?xml version="1.0" encoding="utf-8"?>
+<file path=ppt/slides/slide36.xml><?xml version="1.0" encoding="utf-8"?>
 <p:sld xmlns:a="http://schemas.openxmlformats.org/drawingml/2006/main" xmlns:r="http://schemas.openxmlformats.org/officeDocument/2006/relationships" xmlns:p="http://schemas.openxmlformats.org/presentationml/2006/main">
   <p:cSld>
     <p:spTree>
